--- a/Developing with Spring Boot.pptx
+++ b/Developing with Spring Boot.pptx
@@ -10,38 +10,48 @@
   <p:sldIdLst>
     <p:sldId id="308" r:id="rId3"/>
     <p:sldId id="300" r:id="rId5"/>
-    <p:sldId id="540" r:id="rId6"/>
-    <p:sldId id="543" r:id="rId7"/>
-    <p:sldId id="544" r:id="rId8"/>
-    <p:sldId id="542" r:id="rId9"/>
-    <p:sldId id="541" r:id="rId10"/>
-    <p:sldId id="550" r:id="rId11"/>
-    <p:sldId id="548" r:id="rId12"/>
-    <p:sldId id="549" r:id="rId13"/>
-    <p:sldId id="551" r:id="rId14"/>
-    <p:sldId id="552" r:id="rId15"/>
-    <p:sldId id="553" r:id="rId16"/>
-    <p:sldId id="554" r:id="rId17"/>
-    <p:sldId id="555" r:id="rId18"/>
-    <p:sldId id="556" r:id="rId19"/>
-    <p:sldId id="557" r:id="rId20"/>
-    <p:sldId id="558" r:id="rId21"/>
-    <p:sldId id="559" r:id="rId22"/>
-    <p:sldId id="560" r:id="rId23"/>
-    <p:sldId id="561" r:id="rId24"/>
-    <p:sldId id="562" r:id="rId25"/>
-    <p:sldId id="563" r:id="rId26"/>
-    <p:sldId id="571" r:id="rId27"/>
-    <p:sldId id="572" r:id="rId28"/>
-    <p:sldId id="573" r:id="rId29"/>
-    <p:sldId id="570" r:id="rId30"/>
-    <p:sldId id="564" r:id="rId31"/>
-    <p:sldId id="566" r:id="rId32"/>
-    <p:sldId id="565" r:id="rId33"/>
-    <p:sldId id="567" r:id="rId34"/>
-    <p:sldId id="568" r:id="rId35"/>
-    <p:sldId id="569" r:id="rId36"/>
-    <p:sldId id="301" r:id="rId37"/>
+    <p:sldId id="582" r:id="rId6"/>
+    <p:sldId id="540" r:id="rId7"/>
+    <p:sldId id="543" r:id="rId8"/>
+    <p:sldId id="544" r:id="rId9"/>
+    <p:sldId id="542" r:id="rId10"/>
+    <p:sldId id="584" r:id="rId11"/>
+    <p:sldId id="541" r:id="rId12"/>
+    <p:sldId id="585" r:id="rId13"/>
+    <p:sldId id="588" r:id="rId14"/>
+    <p:sldId id="586" r:id="rId15"/>
+    <p:sldId id="550" r:id="rId16"/>
+    <p:sldId id="548" r:id="rId17"/>
+    <p:sldId id="549" r:id="rId18"/>
+    <p:sldId id="551" r:id="rId19"/>
+    <p:sldId id="587" r:id="rId20"/>
+    <p:sldId id="553" r:id="rId21"/>
+    <p:sldId id="623" r:id="rId22"/>
+    <p:sldId id="592" r:id="rId23"/>
+    <p:sldId id="552" r:id="rId24"/>
+    <p:sldId id="554" r:id="rId25"/>
+    <p:sldId id="555" r:id="rId26"/>
+    <p:sldId id="556" r:id="rId27"/>
+    <p:sldId id="591" r:id="rId28"/>
+    <p:sldId id="559" r:id="rId29"/>
+    <p:sldId id="557" r:id="rId30"/>
+    <p:sldId id="558" r:id="rId31"/>
+    <p:sldId id="560" r:id="rId32"/>
+    <p:sldId id="561" r:id="rId33"/>
+    <p:sldId id="563" r:id="rId34"/>
+    <p:sldId id="571" r:id="rId35"/>
+    <p:sldId id="572" r:id="rId36"/>
+    <p:sldId id="573" r:id="rId37"/>
+    <p:sldId id="570" r:id="rId38"/>
+    <p:sldId id="564" r:id="rId39"/>
+    <p:sldId id="589" r:id="rId40"/>
+    <p:sldId id="566" r:id="rId41"/>
+    <p:sldId id="565" r:id="rId42"/>
+    <p:sldId id="567" r:id="rId43"/>
+    <p:sldId id="568" r:id="rId44"/>
+    <p:sldId id="590" r:id="rId45"/>
+    <p:sldId id="569" r:id="rId46"/>
+    <p:sldId id="301" r:id="rId47"/>
   </p:sldIdLst>
   <p:sldSz cx="9144000" cy="6858000" type="screen4x3"/>
   <p:notesSz cx="6858000" cy="9144000"/>
@@ -2157,6 +2167,773 @@
       <p:grpSpPr/>
       <p:sp>
         <p:nvSpPr>
+          <p:cNvPr id="10" name="Rounded Rectangle 9"/>
+          <p:cNvSpPr/>
+          <p:nvPr/>
+        </p:nvSpPr>
+        <p:spPr>
+          <a:xfrm>
+            <a:off x="4606290" y="1829435"/>
+            <a:ext cx="4312920" cy="4717415"/>
+          </a:xfrm>
+          <a:prstGeom prst="roundRect">
+            <a:avLst/>
+          </a:prstGeom>
+          <a:solidFill>
+            <a:schemeClr val="accent6">
+              <a:alpha val="45000"/>
+            </a:schemeClr>
+          </a:solidFill>
+          <a:ln>
+            <a:solidFill>
+              <a:schemeClr val="accent1">
+                <a:shade val="50000"/>
+              </a:schemeClr>
+            </a:solidFill>
+          </a:ln>
+        </p:spPr>
+        <p:style>
+          <a:lnRef idx="2">
+            <a:schemeClr val="accent1">
+              <a:shade val="50000"/>
+            </a:schemeClr>
+          </a:lnRef>
+          <a:fillRef idx="1">
+            <a:schemeClr val="accent1"/>
+          </a:fillRef>
+          <a:effectRef idx="0">
+            <a:schemeClr val="accent1"/>
+          </a:effectRef>
+          <a:fontRef idx="minor">
+            <a:schemeClr val="lt1"/>
+          </a:fontRef>
+        </p:style>
+        <p:txBody>
+          <a:bodyPr rtlCol="0" anchor="ctr"/>
+          <a:p>
+            <a:pPr algn="ctr"/>
+            <a:endParaRPr lang="en-US"/>
+          </a:p>
+        </p:txBody>
+      </p:sp>
+      <p:sp>
+        <p:nvSpPr>
+          <p:cNvPr id="7" name="Rounded Rectangle 6"/>
+          <p:cNvSpPr/>
+          <p:nvPr/>
+        </p:nvSpPr>
+        <p:spPr>
+          <a:xfrm>
+            <a:off x="135890" y="1830705"/>
+            <a:ext cx="4312920" cy="4717415"/>
+          </a:xfrm>
+          <a:prstGeom prst="roundRect">
+            <a:avLst/>
+          </a:prstGeom>
+          <a:solidFill>
+            <a:schemeClr val="accent1">
+              <a:alpha val="24000"/>
+            </a:schemeClr>
+          </a:solidFill>
+          <a:ln>
+            <a:solidFill>
+              <a:schemeClr val="accent1">
+                <a:shade val="50000"/>
+              </a:schemeClr>
+            </a:solidFill>
+          </a:ln>
+        </p:spPr>
+        <p:style>
+          <a:lnRef idx="2">
+            <a:schemeClr val="accent1">
+              <a:shade val="50000"/>
+            </a:schemeClr>
+          </a:lnRef>
+          <a:fillRef idx="1">
+            <a:schemeClr val="accent1"/>
+          </a:fillRef>
+          <a:effectRef idx="0">
+            <a:schemeClr val="accent1"/>
+          </a:effectRef>
+          <a:fontRef idx="minor">
+            <a:schemeClr val="lt1"/>
+          </a:fontRef>
+        </p:style>
+        <p:txBody>
+          <a:bodyPr rtlCol="0" anchor="ctr"/>
+          <a:p>
+            <a:pPr algn="ctr"/>
+            <a:endParaRPr lang="en-US"/>
+          </a:p>
+        </p:txBody>
+      </p:sp>
+      <p:sp>
+        <p:nvSpPr>
+          <p:cNvPr id="4" name="Title 3"/>
+          <p:cNvSpPr>
+            <a:spLocks noGrp="1"/>
+          </p:cNvSpPr>
+          <p:nvPr>
+            <p:ph type="title"/>
+          </p:nvPr>
+        </p:nvSpPr>
+        <p:spPr/>
+        <p:txBody>
+          <a:bodyPr/>
+          <a:p>
+            <a:r>
+              <a:rPr lang="en-US"/>
+              <a:t>Spring  vs. Spring Boot</a:t>
+            </a:r>
+            <a:endParaRPr lang="en-US"/>
+          </a:p>
+        </p:txBody>
+      </p:sp>
+      <p:sp>
+        <p:nvSpPr>
+          <p:cNvPr id="5" name="Content Placeholder 4"/>
+          <p:cNvSpPr>
+            <a:spLocks noGrp="1"/>
+          </p:cNvSpPr>
+          <p:nvPr>
+            <p:ph sz="half" idx="1"/>
+          </p:nvPr>
+        </p:nvSpPr>
+        <p:spPr>
+          <a:xfrm>
+            <a:off x="175895" y="2073275"/>
+            <a:ext cx="4491990" cy="4474845"/>
+          </a:xfrm>
+        </p:spPr>
+        <p:txBody>
+          <a:bodyPr/>
+          <a:p>
+            <a:r>
+              <a:rPr lang="en-US" sz="2400"/>
+              <a:t>Light-weight POJO based approach instead of EJBs.</a:t>
+            </a:r>
+            <a:endParaRPr lang="en-US" sz="2400"/>
+          </a:p>
+          <a:p>
+            <a:r>
+              <a:rPr lang="en-US" sz="2400">
+                <a:sym typeface="+mn-ea"/>
+              </a:rPr>
+              <a:t>Suitable for Service-Oriented Architecture</a:t>
+            </a:r>
+            <a:endParaRPr lang="en-US" sz="2400"/>
+          </a:p>
+          <a:p>
+            <a:r>
+              <a:rPr lang="en-US" sz="2400"/>
+              <a:t>Manual Configuration</a:t>
+            </a:r>
+            <a:endParaRPr lang="en-US" sz="2400"/>
+          </a:p>
+          <a:p>
+            <a:r>
+              <a:rPr lang="en-US" sz="2400"/>
+              <a:t>Need to manage dependencies manually</a:t>
+            </a:r>
+            <a:endParaRPr lang="en-US" sz="2400"/>
+          </a:p>
+          <a:p>
+            <a:r>
+              <a:rPr lang="en-US" sz="2400"/>
+              <a:t>Dependency versions needs to be compatible.</a:t>
+            </a:r>
+            <a:endParaRPr lang="en-US" sz="2400"/>
+          </a:p>
+          <a:p>
+            <a:r>
+              <a:rPr lang="en-US" sz="2400"/>
+              <a:t>XML and Annotation based configurations</a:t>
+            </a:r>
+            <a:endParaRPr lang="en-US" sz="2400"/>
+          </a:p>
+        </p:txBody>
+      </p:sp>
+      <p:sp>
+        <p:nvSpPr>
+          <p:cNvPr id="6" name="Content Placeholder 5"/>
+          <p:cNvSpPr>
+            <a:spLocks noGrp="1"/>
+          </p:cNvSpPr>
+          <p:nvPr>
+            <p:ph sz="half" idx="2"/>
+          </p:nvPr>
+        </p:nvSpPr>
+        <p:spPr>
+          <a:xfrm>
+            <a:off x="4674235" y="1999615"/>
+            <a:ext cx="4126230" cy="4431030"/>
+          </a:xfrm>
+        </p:spPr>
+        <p:txBody>
+          <a:bodyPr>
+            <a:noAutofit/>
+          </a:bodyPr>
+          <a:p>
+            <a:r>
+              <a:rPr lang="en-US" sz="2400"/>
+              <a:t>Runnable Jar and embedded Tomcat based approach.</a:t>
+            </a:r>
+            <a:endParaRPr lang="en-US" sz="2400"/>
+          </a:p>
+          <a:p>
+            <a:r>
+              <a:rPr lang="en-US" sz="2400"/>
+              <a:t>Suitable for Micro-Service Architecture.</a:t>
+            </a:r>
+            <a:endParaRPr lang="en-US" sz="2400"/>
+          </a:p>
+          <a:p>
+            <a:r>
+              <a:rPr lang="en-US" sz="2400"/>
+              <a:t>Auto-Configuration</a:t>
+            </a:r>
+            <a:endParaRPr lang="en-US" sz="2400"/>
+          </a:p>
+          <a:p>
+            <a:r>
+              <a:rPr lang="en-US" sz="2400"/>
+              <a:t>Starter POMs manage dependencies.</a:t>
+            </a:r>
+            <a:endParaRPr lang="en-US" sz="2400"/>
+          </a:p>
+          <a:p>
+            <a:r>
+              <a:rPr lang="en-US" sz="2400"/>
+              <a:t>Dependency versions are managed automatically.</a:t>
+            </a:r>
+            <a:endParaRPr lang="en-US" sz="2400"/>
+          </a:p>
+          <a:p>
+            <a:r>
+              <a:rPr lang="en-US" sz="2400"/>
+              <a:t>Purely Annotation based minimal configuration.</a:t>
+            </a:r>
+            <a:endParaRPr lang="en-US" sz="2400"/>
+          </a:p>
+        </p:txBody>
+      </p:sp>
+      <p:sp>
+        <p:nvSpPr>
+          <p:cNvPr id="8" name="Rounded Rectangle 7"/>
+          <p:cNvSpPr/>
+          <p:nvPr/>
+        </p:nvSpPr>
+        <p:spPr>
+          <a:xfrm>
+            <a:off x="219075" y="866775"/>
+            <a:ext cx="4139565" cy="751840"/>
+          </a:xfrm>
+          <a:prstGeom prst="roundRect">
+            <a:avLst/>
+          </a:prstGeom>
+          <a:solidFill>
+            <a:schemeClr val="accent1">
+              <a:lumMod val="50000"/>
+              <a:alpha val="55000"/>
+            </a:schemeClr>
+          </a:solidFill>
+          <a:ln>
+            <a:solidFill>
+              <a:schemeClr val="accent1">
+                <a:shade val="50000"/>
+              </a:schemeClr>
+            </a:solidFill>
+          </a:ln>
+        </p:spPr>
+        <p:style>
+          <a:lnRef idx="2">
+            <a:schemeClr val="accent1">
+              <a:shade val="50000"/>
+            </a:schemeClr>
+          </a:lnRef>
+          <a:fillRef idx="1">
+            <a:schemeClr val="accent1"/>
+          </a:fillRef>
+          <a:effectRef idx="0">
+            <a:schemeClr val="accent1"/>
+          </a:effectRef>
+          <a:fontRef idx="minor">
+            <a:schemeClr val="lt1"/>
+          </a:fontRef>
+        </p:style>
+        <p:txBody>
+          <a:bodyPr rtlCol="0" anchor="ctr"/>
+          <a:p>
+            <a:pPr algn="ctr"/>
+            <a:endParaRPr lang="en-US"/>
+          </a:p>
+        </p:txBody>
+      </p:sp>
+      <p:sp>
+        <p:nvSpPr>
+          <p:cNvPr id="9" name="Content Placeholder 4"/>
+          <p:cNvSpPr>
+            <a:spLocks noGrp="1"/>
+          </p:cNvSpPr>
+          <p:nvPr/>
+        </p:nvSpPr>
+        <p:spPr>
+          <a:xfrm>
+            <a:off x="67945" y="1005205"/>
+            <a:ext cx="4491990" cy="485775"/>
+          </a:xfrm>
+          <a:prstGeom prst="rect">
+            <a:avLst/>
+          </a:prstGeom>
+        </p:spPr>
+        <p:txBody>
+          <a:bodyPr vert="horz" lIns="91440" tIns="45720" rIns="91440" bIns="45720" rtlCol="0">
+            <a:normAutofit/>
+          </a:bodyPr>
+          <a:lstStyle>
+            <a:lvl1pPr marL="228600" indent="-228600" algn="l" defTabSz="914400" rtl="0" eaLnBrk="1" latinLnBrk="0" hangingPunct="1">
+              <a:lnSpc>
+                <a:spcPct val="90000"/>
+              </a:lnSpc>
+              <a:spcBef>
+                <a:spcPts val="1000"/>
+              </a:spcBef>
+              <a:buFont typeface="Arial" panose="020B0604020202020204" pitchFamily="34" charset="0"/>
+              <a:buChar char="•"/>
+              <a:defRPr sz="2800" kern="1200">
+                <a:solidFill>
+                  <a:schemeClr val="tx1"/>
+                </a:solidFill>
+                <a:latin typeface="+mn-lt"/>
+                <a:ea typeface="+mn-ea"/>
+                <a:cs typeface="+mn-cs"/>
+              </a:defRPr>
+            </a:lvl1pPr>
+            <a:lvl2pPr marL="685800" indent="-228600" algn="l" defTabSz="914400" rtl="0" eaLnBrk="1" latinLnBrk="0" hangingPunct="1">
+              <a:lnSpc>
+                <a:spcPct val="90000"/>
+              </a:lnSpc>
+              <a:spcBef>
+                <a:spcPts val="500"/>
+              </a:spcBef>
+              <a:buFont typeface="Arial" panose="020B0604020202020204" pitchFamily="34" charset="0"/>
+              <a:buChar char="•"/>
+              <a:defRPr sz="2400" kern="1200">
+                <a:solidFill>
+                  <a:schemeClr val="tx1"/>
+                </a:solidFill>
+                <a:latin typeface="+mn-lt"/>
+                <a:ea typeface="+mn-ea"/>
+                <a:cs typeface="+mn-cs"/>
+              </a:defRPr>
+            </a:lvl2pPr>
+            <a:lvl3pPr marL="1143000" indent="-228600" algn="l" defTabSz="914400" rtl="0" eaLnBrk="1" latinLnBrk="0" hangingPunct="1">
+              <a:lnSpc>
+                <a:spcPct val="90000"/>
+              </a:lnSpc>
+              <a:spcBef>
+                <a:spcPts val="500"/>
+              </a:spcBef>
+              <a:buFont typeface="Arial" panose="020B0604020202020204" pitchFamily="34" charset="0"/>
+              <a:buChar char="•"/>
+              <a:defRPr sz="2000" kern="1200">
+                <a:solidFill>
+                  <a:schemeClr val="tx1"/>
+                </a:solidFill>
+                <a:latin typeface="+mn-lt"/>
+                <a:ea typeface="+mn-ea"/>
+                <a:cs typeface="+mn-cs"/>
+              </a:defRPr>
+            </a:lvl3pPr>
+            <a:lvl4pPr marL="1600200" indent="-228600" algn="l" defTabSz="914400" rtl="0" eaLnBrk="1" latinLnBrk="0" hangingPunct="1">
+              <a:lnSpc>
+                <a:spcPct val="90000"/>
+              </a:lnSpc>
+              <a:spcBef>
+                <a:spcPts val="500"/>
+              </a:spcBef>
+              <a:buFont typeface="Arial" panose="020B0604020202020204" pitchFamily="34" charset="0"/>
+              <a:buChar char="•"/>
+              <a:defRPr sz="1800" kern="1200">
+                <a:solidFill>
+                  <a:schemeClr val="tx1"/>
+                </a:solidFill>
+                <a:latin typeface="+mn-lt"/>
+                <a:ea typeface="+mn-ea"/>
+                <a:cs typeface="+mn-cs"/>
+              </a:defRPr>
+            </a:lvl4pPr>
+            <a:lvl5pPr marL="2057400" indent="-228600" algn="l" defTabSz="914400" rtl="0" eaLnBrk="1" latinLnBrk="0" hangingPunct="1">
+              <a:lnSpc>
+                <a:spcPct val="90000"/>
+              </a:lnSpc>
+              <a:spcBef>
+                <a:spcPts val="500"/>
+              </a:spcBef>
+              <a:buFont typeface="Arial" panose="020B0604020202020204" pitchFamily="34" charset="0"/>
+              <a:buChar char="•"/>
+              <a:defRPr sz="1800" kern="1200">
+                <a:solidFill>
+                  <a:schemeClr val="tx1"/>
+                </a:solidFill>
+                <a:latin typeface="+mn-lt"/>
+                <a:ea typeface="+mn-ea"/>
+                <a:cs typeface="+mn-cs"/>
+              </a:defRPr>
+            </a:lvl5pPr>
+            <a:lvl6pPr marL="2514600" indent="-228600" algn="l" defTabSz="914400" rtl="0" eaLnBrk="1" latinLnBrk="0" hangingPunct="1">
+              <a:lnSpc>
+                <a:spcPct val="90000"/>
+              </a:lnSpc>
+              <a:spcBef>
+                <a:spcPts val="500"/>
+              </a:spcBef>
+              <a:buFont typeface="Arial" panose="020B0604020202020204" pitchFamily="34" charset="0"/>
+              <a:buChar char="•"/>
+              <a:defRPr sz="1800" kern="1200">
+                <a:solidFill>
+                  <a:schemeClr val="tx1"/>
+                </a:solidFill>
+                <a:latin typeface="+mn-lt"/>
+                <a:ea typeface="+mn-ea"/>
+                <a:cs typeface="+mn-cs"/>
+              </a:defRPr>
+            </a:lvl6pPr>
+            <a:lvl7pPr marL="2971800" indent="-228600" algn="l" defTabSz="914400" rtl="0" eaLnBrk="1" latinLnBrk="0" hangingPunct="1">
+              <a:lnSpc>
+                <a:spcPct val="90000"/>
+              </a:lnSpc>
+              <a:spcBef>
+                <a:spcPts val="500"/>
+              </a:spcBef>
+              <a:buFont typeface="Arial" panose="020B0604020202020204" pitchFamily="34" charset="0"/>
+              <a:buChar char="•"/>
+              <a:defRPr sz="1800" kern="1200">
+                <a:solidFill>
+                  <a:schemeClr val="tx1"/>
+                </a:solidFill>
+                <a:latin typeface="+mn-lt"/>
+                <a:ea typeface="+mn-ea"/>
+                <a:cs typeface="+mn-cs"/>
+              </a:defRPr>
+            </a:lvl7pPr>
+            <a:lvl8pPr marL="3429000" indent="-228600" algn="l" defTabSz="914400" rtl="0" eaLnBrk="1" latinLnBrk="0" hangingPunct="1">
+              <a:lnSpc>
+                <a:spcPct val="90000"/>
+              </a:lnSpc>
+              <a:spcBef>
+                <a:spcPts val="500"/>
+              </a:spcBef>
+              <a:buFont typeface="Arial" panose="020B0604020202020204" pitchFamily="34" charset="0"/>
+              <a:buChar char="•"/>
+              <a:defRPr sz="1800" kern="1200">
+                <a:solidFill>
+                  <a:schemeClr val="tx1"/>
+                </a:solidFill>
+                <a:latin typeface="+mn-lt"/>
+                <a:ea typeface="+mn-ea"/>
+                <a:cs typeface="+mn-cs"/>
+              </a:defRPr>
+            </a:lvl8pPr>
+            <a:lvl9pPr marL="3886200" indent="-228600" algn="l" defTabSz="914400" rtl="0" eaLnBrk="1" latinLnBrk="0" hangingPunct="1">
+              <a:lnSpc>
+                <a:spcPct val="90000"/>
+              </a:lnSpc>
+              <a:spcBef>
+                <a:spcPts val="500"/>
+              </a:spcBef>
+              <a:buFont typeface="Arial" panose="020B0604020202020204" pitchFamily="34" charset="0"/>
+              <a:buChar char="•"/>
+              <a:defRPr sz="1800" kern="1200">
+                <a:solidFill>
+                  <a:schemeClr val="tx1"/>
+                </a:solidFill>
+                <a:latin typeface="+mn-lt"/>
+                <a:ea typeface="+mn-ea"/>
+                <a:cs typeface="+mn-cs"/>
+              </a:defRPr>
+            </a:lvl9pPr>
+          </a:lstStyle>
+          <a:p>
+            <a:pPr marL="0" indent="0" algn="ctr">
+              <a:buNone/>
+            </a:pPr>
+            <a:r>
+              <a:rPr lang="en-US" sz="2400" b="1"/>
+              <a:t>Spring Platform</a:t>
+            </a:r>
+            <a:endParaRPr lang="en-US" sz="2400" b="1"/>
+          </a:p>
+        </p:txBody>
+      </p:sp>
+      <p:sp>
+        <p:nvSpPr>
+          <p:cNvPr id="11" name="Rounded Rectangle 10"/>
+          <p:cNvSpPr/>
+          <p:nvPr/>
+        </p:nvSpPr>
+        <p:spPr>
+          <a:xfrm>
+            <a:off x="4627245" y="865505"/>
+            <a:ext cx="4139565" cy="751840"/>
+          </a:xfrm>
+          <a:prstGeom prst="roundRect">
+            <a:avLst/>
+          </a:prstGeom>
+          <a:solidFill>
+            <a:schemeClr val="accent6">
+              <a:alpha val="73000"/>
+            </a:schemeClr>
+          </a:solidFill>
+          <a:ln>
+            <a:solidFill>
+              <a:schemeClr val="accent1">
+                <a:shade val="50000"/>
+              </a:schemeClr>
+            </a:solidFill>
+          </a:ln>
+        </p:spPr>
+        <p:style>
+          <a:lnRef idx="2">
+            <a:schemeClr val="accent1">
+              <a:shade val="50000"/>
+            </a:schemeClr>
+          </a:lnRef>
+          <a:fillRef idx="1">
+            <a:schemeClr val="accent1"/>
+          </a:fillRef>
+          <a:effectRef idx="0">
+            <a:schemeClr val="accent1"/>
+          </a:effectRef>
+          <a:fontRef idx="minor">
+            <a:schemeClr val="lt1"/>
+          </a:fontRef>
+        </p:style>
+        <p:txBody>
+          <a:bodyPr rtlCol="0" anchor="ctr"/>
+          <a:p>
+            <a:pPr algn="ctr"/>
+            <a:endParaRPr lang="en-US"/>
+          </a:p>
+        </p:txBody>
+      </p:sp>
+      <p:sp>
+        <p:nvSpPr>
+          <p:cNvPr id="12" name="Content Placeholder 4"/>
+          <p:cNvSpPr>
+            <a:spLocks noGrp="1"/>
+          </p:cNvSpPr>
+          <p:nvPr/>
+        </p:nvSpPr>
+        <p:spPr>
+          <a:xfrm>
+            <a:off x="4468495" y="1003935"/>
+            <a:ext cx="4491990" cy="485775"/>
+          </a:xfrm>
+          <a:prstGeom prst="rect">
+            <a:avLst/>
+          </a:prstGeom>
+        </p:spPr>
+        <p:txBody>
+          <a:bodyPr vert="horz" lIns="91440" tIns="45720" rIns="91440" bIns="45720" rtlCol="0">
+            <a:normAutofit/>
+          </a:bodyPr>
+          <a:lstStyle>
+            <a:lvl1pPr marL="228600" indent="-228600" algn="l" defTabSz="914400" rtl="0" eaLnBrk="1" latinLnBrk="0" hangingPunct="1">
+              <a:lnSpc>
+                <a:spcPct val="90000"/>
+              </a:lnSpc>
+              <a:spcBef>
+                <a:spcPts val="1000"/>
+              </a:spcBef>
+              <a:buFont typeface="Arial" panose="020B0604020202020204" pitchFamily="34" charset="0"/>
+              <a:buChar char="•"/>
+              <a:defRPr sz="2800" kern="1200">
+                <a:solidFill>
+                  <a:schemeClr val="tx1"/>
+                </a:solidFill>
+                <a:latin typeface="+mn-lt"/>
+                <a:ea typeface="+mn-ea"/>
+                <a:cs typeface="+mn-cs"/>
+              </a:defRPr>
+            </a:lvl1pPr>
+            <a:lvl2pPr marL="685800" indent="-228600" algn="l" defTabSz="914400" rtl="0" eaLnBrk="1" latinLnBrk="0" hangingPunct="1">
+              <a:lnSpc>
+                <a:spcPct val="90000"/>
+              </a:lnSpc>
+              <a:spcBef>
+                <a:spcPts val="500"/>
+              </a:spcBef>
+              <a:buFont typeface="Arial" panose="020B0604020202020204" pitchFamily="34" charset="0"/>
+              <a:buChar char="•"/>
+              <a:defRPr sz="2400" kern="1200">
+                <a:solidFill>
+                  <a:schemeClr val="tx1"/>
+                </a:solidFill>
+                <a:latin typeface="+mn-lt"/>
+                <a:ea typeface="+mn-ea"/>
+                <a:cs typeface="+mn-cs"/>
+              </a:defRPr>
+            </a:lvl2pPr>
+            <a:lvl3pPr marL="1143000" indent="-228600" algn="l" defTabSz="914400" rtl="0" eaLnBrk="1" latinLnBrk="0" hangingPunct="1">
+              <a:lnSpc>
+                <a:spcPct val="90000"/>
+              </a:lnSpc>
+              <a:spcBef>
+                <a:spcPts val="500"/>
+              </a:spcBef>
+              <a:buFont typeface="Arial" panose="020B0604020202020204" pitchFamily="34" charset="0"/>
+              <a:buChar char="•"/>
+              <a:defRPr sz="2000" kern="1200">
+                <a:solidFill>
+                  <a:schemeClr val="tx1"/>
+                </a:solidFill>
+                <a:latin typeface="+mn-lt"/>
+                <a:ea typeface="+mn-ea"/>
+                <a:cs typeface="+mn-cs"/>
+              </a:defRPr>
+            </a:lvl3pPr>
+            <a:lvl4pPr marL="1600200" indent="-228600" algn="l" defTabSz="914400" rtl="0" eaLnBrk="1" latinLnBrk="0" hangingPunct="1">
+              <a:lnSpc>
+                <a:spcPct val="90000"/>
+              </a:lnSpc>
+              <a:spcBef>
+                <a:spcPts val="500"/>
+              </a:spcBef>
+              <a:buFont typeface="Arial" panose="020B0604020202020204" pitchFamily="34" charset="0"/>
+              <a:buChar char="•"/>
+              <a:defRPr sz="1800" kern="1200">
+                <a:solidFill>
+                  <a:schemeClr val="tx1"/>
+                </a:solidFill>
+                <a:latin typeface="+mn-lt"/>
+                <a:ea typeface="+mn-ea"/>
+                <a:cs typeface="+mn-cs"/>
+              </a:defRPr>
+            </a:lvl4pPr>
+            <a:lvl5pPr marL="2057400" indent="-228600" algn="l" defTabSz="914400" rtl="0" eaLnBrk="1" latinLnBrk="0" hangingPunct="1">
+              <a:lnSpc>
+                <a:spcPct val="90000"/>
+              </a:lnSpc>
+              <a:spcBef>
+                <a:spcPts val="500"/>
+              </a:spcBef>
+              <a:buFont typeface="Arial" panose="020B0604020202020204" pitchFamily="34" charset="0"/>
+              <a:buChar char="•"/>
+              <a:defRPr sz="1800" kern="1200">
+                <a:solidFill>
+                  <a:schemeClr val="tx1"/>
+                </a:solidFill>
+                <a:latin typeface="+mn-lt"/>
+                <a:ea typeface="+mn-ea"/>
+                <a:cs typeface="+mn-cs"/>
+              </a:defRPr>
+            </a:lvl5pPr>
+            <a:lvl6pPr marL="2514600" indent="-228600" algn="l" defTabSz="914400" rtl="0" eaLnBrk="1" latinLnBrk="0" hangingPunct="1">
+              <a:lnSpc>
+                <a:spcPct val="90000"/>
+              </a:lnSpc>
+              <a:spcBef>
+                <a:spcPts val="500"/>
+              </a:spcBef>
+              <a:buFont typeface="Arial" panose="020B0604020202020204" pitchFamily="34" charset="0"/>
+              <a:buChar char="•"/>
+              <a:defRPr sz="1800" kern="1200">
+                <a:solidFill>
+                  <a:schemeClr val="tx1"/>
+                </a:solidFill>
+                <a:latin typeface="+mn-lt"/>
+                <a:ea typeface="+mn-ea"/>
+                <a:cs typeface="+mn-cs"/>
+              </a:defRPr>
+            </a:lvl6pPr>
+            <a:lvl7pPr marL="2971800" indent="-228600" algn="l" defTabSz="914400" rtl="0" eaLnBrk="1" latinLnBrk="0" hangingPunct="1">
+              <a:lnSpc>
+                <a:spcPct val="90000"/>
+              </a:lnSpc>
+              <a:spcBef>
+                <a:spcPts val="500"/>
+              </a:spcBef>
+              <a:buFont typeface="Arial" panose="020B0604020202020204" pitchFamily="34" charset="0"/>
+              <a:buChar char="•"/>
+              <a:defRPr sz="1800" kern="1200">
+                <a:solidFill>
+                  <a:schemeClr val="tx1"/>
+                </a:solidFill>
+                <a:latin typeface="+mn-lt"/>
+                <a:ea typeface="+mn-ea"/>
+                <a:cs typeface="+mn-cs"/>
+              </a:defRPr>
+            </a:lvl7pPr>
+            <a:lvl8pPr marL="3429000" indent="-228600" algn="l" defTabSz="914400" rtl="0" eaLnBrk="1" latinLnBrk="0" hangingPunct="1">
+              <a:lnSpc>
+                <a:spcPct val="90000"/>
+              </a:lnSpc>
+              <a:spcBef>
+                <a:spcPts val="500"/>
+              </a:spcBef>
+              <a:buFont typeface="Arial" panose="020B0604020202020204" pitchFamily="34" charset="0"/>
+              <a:buChar char="•"/>
+              <a:defRPr sz="1800" kern="1200">
+                <a:solidFill>
+                  <a:schemeClr val="tx1"/>
+                </a:solidFill>
+                <a:latin typeface="+mn-lt"/>
+                <a:ea typeface="+mn-ea"/>
+                <a:cs typeface="+mn-cs"/>
+              </a:defRPr>
+            </a:lvl8pPr>
+            <a:lvl9pPr marL="3886200" indent="-228600" algn="l" defTabSz="914400" rtl="0" eaLnBrk="1" latinLnBrk="0" hangingPunct="1">
+              <a:lnSpc>
+                <a:spcPct val="90000"/>
+              </a:lnSpc>
+              <a:spcBef>
+                <a:spcPts val="500"/>
+              </a:spcBef>
+              <a:buFont typeface="Arial" panose="020B0604020202020204" pitchFamily="34" charset="0"/>
+              <a:buChar char="•"/>
+              <a:defRPr sz="1800" kern="1200">
+                <a:solidFill>
+                  <a:schemeClr val="tx1"/>
+                </a:solidFill>
+                <a:latin typeface="+mn-lt"/>
+                <a:ea typeface="+mn-ea"/>
+                <a:cs typeface="+mn-cs"/>
+              </a:defRPr>
+            </a:lvl9pPr>
+          </a:lstStyle>
+          <a:p>
+            <a:pPr marL="0" indent="0" algn="ctr">
+              <a:buNone/>
+            </a:pPr>
+            <a:r>
+              <a:rPr lang="en-US" sz="2400" b="1"/>
+              <a:t>Spring Boot</a:t>
+            </a:r>
+            <a:endParaRPr lang="en-US" sz="2400" b="1"/>
+          </a:p>
+        </p:txBody>
+      </p:sp>
+    </p:spTree>
+  </p:cSld>
+  <p:clrMapOvr>
+    <a:masterClrMapping/>
+  </p:clrMapOvr>
+</p:sld>
+</file>
+
+<file path=ppt/slides/slide11.xml><?xml version="1.0" encoding="utf-8"?>
+<p:sld xmlns:a="http://schemas.openxmlformats.org/drawingml/2006/main" xmlns:r="http://schemas.openxmlformats.org/officeDocument/2006/relationships" xmlns:p="http://schemas.openxmlformats.org/presentationml/2006/main">
+  <p:cSld>
+    <p:spTree>
+      <p:nvGrpSpPr>
+        <p:cNvPr id="1" name=""/>
+        <p:cNvGrpSpPr/>
+        <p:nvPr/>
+      </p:nvGrpSpPr>
+      <p:grpSpPr/>
+      <p:sp>
+        <p:nvSpPr>
           <p:cNvPr id="2" name="Title 1"/>
           <p:cNvSpPr>
             <a:spLocks noGrp="1"/>
@@ -2171,7 +2948,539 @@
           <a:p>
             <a:r>
               <a:rPr lang="en-US"/>
-              <a:t>Spring Initializer - Dependency Management</a:t>
+              <a:t>Practical Objectives</a:t>
+            </a:r>
+            <a:endParaRPr lang="en-US"/>
+          </a:p>
+        </p:txBody>
+      </p:sp>
+      <p:sp>
+        <p:nvSpPr>
+          <p:cNvPr id="3" name="Content Placeholder 2"/>
+          <p:cNvSpPr>
+            <a:spLocks noGrp="1"/>
+          </p:cNvSpPr>
+          <p:nvPr>
+            <p:ph idx="1"/>
+          </p:nvPr>
+        </p:nvSpPr>
+        <p:spPr/>
+        <p:txBody>
+          <a:bodyPr/>
+          <a:p>
+            <a:pPr>
+              <a:buFont typeface="Arial" panose="020B0604020202020204" pitchFamily="34" charset="0"/>
+              <a:buChar char="•"/>
+            </a:pPr>
+            <a:r>
+              <a:rPr lang="en-US" sz="2400">
+                <a:sym typeface="+mn-ea"/>
+              </a:rPr>
+              <a:t>Create “Hello World” Spring Boot Application</a:t>
+            </a:r>
+            <a:endParaRPr lang="en-US" sz="2400">
+              <a:sym typeface="+mn-ea"/>
+            </a:endParaRPr>
+          </a:p>
+          <a:p>
+            <a:pPr>
+              <a:buFont typeface="Arial" panose="020B0604020202020204" pitchFamily="34" charset="0"/>
+              <a:buChar char="•"/>
+            </a:pPr>
+            <a:r>
+              <a:rPr lang="en-US" sz="2400">
+                <a:sym typeface="+mn-ea"/>
+              </a:rPr>
+              <a:t>Create Application having REST APIs in Spring Boot which allows end-user to perform following tasks:</a:t>
+            </a:r>
+            <a:endParaRPr lang="en-US" sz="2400"/>
+          </a:p>
+          <a:p>
+            <a:pPr lvl="1">
+              <a:buFont typeface="Arial" panose="020B0604020202020204" pitchFamily="34" charset="0"/>
+              <a:buChar char="•"/>
+            </a:pPr>
+            <a:r>
+              <a:rPr lang="en-US" sz="2400">
+                <a:sym typeface="+mn-ea"/>
+              </a:rPr>
+              <a:t>Register themselves to our Application Platform.</a:t>
+            </a:r>
+            <a:endParaRPr lang="en-US" sz="2400"/>
+          </a:p>
+          <a:p>
+            <a:pPr lvl="1">
+              <a:buFont typeface="Arial" panose="020B0604020202020204" pitchFamily="34" charset="0"/>
+              <a:buChar char="•"/>
+            </a:pPr>
+            <a:r>
+              <a:rPr lang="en-US" sz="2400">
+                <a:sym typeface="+mn-ea"/>
+              </a:rPr>
+              <a:t>See the list and details of all users</a:t>
+            </a:r>
+            <a:endParaRPr lang="en-US" sz="2400"/>
+          </a:p>
+          <a:p>
+            <a:pPr lvl="1">
+              <a:buFont typeface="Arial" panose="020B0604020202020204" pitchFamily="34" charset="0"/>
+              <a:buChar char="•"/>
+            </a:pPr>
+            <a:r>
+              <a:rPr lang="en-US" sz="2400">
+                <a:sym typeface="+mn-ea"/>
+              </a:rPr>
+              <a:t>Update and delete their details.</a:t>
+            </a:r>
+            <a:endParaRPr lang="en-US" sz="2400">
+              <a:sym typeface="+mn-ea"/>
+            </a:endParaRPr>
+          </a:p>
+          <a:p>
+            <a:pPr lvl="1">
+              <a:buFont typeface="Arial" panose="020B0604020202020204" pitchFamily="34" charset="0"/>
+              <a:buChar char="•"/>
+            </a:pPr>
+            <a:r>
+              <a:rPr lang="en-US" sz="2400"/>
+              <a:t>Generate API Documentation using Swagger.</a:t>
+            </a:r>
+            <a:endParaRPr lang="en-US" sz="2400"/>
+          </a:p>
+          <a:p>
+            <a:pPr lvl="0">
+              <a:buFont typeface="Arial" panose="020B0604020202020204" pitchFamily="34" charset="0"/>
+              <a:buChar char="•"/>
+            </a:pPr>
+            <a:r>
+              <a:rPr lang="en-US"/>
+              <a:t>Our application will mainly have three tables: </a:t>
+            </a:r>
+            <a:r>
+              <a:rPr lang="en-US" b="1"/>
+              <a:t>User</a:t>
+            </a:r>
+            <a:r>
+              <a:rPr lang="en-US"/>
+              <a:t>, </a:t>
+            </a:r>
+            <a:r>
+              <a:rPr lang="en-US" b="1"/>
+              <a:t>Address</a:t>
+            </a:r>
+            <a:r>
+              <a:rPr lang="en-US"/>
+              <a:t> and </a:t>
+            </a:r>
+            <a:r>
+              <a:rPr lang="en-US" b="1"/>
+              <a:t>Role</a:t>
+            </a:r>
+            <a:r>
+              <a:rPr lang="en-US"/>
+              <a:t>.</a:t>
+            </a:r>
+            <a:endParaRPr lang="en-US"/>
+          </a:p>
+          <a:p>
+            <a:pPr lvl="0">
+              <a:buFont typeface="Arial" panose="020B0604020202020204" pitchFamily="34" charset="0"/>
+              <a:buChar char="•"/>
+            </a:pPr>
+            <a:r>
+              <a:rPr lang="en-US"/>
+              <a:t>We will interact with our application using POSTMAN.</a:t>
+            </a:r>
+            <a:endParaRPr lang="en-US"/>
+          </a:p>
+        </p:txBody>
+      </p:sp>
+    </p:spTree>
+  </p:cSld>
+  <p:clrMapOvr>
+    <a:masterClrMapping/>
+  </p:clrMapOvr>
+</p:sld>
+</file>
+
+<file path=ppt/slides/slide12.xml><?xml version="1.0" encoding="utf-8"?>
+<p:sld xmlns:a="http://schemas.openxmlformats.org/drawingml/2006/main" xmlns:r="http://schemas.openxmlformats.org/officeDocument/2006/relationships" xmlns:p="http://schemas.openxmlformats.org/presentationml/2006/main">
+  <p:cSld>
+    <p:spTree>
+      <p:nvGrpSpPr>
+        <p:cNvPr id="1" name=""/>
+        <p:cNvGrpSpPr/>
+        <p:nvPr/>
+      </p:nvGrpSpPr>
+      <p:grpSpPr/>
+      <p:sp>
+        <p:nvSpPr>
+          <p:cNvPr id="2" name="Title 1"/>
+          <p:cNvSpPr>
+            <a:spLocks noGrp="1"/>
+          </p:cNvSpPr>
+          <p:nvPr>
+            <p:ph type="title"/>
+          </p:nvPr>
+        </p:nvSpPr>
+        <p:spPr/>
+        <p:txBody>
+          <a:bodyPr/>
+          <a:p>
+            <a:r>
+              <a:rPr lang="en-US"/>
+              <a:t>Spring Initializr</a:t>
+            </a:r>
+            <a:endParaRPr lang="en-US"/>
+          </a:p>
+        </p:txBody>
+      </p:sp>
+      <p:sp>
+        <p:nvSpPr>
+          <p:cNvPr id="5" name="Content Placeholder 4"/>
+          <p:cNvSpPr>
+            <a:spLocks noGrp="1"/>
+          </p:cNvSpPr>
+          <p:nvPr>
+            <p:ph idx="1"/>
+          </p:nvPr>
+        </p:nvSpPr>
+        <p:spPr>
+          <a:xfrm>
+            <a:off x="135255" y="1047115"/>
+            <a:ext cx="8877935" cy="4194810"/>
+          </a:xfrm>
+        </p:spPr>
+        <p:txBody>
+          <a:bodyPr/>
+          <a:p>
+            <a:r>
+              <a:rPr lang="en-US"/>
+              <a:t>Spring Initializr provides an extensible API to generate quickstart projects.</a:t>
+            </a:r>
+            <a:r>
+              <a:rPr lang="en-US">
+                <a:sym typeface="+mn-ea"/>
+              </a:rPr>
+              <a:t>It also provides a configurable service.</a:t>
+            </a:r>
+            <a:endParaRPr lang="en-US"/>
+          </a:p>
+          <a:p>
+            <a:r>
+              <a:rPr lang="en-US"/>
+              <a:t>It provides a simple web UI to configure the project to generate and endpoints that you can use via plain HTTP.</a:t>
+            </a:r>
+            <a:endParaRPr lang="en-US"/>
+          </a:p>
+          <a:p>
+            <a:r>
+              <a:rPr lang="en-US"/>
+              <a:t>Spring Initializr also exposes an endpoint that serves its metadata in a well-known format to allow third-party clients to provide the necessary assistance.</a:t>
+            </a:r>
+            <a:endParaRPr lang="en-US"/>
+          </a:p>
+          <a:p>
+            <a:r>
+              <a:rPr lang="en-US"/>
+              <a:t>Initializr offers a configuration structure to define all the aspects related to the project to generate: list of dependencies, supported java and boot versions, etc.</a:t>
+            </a:r>
+            <a:endParaRPr lang="en-US"/>
+          </a:p>
+          <a:p>
+            <a:endParaRPr lang="en-US"/>
+          </a:p>
+        </p:txBody>
+      </p:sp>
+      <p:sp>
+        <p:nvSpPr>
+          <p:cNvPr id="6" name="Text Box 5"/>
+          <p:cNvSpPr txBox="1"/>
+          <p:nvPr/>
+        </p:nvSpPr>
+        <p:spPr>
+          <a:xfrm>
+            <a:off x="1030605" y="5219700"/>
+            <a:ext cx="6993255" cy="645160"/>
+          </a:xfrm>
+          <a:prstGeom prst="rect">
+            <a:avLst/>
+          </a:prstGeom>
+          <a:solidFill>
+            <a:schemeClr val="accent2">
+              <a:alpha val="94000"/>
+            </a:schemeClr>
+          </a:solidFill>
+        </p:spPr>
+        <p:txBody>
+          <a:bodyPr wrap="square" rtlCol="0">
+            <a:spAutoFit/>
+          </a:bodyPr>
+          <a:p>
+            <a:r>
+              <a:rPr lang="en-US"/>
+              <a:t>Next, we will create a Spring Boot project using Spring Initializr hosted by https://start.spring.io/</a:t>
+            </a:r>
+            <a:endParaRPr lang="en-US"/>
+          </a:p>
+        </p:txBody>
+      </p:sp>
+    </p:spTree>
+  </p:cSld>
+  <p:clrMapOvr>
+    <a:masterClrMapping/>
+  </p:clrMapOvr>
+</p:sld>
+</file>
+
+<file path=ppt/slides/slide13.xml><?xml version="1.0" encoding="utf-8"?>
+<p:sld xmlns:a="http://schemas.openxmlformats.org/drawingml/2006/main" xmlns:r="http://schemas.openxmlformats.org/officeDocument/2006/relationships" xmlns:p="http://schemas.openxmlformats.org/presentationml/2006/main">
+  <p:cSld>
+    <p:spTree>
+      <p:nvGrpSpPr>
+        <p:cNvPr id="1" name=""/>
+        <p:cNvGrpSpPr/>
+        <p:nvPr/>
+      </p:nvGrpSpPr>
+      <p:grpSpPr/>
+      <p:sp>
+        <p:nvSpPr>
+          <p:cNvPr id="2" name="Title 1"/>
+          <p:cNvSpPr>
+            <a:spLocks noGrp="1"/>
+          </p:cNvSpPr>
+          <p:nvPr>
+            <p:ph type="title"/>
+          </p:nvPr>
+        </p:nvSpPr>
+        <p:spPr>
+          <a:xfrm>
+            <a:off x="91806" y="103868"/>
+            <a:ext cx="6272464" cy="565315"/>
+          </a:xfrm>
+        </p:spPr>
+        <p:txBody>
+          <a:bodyPr/>
+          <a:p>
+            <a:r>
+              <a:rPr lang="en-US"/>
+              <a:t>Project Setup Steps</a:t>
+            </a:r>
+            <a:endParaRPr lang="en-US"/>
+          </a:p>
+        </p:txBody>
+      </p:sp>
+      <p:sp>
+        <p:nvSpPr>
+          <p:cNvPr id="3" name="Content Placeholder 2"/>
+          <p:cNvSpPr>
+            <a:spLocks noGrp="1"/>
+          </p:cNvSpPr>
+          <p:nvPr>
+            <p:ph idx="1"/>
+          </p:nvPr>
+        </p:nvSpPr>
+        <p:spPr>
+          <a:xfrm>
+            <a:off x="135255" y="1123315"/>
+            <a:ext cx="8877935" cy="4008120"/>
+          </a:xfrm>
+        </p:spPr>
+        <p:txBody>
+          <a:bodyPr/>
+          <a:p>
+            <a:r>
+              <a:rPr lang="en-US"/>
+              <a:t>Create project from Spring Initializer as shown below slides</a:t>
+            </a:r>
+            <a:endParaRPr lang="en-US"/>
+          </a:p>
+          <a:p>
+            <a:r>
+              <a:rPr lang="en-US"/>
+              <a:t>Configure your IDE (Spring Tools Suite or Eclipse) for </a:t>
+            </a:r>
+            <a:r>
+              <a:rPr lang="en-US">
+                <a:hlinkClick r:id="rId1" action="ppaction://hlinkfile"/>
+              </a:rPr>
+              <a:t>Lombok</a:t>
+            </a:r>
+            <a:endParaRPr lang="en-US"/>
+          </a:p>
+          <a:p>
+            <a:r>
+              <a:rPr lang="en-US"/>
+              <a:t>Start the IDE and import the starter project created in 1st step.</a:t>
+            </a:r>
+            <a:endParaRPr lang="en-US"/>
+          </a:p>
+          <a:p>
+            <a:r>
+              <a:rPr lang="en-US"/>
+              <a:t>File -&gt; Import -&gt; Existing Maven Project</a:t>
+            </a:r>
+            <a:endParaRPr lang="en-US"/>
+          </a:p>
+          <a:p>
+            <a:r>
+              <a:rPr lang="en-US"/>
+              <a:t>Examine the directory structure of project and following files:</a:t>
+            </a:r>
+            <a:endParaRPr lang="en-US"/>
+          </a:p>
+          <a:p>
+            <a:pPr lvl="1"/>
+            <a:r>
+              <a:rPr lang="en-US" sz="2000"/>
+              <a:t>pom.xml</a:t>
+            </a:r>
+            <a:endParaRPr lang="en-US" sz="2000"/>
+          </a:p>
+          <a:p>
+            <a:pPr lvl="1"/>
+            <a:r>
+              <a:rPr lang="en-US" sz="2000"/>
+              <a:t>application.properties</a:t>
+            </a:r>
+            <a:endParaRPr lang="en-US" sz="2000"/>
+          </a:p>
+          <a:p>
+            <a:pPr lvl="1"/>
+            <a:r>
+              <a:rPr lang="en-US" sz="2000"/>
+              <a:t>ApplicationTest.java (it may be AppApplicationTest.java or something else)</a:t>
+            </a:r>
+            <a:endParaRPr lang="en-US" sz="2000"/>
+          </a:p>
+          <a:p>
+            <a:pPr lvl="1"/>
+            <a:r>
+              <a:rPr lang="en-US">
+                <a:sym typeface="+mn-ea"/>
+              </a:rPr>
+              <a:t>Application.java (it may be AppApplication.java </a:t>
+            </a:r>
+            <a:r>
+              <a:rPr lang="en-US">
+                <a:sym typeface="+mn-ea"/>
+              </a:rPr>
+              <a:t>or something else</a:t>
+            </a:r>
+            <a:r>
+              <a:rPr lang="en-US">
+                <a:sym typeface="+mn-ea"/>
+              </a:rPr>
+              <a:t>)</a:t>
+            </a:r>
+            <a:endParaRPr lang="en-US"/>
+          </a:p>
+          <a:p>
+            <a:endParaRPr lang="en-US"/>
+          </a:p>
+        </p:txBody>
+      </p:sp>
+    </p:spTree>
+  </p:cSld>
+  <p:clrMapOvr>
+    <a:masterClrMapping/>
+  </p:clrMapOvr>
+</p:sld>
+</file>
+
+<file path=ppt/slides/slide14.xml><?xml version="1.0" encoding="utf-8"?>
+<p:sld xmlns:a="http://schemas.openxmlformats.org/drawingml/2006/main" xmlns:r="http://schemas.openxmlformats.org/officeDocument/2006/relationships" xmlns:p="http://schemas.openxmlformats.org/presentationml/2006/main">
+  <p:cSld>
+    <p:spTree>
+      <p:nvGrpSpPr>
+        <p:cNvPr id="1" name=""/>
+        <p:cNvGrpSpPr/>
+        <p:nvPr/>
+      </p:nvGrpSpPr>
+      <p:grpSpPr/>
+      <p:sp>
+        <p:nvSpPr>
+          <p:cNvPr id="2" name="Title 1"/>
+          <p:cNvSpPr>
+            <a:spLocks noGrp="1"/>
+          </p:cNvSpPr>
+          <p:nvPr>
+            <p:ph type="title"/>
+          </p:nvPr>
+        </p:nvSpPr>
+        <p:spPr/>
+        <p:txBody>
+          <a:bodyPr/>
+          <a:p>
+            <a:r>
+              <a:rPr lang="en-US"/>
+              <a:t>Spring Initializr - Basic Configuration</a:t>
+            </a:r>
+            <a:endParaRPr lang="en-US"/>
+          </a:p>
+        </p:txBody>
+      </p:sp>
+      <p:pic>
+        <p:nvPicPr>
+          <p:cNvPr id="4" name="Content Placeholder 3" descr="01-Spring Initializr - 1"/>
+          <p:cNvPicPr>
+            <a:picLocks noChangeAspect="1"/>
+          </p:cNvPicPr>
+          <p:nvPr>
+            <p:ph idx="1"/>
+          </p:nvPr>
+        </p:nvPicPr>
+        <p:blipFill>
+          <a:blip r:embed="rId1"/>
+          <a:stretch>
+            <a:fillRect/>
+          </a:stretch>
+        </p:blipFill>
+        <p:spPr>
+          <a:xfrm>
+            <a:off x="177800" y="1347470"/>
+            <a:ext cx="8791575" cy="4905375"/>
+          </a:xfrm>
+          <a:prstGeom prst="rect">
+            <a:avLst/>
+          </a:prstGeom>
+        </p:spPr>
+      </p:pic>
+    </p:spTree>
+  </p:cSld>
+  <p:clrMapOvr>
+    <a:masterClrMapping/>
+  </p:clrMapOvr>
+</p:sld>
+</file>
+
+<file path=ppt/slides/slide15.xml><?xml version="1.0" encoding="utf-8"?>
+<p:sld xmlns:a="http://schemas.openxmlformats.org/drawingml/2006/main" xmlns:r="http://schemas.openxmlformats.org/officeDocument/2006/relationships" xmlns:p="http://schemas.openxmlformats.org/presentationml/2006/main">
+  <p:cSld>
+    <p:spTree>
+      <p:nvGrpSpPr>
+        <p:cNvPr id="1" name=""/>
+        <p:cNvGrpSpPr/>
+        <p:nvPr/>
+      </p:nvGrpSpPr>
+      <p:grpSpPr/>
+      <p:sp>
+        <p:nvSpPr>
+          <p:cNvPr id="2" name="Title 1"/>
+          <p:cNvSpPr>
+            <a:spLocks noGrp="1"/>
+          </p:cNvSpPr>
+          <p:nvPr>
+            <p:ph type="title"/>
+          </p:nvPr>
+        </p:nvSpPr>
+        <p:spPr/>
+        <p:txBody>
+          <a:bodyPr/>
+          <a:p>
+            <a:r>
+              <a:rPr lang="en-US"/>
+              <a:t>Spring Initializr - Dependency Management</a:t>
             </a:r>
             <a:endParaRPr lang="en-US"/>
           </a:p>
@@ -2195,7 +3504,7 @@
         </p:blipFill>
         <p:spPr>
           <a:xfrm>
-            <a:off x="135255" y="2080895"/>
+            <a:off x="135255" y="1318895"/>
             <a:ext cx="8877935" cy="3438525"/>
           </a:xfrm>
           <a:prstGeom prst="rect">
@@ -2203,6 +3512,71 @@
           </a:prstGeom>
         </p:spPr>
       </p:pic>
+      <p:sp>
+        <p:nvSpPr>
+          <p:cNvPr id="6" name="Text Box 5"/>
+          <p:cNvSpPr txBox="1"/>
+          <p:nvPr/>
+        </p:nvSpPr>
+        <p:spPr>
+          <a:xfrm>
+            <a:off x="1106805" y="5372100"/>
+            <a:ext cx="6993255" cy="922020"/>
+          </a:xfrm>
+          <a:prstGeom prst="rect">
+            <a:avLst/>
+          </a:prstGeom>
+          <a:solidFill>
+            <a:schemeClr val="accent6">
+              <a:lumMod val="75000"/>
+              <a:alpha val="94000"/>
+            </a:schemeClr>
+          </a:solidFill>
+        </p:spPr>
+        <p:txBody>
+          <a:bodyPr wrap="square" rtlCol="0">
+            <a:spAutoFit/>
+          </a:bodyPr>
+          <a:p>
+            <a:pPr marL="285750" indent="-285750">
+              <a:buFont typeface="Wingdings" panose="05000000000000000000" charset="0"/>
+              <a:buChar char="Ø"/>
+            </a:pPr>
+            <a:r>
+              <a:rPr lang="en-US">
+                <a:solidFill>
+                  <a:schemeClr val="bg1"/>
+                </a:solidFill>
+              </a:rPr>
+              <a:t>Once you generate the project from Spring Initializr, you will receive the basic project structure in archive format (zip or tar).</a:t>
+            </a:r>
+            <a:endParaRPr lang="en-US">
+              <a:solidFill>
+                <a:schemeClr val="bg1"/>
+              </a:solidFill>
+            </a:endParaRPr>
+          </a:p>
+          <a:p>
+            <a:pPr marL="285750" indent="-285750">
+              <a:buFont typeface="Wingdings" panose="05000000000000000000" charset="0"/>
+              <a:buChar char="Ø"/>
+            </a:pPr>
+            <a:r>
+              <a:rPr lang="en-US">
+                <a:solidFill>
+                  <a:schemeClr val="bg1"/>
+                </a:solidFill>
+              </a:rPr>
+              <a:t>You can extract it and import as a maven project.</a:t>
+            </a:r>
+            <a:endParaRPr lang="en-US">
+              <a:solidFill>
+                <a:schemeClr val="bg1"/>
+              </a:solidFill>
+            </a:endParaRPr>
+          </a:p>
+        </p:txBody>
+      </p:sp>
     </p:spTree>
   </p:cSld>
   <p:clrMapOvr>
@@ -2211,7 +3585,7 @@
 </p:sld>
 </file>
 
-<file path=ppt/slides/slide11.xml><?xml version="1.0" encoding="utf-8"?>
+<file path=ppt/slides/slide16.xml><?xml version="1.0" encoding="utf-8"?>
 <p:sld xmlns:a="http://schemas.openxmlformats.org/drawingml/2006/main" xmlns:r="http://schemas.openxmlformats.org/officeDocument/2006/relationships" xmlns:p="http://schemas.openxmlformats.org/presentationml/2006/main">
   <p:cSld>
     <p:spTree>
@@ -2498,7 +3872,7 @@
 </p:sld>
 </file>
 
-<file path=ppt/slides/slide12.xml><?xml version="1.0" encoding="utf-8"?>
+<file path=ppt/slides/slide17.xml><?xml version="1.0" encoding="utf-8"?>
 <p:sld xmlns:a="http://schemas.openxmlformats.org/drawingml/2006/main" xmlns:r="http://schemas.openxmlformats.org/officeDocument/2006/relationships" xmlns:p="http://schemas.openxmlformats.org/presentationml/2006/main">
   <p:cSld>
     <p:spTree>
@@ -2524,144 +3898,15 @@
           <a:p>
             <a:r>
               <a:rPr lang="en-US"/>
-              <a:t>Update application.properties</a:t>
-            </a:r>
-            <a:endParaRPr lang="en-US"/>
-          </a:p>
-        </p:txBody>
-      </p:sp>
-      <p:sp>
-        <p:nvSpPr>
-          <p:cNvPr id="3" name="Content Placeholder 2"/>
-          <p:cNvSpPr>
-            <a:spLocks noGrp="1"/>
-          </p:cNvSpPr>
-          <p:nvPr>
-            <p:ph sz="half" idx="1"/>
-          </p:nvPr>
-        </p:nvSpPr>
-        <p:spPr>
-          <a:xfrm>
-            <a:off x="175895" y="3647440"/>
-            <a:ext cx="8576310" cy="3067050"/>
-          </a:xfrm>
-        </p:spPr>
-        <p:txBody>
-          <a:bodyPr>
-            <a:normAutofit/>
-          </a:bodyPr>
-          <a:p>
-            <a:r>
-              <a:rPr lang="en-US" sz="1900"/>
-              <a:t>We need to create a Schema in MySQL and mention it's name in this property file.</a:t>
-            </a:r>
-            <a:endParaRPr lang="en-US" sz="1900"/>
-          </a:p>
-          <a:p>
-            <a:r>
-              <a:rPr lang="en-US" sz="1900"/>
-              <a:t>For tutorial purposes, we will use the schema name “sb” which stands for Spring-Boot.</a:t>
-            </a:r>
-            <a:endParaRPr lang="en-US" sz="1900"/>
-          </a:p>
-          <a:p>
-            <a:r>
-              <a:rPr lang="en-US" sz="1900"/>
-              <a:t>Then w</a:t>
-            </a:r>
-            <a:r>
-              <a:rPr lang="en-US" sz="1900">
-                <a:sym typeface="+mn-ea"/>
-              </a:rPr>
-              <a:t>e need to update application.properties to point to our MySQL instance on localhost.</a:t>
-            </a:r>
-            <a:endParaRPr lang="en-US" sz="1900"/>
-          </a:p>
-          <a:p>
-            <a:r>
-              <a:rPr lang="en-US" sz="1900"/>
-              <a:t>The JPA properties ensures that Tables in Schema are automatically created/updated in case of changes in our Java Domain Objects.</a:t>
-            </a:r>
-            <a:endParaRPr lang="en-US" sz="1900"/>
-          </a:p>
-          <a:p>
-            <a:r>
-              <a:rPr lang="en-US" sz="1900"/>
-              <a:t>We are also enabling “show_sql” and “format_sql” property to see Hibernate generated queries in a well formatted manner.</a:t>
-            </a:r>
-            <a:endParaRPr lang="en-US" sz="1900"/>
+              <a:t>Schema Design</a:t>
+            </a:r>
+            <a:endParaRPr lang="en-US"/>
           </a:p>
         </p:txBody>
       </p:sp>
       <p:pic>
         <p:nvPicPr>
-          <p:cNvPr id="5" name="Content Placeholder 4" descr="05-app-properties"/>
-          <p:cNvPicPr>
-            <a:picLocks noChangeAspect="1"/>
-          </p:cNvPicPr>
-          <p:nvPr>
-            <p:ph sz="half" idx="2"/>
-          </p:nvPr>
-        </p:nvPicPr>
-        <p:blipFill>
-          <a:blip r:embed="rId1"/>
-          <a:stretch>
-            <a:fillRect/>
-          </a:stretch>
-        </p:blipFill>
-        <p:spPr>
-          <a:xfrm>
-            <a:off x="496570" y="765810"/>
-            <a:ext cx="6636385" cy="2728595"/>
-          </a:xfrm>
-          <a:prstGeom prst="rect">
-            <a:avLst/>
-          </a:prstGeom>
-        </p:spPr>
-      </p:pic>
-    </p:spTree>
-  </p:cSld>
-  <p:clrMapOvr>
-    <a:masterClrMapping/>
-  </p:clrMapOvr>
-</p:sld>
-</file>
-
-<file path=ppt/slides/slide13.xml><?xml version="1.0" encoding="utf-8"?>
-<p:sld xmlns:a="http://schemas.openxmlformats.org/drawingml/2006/main" xmlns:r="http://schemas.openxmlformats.org/officeDocument/2006/relationships" xmlns:p="http://schemas.openxmlformats.org/presentationml/2006/main">
-  <p:cSld>
-    <p:spTree>
-      <p:nvGrpSpPr>
-        <p:cNvPr id="1" name=""/>
-        <p:cNvGrpSpPr/>
-        <p:nvPr/>
-      </p:nvGrpSpPr>
-      <p:grpSpPr/>
-      <p:sp>
-        <p:nvSpPr>
-          <p:cNvPr id="2" name="Title 1"/>
-          <p:cNvSpPr>
-            <a:spLocks noGrp="1"/>
-          </p:cNvSpPr>
-          <p:nvPr>
-            <p:ph type="title"/>
-          </p:nvPr>
-        </p:nvSpPr>
-        <p:spPr/>
-        <p:txBody>
-          <a:bodyPr/>
-          <a:p>
-            <a:r>
-              <a:rPr lang="en-US"/>
-              <a:t>Spring Boot Application</a:t>
-            </a:r>
-            <a:endParaRPr lang="en-US"/>
-          </a:p>
-        </p:txBody>
-      </p:sp>
-      <p:pic>
-        <p:nvPicPr>
-          <p:cNvPr id="6" name="Content Placeholder 5" descr="07-Application File"/>
+          <p:cNvPr id="5" name="Content Placeholder 4"/>
           <p:cNvPicPr>
             <a:picLocks noChangeAspect="1"/>
           </p:cNvPicPr>
@@ -2677,572 +3922,8 @@
         </p:blipFill>
         <p:spPr>
           <a:xfrm>
-            <a:off x="376555" y="1032510"/>
-            <a:ext cx="6109970" cy="2613660"/>
-          </a:xfrm>
-          <a:prstGeom prst="rect">
-            <a:avLst/>
-          </a:prstGeom>
-        </p:spPr>
-      </p:pic>
-      <p:sp>
-        <p:nvSpPr>
-          <p:cNvPr id="7" name="Text Box 6"/>
-          <p:cNvSpPr txBox="1"/>
-          <p:nvPr/>
-        </p:nvSpPr>
-        <p:spPr>
-          <a:xfrm>
-            <a:off x="2646680" y="3849370"/>
-            <a:ext cx="6116320" cy="2861310"/>
-          </a:xfrm>
-          <a:prstGeom prst="rect">
-            <a:avLst/>
-          </a:prstGeom>
-          <a:noFill/>
-          <a:ln w="12700" cmpd="sng">
-            <a:solidFill>
-              <a:schemeClr val="accent1">
-                <a:shade val="50000"/>
-              </a:schemeClr>
-            </a:solidFill>
-            <a:prstDash val="solid"/>
-          </a:ln>
-        </p:spPr>
-        <p:txBody>
-          <a:bodyPr wrap="square" rtlCol="0">
-            <a:spAutoFit/>
-          </a:bodyPr>
-          <a:p>
-            <a:pPr marL="285750" indent="-285750">
-              <a:buFont typeface="Wingdings" panose="05000000000000000000" charset="0"/>
-              <a:buChar char="Ø"/>
-            </a:pPr>
-            <a:r>
-              <a:rPr lang="en-US"/>
-              <a:t>This is the main class which is entry point for any Spring Boot Application.</a:t>
-            </a:r>
-            <a:endParaRPr lang="en-US"/>
-          </a:p>
-          <a:p>
-            <a:pPr marL="285750" indent="-285750">
-              <a:buFont typeface="Wingdings" panose="05000000000000000000" charset="0"/>
-              <a:buChar char="Ø"/>
-            </a:pPr>
-            <a:r>
-              <a:rPr lang="en-US"/>
-              <a:t>It is annotated with @SpringBootApplication which takes care of Auto-Configuration of your Boot Application, Component Scanning, IOC Container Initialization and also adds @Configuration annotation to your main class.</a:t>
-            </a:r>
-            <a:endParaRPr lang="en-US"/>
-          </a:p>
-          <a:p>
-            <a:pPr marL="285750" indent="-285750">
-              <a:buFont typeface="Wingdings" panose="05000000000000000000" charset="0"/>
-              <a:buChar char="Ø"/>
-            </a:pPr>
-            <a:r>
-              <a:rPr lang="en-US"/>
-              <a:t>The key feature of Spring Boot Application is it's starter POMs and auto-configuration which enables us to focus on writing business logic with very minimal setup, without worrying about writing any boiler-plate configuration code.</a:t>
-            </a:r>
-            <a:endParaRPr lang="en-US"/>
-          </a:p>
-        </p:txBody>
-      </p:sp>
-    </p:spTree>
-  </p:cSld>
-  <p:clrMapOvr>
-    <a:masterClrMapping/>
-  </p:clrMapOvr>
-</p:sld>
-</file>
-
-<file path=ppt/slides/slide14.xml><?xml version="1.0" encoding="utf-8"?>
-<p:sld xmlns:a="http://schemas.openxmlformats.org/drawingml/2006/main" xmlns:r="http://schemas.openxmlformats.org/officeDocument/2006/relationships" xmlns:p="http://schemas.openxmlformats.org/presentationml/2006/main">
-  <p:cSld>
-    <p:spTree>
-      <p:nvGrpSpPr>
-        <p:cNvPr id="1" name=""/>
-        <p:cNvGrpSpPr/>
-        <p:nvPr/>
-      </p:nvGrpSpPr>
-      <p:grpSpPr/>
-      <p:sp>
-        <p:nvSpPr>
-          <p:cNvPr id="2" name="Title 1"/>
-          <p:cNvSpPr>
-            <a:spLocks noGrp="1"/>
-          </p:cNvSpPr>
-          <p:nvPr>
-            <p:ph type="title"/>
-          </p:nvPr>
-        </p:nvSpPr>
-        <p:spPr/>
-        <p:txBody>
-          <a:bodyPr/>
-          <a:p>
-            <a:r>
-              <a:rPr lang="en-US"/>
-              <a:t>Application Structure</a:t>
-            </a:r>
-            <a:endParaRPr lang="en-US"/>
-          </a:p>
-        </p:txBody>
-      </p:sp>
-      <p:sp>
-        <p:nvSpPr>
-          <p:cNvPr id="3" name="Content Placeholder 2"/>
-          <p:cNvSpPr>
-            <a:spLocks noGrp="1"/>
-          </p:cNvSpPr>
-          <p:nvPr>
-            <p:ph idx="1"/>
-          </p:nvPr>
-        </p:nvSpPr>
-        <p:spPr/>
-        <p:txBody>
-          <a:bodyPr/>
-          <a:p>
-            <a:pPr>
-              <a:buFont typeface="Arial" panose="020B0604020202020204" pitchFamily="34" charset="0"/>
-              <a:buChar char="•"/>
-            </a:pPr>
-            <a:r>
-              <a:rPr lang="en-US" b="1"/>
-              <a:t>Objective</a:t>
-            </a:r>
-            <a:r>
-              <a:rPr lang="en-US"/>
-              <a:t> of this tutorial is to create REST APIs in Spring Boot which allows end-user to perform following tasks:</a:t>
-            </a:r>
-            <a:endParaRPr lang="en-US"/>
-          </a:p>
-          <a:p>
-            <a:pPr lvl="1">
-              <a:buFont typeface="Arial" panose="020B0604020202020204" pitchFamily="34" charset="0"/>
-              <a:buChar char="•"/>
-            </a:pPr>
-            <a:r>
-              <a:rPr lang="en-US" sz="2400">
-                <a:sym typeface="+mn-ea"/>
-              </a:rPr>
-              <a:t>Register themselves to our Application Platform.</a:t>
-            </a:r>
-            <a:endParaRPr lang="en-US" sz="2400"/>
-          </a:p>
-          <a:p>
-            <a:pPr lvl="1">
-              <a:buFont typeface="Arial" panose="020B0604020202020204" pitchFamily="34" charset="0"/>
-              <a:buChar char="•"/>
-            </a:pPr>
-            <a:r>
-              <a:rPr lang="en-US" sz="2400">
-                <a:sym typeface="+mn-ea"/>
-              </a:rPr>
-              <a:t>See the list and details of all users</a:t>
-            </a:r>
-            <a:endParaRPr lang="en-US" sz="2400"/>
-          </a:p>
-          <a:p>
-            <a:pPr lvl="1">
-              <a:buFont typeface="Arial" panose="020B0604020202020204" pitchFamily="34" charset="0"/>
-              <a:buChar char="•"/>
-            </a:pPr>
-            <a:r>
-              <a:rPr lang="en-US" sz="2400">
-                <a:sym typeface="+mn-ea"/>
-              </a:rPr>
-              <a:t>Update and delete their details.</a:t>
-            </a:r>
-            <a:endParaRPr lang="en-US"/>
-          </a:p>
-          <a:p>
-            <a:pPr>
-              <a:buFont typeface="Arial" panose="020B0604020202020204" pitchFamily="34" charset="0"/>
-              <a:buChar char="•"/>
-            </a:pPr>
-            <a:r>
-              <a:rPr lang="en-US" b="1"/>
-              <a:t>Layers of Application</a:t>
-            </a:r>
-            <a:r>
-              <a:rPr lang="en-US"/>
-              <a:t>:</a:t>
-            </a:r>
-            <a:endParaRPr lang="en-US"/>
-          </a:p>
-          <a:p>
-            <a:pPr lvl="1">
-              <a:buFont typeface="Arial" panose="020B0604020202020204" pitchFamily="34" charset="0"/>
-              <a:buChar char="•"/>
-            </a:pPr>
-            <a:r>
-              <a:rPr lang="en-US" b="1" i="1"/>
-              <a:t>Model</a:t>
-            </a:r>
-            <a:r>
-              <a:rPr lang="en-US"/>
-              <a:t> - Contains Java Domain Objects</a:t>
-            </a:r>
-            <a:endParaRPr lang="en-US"/>
-          </a:p>
-          <a:p>
-            <a:pPr lvl="1">
-              <a:buFont typeface="Arial" panose="020B0604020202020204" pitchFamily="34" charset="0"/>
-              <a:buChar char="•"/>
-            </a:pPr>
-            <a:r>
-              <a:rPr lang="en-US" b="1" i="1"/>
-              <a:t>Dto</a:t>
-            </a:r>
-            <a:r>
-              <a:rPr lang="en-US"/>
-              <a:t> - Contains Data Transfer Objects</a:t>
-            </a:r>
-            <a:endParaRPr lang="en-US"/>
-          </a:p>
-          <a:p>
-            <a:pPr lvl="1">
-              <a:buFont typeface="Arial" panose="020B0604020202020204" pitchFamily="34" charset="0"/>
-              <a:buChar char="•"/>
-            </a:pPr>
-            <a:r>
-              <a:rPr lang="en-US" b="1" i="1"/>
-              <a:t>Projection</a:t>
-            </a:r>
-            <a:r>
-              <a:rPr lang="en-US"/>
-              <a:t> - Contains Projection Interfaces as alternative to Dtos.</a:t>
-            </a:r>
-            <a:endParaRPr lang="en-US"/>
-          </a:p>
-          <a:p>
-            <a:pPr lvl="1">
-              <a:buFont typeface="Arial" panose="020B0604020202020204" pitchFamily="34" charset="0"/>
-              <a:buChar char="•"/>
-            </a:pPr>
-            <a:r>
-              <a:rPr lang="en-US" b="1" i="1"/>
-              <a:t>Repository</a:t>
-            </a:r>
-            <a:r>
-              <a:rPr lang="en-US"/>
-              <a:t> - Jpa Interfaces and Implementations for Persistence Layer</a:t>
-            </a:r>
-            <a:endParaRPr lang="en-US"/>
-          </a:p>
-          <a:p>
-            <a:pPr lvl="1">
-              <a:buFont typeface="Arial" panose="020B0604020202020204" pitchFamily="34" charset="0"/>
-              <a:buChar char="•"/>
-            </a:pPr>
-            <a:r>
-              <a:rPr lang="en-US" b="1" i="1"/>
-              <a:t>Service</a:t>
-            </a:r>
-            <a:r>
-              <a:rPr lang="en-US"/>
-              <a:t> - Business Logic Implementation and Transaction Management.</a:t>
-            </a:r>
-            <a:endParaRPr lang="en-US"/>
-          </a:p>
-          <a:p>
-            <a:pPr lvl="1">
-              <a:buFont typeface="Arial" panose="020B0604020202020204" pitchFamily="34" charset="0"/>
-              <a:buChar char="•"/>
-            </a:pPr>
-            <a:r>
-              <a:rPr lang="en-US" b="1" i="1"/>
-              <a:t>Controller</a:t>
-            </a:r>
-            <a:r>
-              <a:rPr lang="en-US"/>
-              <a:t> - REST Controllers for various API end-points.</a:t>
-            </a:r>
-            <a:endParaRPr lang="en-US"/>
-          </a:p>
-          <a:p>
-            <a:pPr lvl="1">
-              <a:buFont typeface="Arial" panose="020B0604020202020204" pitchFamily="34" charset="0"/>
-              <a:buChar char="•"/>
-            </a:pPr>
-            <a:r>
-              <a:rPr lang="en-US" b="1" i="1"/>
-              <a:t>Constants</a:t>
-            </a:r>
-            <a:r>
-              <a:rPr lang="en-US"/>
-              <a:t> - Interfaces containing constant values as best practice.</a:t>
-            </a:r>
-            <a:endParaRPr lang="en-US"/>
-          </a:p>
-          <a:p>
-            <a:pPr lvl="1">
-              <a:buFont typeface="Arial" panose="020B0604020202020204" pitchFamily="34" charset="0"/>
-              <a:buChar char="•"/>
-            </a:pPr>
-            <a:r>
-              <a:rPr lang="en-US" b="1" i="1"/>
-              <a:t>Exceptions</a:t>
-            </a:r>
-            <a:r>
-              <a:rPr lang="en-US"/>
-              <a:t> - This layer defines all the custom exceptions.</a:t>
-            </a:r>
-            <a:endParaRPr lang="en-US"/>
-          </a:p>
-        </p:txBody>
-      </p:sp>
-    </p:spTree>
-  </p:cSld>
-  <p:clrMapOvr>
-    <a:masterClrMapping/>
-  </p:clrMapOvr>
-</p:sld>
-</file>
-
-<file path=ppt/slides/slide15.xml><?xml version="1.0" encoding="utf-8"?>
-<p:sld xmlns:a="http://schemas.openxmlformats.org/drawingml/2006/main" xmlns:r="http://schemas.openxmlformats.org/officeDocument/2006/relationships" xmlns:p="http://schemas.openxmlformats.org/presentationml/2006/main">
-  <p:cSld>
-    <p:spTree>
-      <p:nvGrpSpPr>
-        <p:cNvPr id="1" name=""/>
-        <p:cNvGrpSpPr/>
-        <p:nvPr/>
-      </p:nvGrpSpPr>
-      <p:grpSpPr/>
-      <p:sp>
-        <p:nvSpPr>
-          <p:cNvPr id="2" name="Title 1"/>
-          <p:cNvSpPr>
-            <a:spLocks noGrp="1"/>
-          </p:cNvSpPr>
-          <p:nvPr>
-            <p:ph type="title"/>
-          </p:nvPr>
-        </p:nvSpPr>
-        <p:spPr/>
-        <p:txBody>
-          <a:bodyPr/>
-          <a:p>
-            <a:r>
-              <a:rPr lang="en-US"/>
-              <a:t>Project Structure</a:t>
-            </a:r>
-            <a:endParaRPr lang="en-US"/>
-          </a:p>
-        </p:txBody>
-      </p:sp>
-      <p:pic>
-        <p:nvPicPr>
-          <p:cNvPr id="4" name="Content Placeholder 3" descr="09-Project Structure"/>
-          <p:cNvPicPr>
-            <a:picLocks noChangeAspect="1"/>
-          </p:cNvPicPr>
-          <p:nvPr>
-            <p:ph idx="1"/>
-          </p:nvPr>
-        </p:nvPicPr>
-        <p:blipFill>
-          <a:blip r:embed="rId1"/>
-          <a:stretch>
-            <a:fillRect/>
-          </a:stretch>
-        </p:blipFill>
-        <p:spPr>
-          <a:xfrm>
-            <a:off x="2195830" y="966470"/>
-            <a:ext cx="4173855" cy="5289550"/>
-          </a:xfrm>
-          <a:prstGeom prst="rect">
-            <a:avLst/>
-          </a:prstGeom>
-        </p:spPr>
-      </p:pic>
-    </p:spTree>
-  </p:cSld>
-  <p:clrMapOvr>
-    <a:masterClrMapping/>
-  </p:clrMapOvr>
-</p:sld>
-</file>
-
-<file path=ppt/slides/slide16.xml><?xml version="1.0" encoding="utf-8"?>
-<p:sld xmlns:a="http://schemas.openxmlformats.org/drawingml/2006/main" xmlns:r="http://schemas.openxmlformats.org/officeDocument/2006/relationships" xmlns:p="http://schemas.openxmlformats.org/presentationml/2006/main">
-  <p:cSld>
-    <p:spTree>
-      <p:nvGrpSpPr>
-        <p:cNvPr id="1" name=""/>
-        <p:cNvGrpSpPr/>
-        <p:nvPr/>
-      </p:nvGrpSpPr>
-      <p:grpSpPr/>
-      <p:sp>
-        <p:nvSpPr>
-          <p:cNvPr id="2" name="Title 1"/>
-          <p:cNvSpPr>
-            <a:spLocks noGrp="1"/>
-          </p:cNvSpPr>
-          <p:nvPr>
-            <p:ph type="title"/>
-          </p:nvPr>
-        </p:nvSpPr>
-        <p:spPr/>
-        <p:txBody>
-          <a:bodyPr/>
-          <a:p>
-            <a:r>
-              <a:rPr lang="en-US"/>
-              <a:t>Let's get started!!!</a:t>
-            </a:r>
-            <a:endParaRPr lang="en-US"/>
-          </a:p>
-        </p:txBody>
-      </p:sp>
-      <p:sp>
-        <p:nvSpPr>
-          <p:cNvPr id="3" name="Content Placeholder 2"/>
-          <p:cNvSpPr>
-            <a:spLocks noGrp="1"/>
-          </p:cNvSpPr>
-          <p:nvPr>
-            <p:ph sz="half" idx="1"/>
-          </p:nvPr>
-        </p:nvSpPr>
-        <p:spPr>
-          <a:xfrm>
-            <a:off x="175895" y="854075"/>
-            <a:ext cx="4269105" cy="5860415"/>
-          </a:xfrm>
-        </p:spPr>
-        <p:txBody>
-          <a:bodyPr/>
-          <a:p>
-            <a:r>
-              <a:rPr lang="en-US"/>
-              <a:t>The crux of any Enterprise Application lies in it's </a:t>
-            </a:r>
-            <a:r>
-              <a:rPr lang="en-US" b="1"/>
-              <a:t>Data Design.</a:t>
-            </a:r>
-            <a:endParaRPr lang="en-US" b="1"/>
-          </a:p>
-          <a:p>
-            <a:r>
-              <a:rPr lang="en-US"/>
-              <a:t>We start Data Designing by creating User model.</a:t>
-            </a:r>
-            <a:endParaRPr lang="en-US"/>
-          </a:p>
-          <a:p>
-            <a:r>
-              <a:rPr lang="en-US"/>
-              <a:t>File -&gt; New -&gt; Class</a:t>
-            </a:r>
-            <a:endParaRPr lang="en-US"/>
-          </a:p>
-          <a:p>
-            <a:r>
-              <a:rPr lang="en-US"/>
-              <a:t>This model will contain basic details of the user.</a:t>
-            </a:r>
-            <a:endParaRPr lang="en-US"/>
-          </a:p>
-          <a:p>
-            <a:r>
-              <a:rPr lang="en-US"/>
-              <a:t>User model will also have Associations will Address and Role model.</a:t>
-            </a:r>
-            <a:endParaRPr lang="en-US"/>
-          </a:p>
-        </p:txBody>
-      </p:sp>
-      <p:pic>
-        <p:nvPicPr>
-          <p:cNvPr id="4" name="Content Placeholder 3" descr="08-User Class Creation"/>
-          <p:cNvPicPr>
-            <a:picLocks noChangeAspect="1"/>
-          </p:cNvPicPr>
-          <p:nvPr>
-            <p:ph sz="half" idx="2"/>
-          </p:nvPr>
-        </p:nvPicPr>
-        <p:blipFill>
-          <a:blip r:embed="rId1"/>
-          <a:stretch>
-            <a:fillRect/>
-          </a:stretch>
-        </p:blipFill>
-        <p:spPr>
-          <a:xfrm>
-            <a:off x="4483100" y="930275"/>
-            <a:ext cx="4573905" cy="5423535"/>
-          </a:xfrm>
-          <a:prstGeom prst="rect">
-            <a:avLst/>
-          </a:prstGeom>
-        </p:spPr>
-      </p:pic>
-    </p:spTree>
-  </p:cSld>
-  <p:clrMapOvr>
-    <a:masterClrMapping/>
-  </p:clrMapOvr>
-</p:sld>
-</file>
-
-<file path=ppt/slides/slide17.xml><?xml version="1.0" encoding="utf-8"?>
-<p:sld xmlns:a="http://schemas.openxmlformats.org/drawingml/2006/main" xmlns:r="http://schemas.openxmlformats.org/officeDocument/2006/relationships" xmlns:p="http://schemas.openxmlformats.org/presentationml/2006/main">
-  <p:cSld>
-    <p:spTree>
-      <p:nvGrpSpPr>
-        <p:cNvPr id="1" name=""/>
-        <p:cNvGrpSpPr/>
-        <p:nvPr/>
-      </p:nvGrpSpPr>
-      <p:grpSpPr/>
-      <p:sp>
-        <p:nvSpPr>
-          <p:cNvPr id="2" name="Title 1"/>
-          <p:cNvSpPr>
-            <a:spLocks noGrp="1"/>
-          </p:cNvSpPr>
-          <p:nvPr>
-            <p:ph type="title"/>
-          </p:nvPr>
-        </p:nvSpPr>
-        <p:spPr/>
-        <p:txBody>
-          <a:bodyPr/>
-          <a:p>
-            <a:r>
-              <a:rPr lang="en-US"/>
-              <a:t>User.java</a:t>
-            </a:r>
-            <a:endParaRPr lang="en-US"/>
-          </a:p>
-        </p:txBody>
-      </p:sp>
-      <p:pic>
-        <p:nvPicPr>
-          <p:cNvPr id="5" name="Content Placeholder 4" descr="10-User Model"/>
-          <p:cNvPicPr>
-            <a:picLocks noChangeAspect="1"/>
-          </p:cNvPicPr>
-          <p:nvPr>
-            <p:ph sz="half" idx="1"/>
-          </p:nvPr>
-        </p:nvPicPr>
-        <p:blipFill>
-          <a:blip r:embed="rId1"/>
-          <a:stretch>
-            <a:fillRect/>
-          </a:stretch>
-        </p:blipFill>
-        <p:spPr>
-          <a:xfrm>
-            <a:off x="1266825" y="783590"/>
-            <a:ext cx="6695440" cy="5872480"/>
+            <a:off x="346075" y="1720215"/>
+            <a:ext cx="8375650" cy="4194175"/>
           </a:xfrm>
           <a:prstGeom prst="rect">
             <a:avLst/>
@@ -3283,38 +3964,187 @@
           <a:p>
             <a:r>
               <a:rPr lang="en-US"/>
-              <a:t>Address.java</a:t>
+              <a:t>Spring Boot Application</a:t>
             </a:r>
             <a:endParaRPr lang="en-US"/>
           </a:p>
         </p:txBody>
       </p:sp>
-      <p:pic>
-        <p:nvPicPr>
-          <p:cNvPr id="5" name="Content Placeholder 4" descr="11-Address Model"/>
-          <p:cNvPicPr>
-            <a:picLocks noChangeAspect="1"/>
-          </p:cNvPicPr>
+      <p:sp>
+        <p:nvSpPr>
+          <p:cNvPr id="3" name="Content Placeholder 2"/>
+          <p:cNvSpPr/>
           <p:nvPr>
-            <p:ph sz="half" idx="1"/>
+            <p:ph idx="1"/>
           </p:nvPr>
-        </p:nvPicPr>
-        <p:blipFill>
-          <a:blip r:embed="rId1"/>
-          <a:stretch>
-            <a:fillRect/>
-          </a:stretch>
-        </p:blipFill>
-        <p:spPr>
-          <a:xfrm>
-            <a:off x="2021205" y="778510"/>
-            <a:ext cx="4777105" cy="5911215"/>
-          </a:xfrm>
-          <a:prstGeom prst="rect">
-            <a:avLst/>
-          </a:prstGeom>
-        </p:spPr>
-      </p:pic>
+        </p:nvSpPr>
+        <p:spPr/>
+        <p:txBody>
+          <a:bodyPr>
+            <a:normAutofit fontScale="70000"/>
+          </a:bodyPr>
+          <a:p>
+            <a:pPr marL="0" indent="0">
+              <a:buNone/>
+            </a:pPr>
+            <a:r>
+              <a:rPr lang="en-US"/>
+              <a:t>@SpringBootApplication</a:t>
+            </a:r>
+            <a:endParaRPr lang="en-US"/>
+          </a:p>
+          <a:p>
+            <a:pPr marL="0" indent="0">
+              <a:buNone/>
+            </a:pPr>
+            <a:r>
+              <a:rPr lang="en-US"/>
+              <a:t>public class Application {</a:t>
+            </a:r>
+            <a:endParaRPr lang="en-US"/>
+          </a:p>
+          <a:p>
+            <a:pPr marL="0" indent="0">
+              <a:buNone/>
+            </a:pPr>
+            <a:r>
+              <a:rPr lang="en-US"/>
+              <a:t>	private static final Log LOG =</a:t>
+            </a:r>
+            <a:endParaRPr lang="en-US"/>
+          </a:p>
+          <a:p>
+            <a:pPr marL="0" indent="0">
+              <a:buNone/>
+            </a:pPr>
+            <a:r>
+              <a:rPr lang="en-US"/>
+              <a:t>		LogFactory.getLog(Application.class);</a:t>
+            </a:r>
+            <a:endParaRPr lang="en-US"/>
+          </a:p>
+          <a:p>
+            <a:pPr marL="0" indent="0">
+              <a:buNone/>
+            </a:pPr>
+            <a:r>
+              <a:rPr lang="en-US"/>
+              <a:t>	public static void main(String[] args) {</a:t>
+            </a:r>
+            <a:endParaRPr lang="en-US"/>
+          </a:p>
+          <a:p>
+            <a:pPr marL="0" indent="0">
+              <a:buNone/>
+            </a:pPr>
+            <a:r>
+              <a:rPr lang="en-US"/>
+              <a:t>		SpringApplication.run(Application.class, args);</a:t>
+            </a:r>
+            <a:endParaRPr lang="en-US"/>
+          </a:p>
+          <a:p>
+            <a:pPr marL="0" indent="0">
+              <a:buNone/>
+            </a:pPr>
+            <a:r>
+              <a:rPr lang="en-US"/>
+              <a:t>		String user;</a:t>
+            </a:r>
+            <a:endParaRPr lang="en-US"/>
+          </a:p>
+          <a:p>
+            <a:pPr marL="0" indent="0">
+              <a:buNone/>
+            </a:pPr>
+            <a:r>
+              <a:rPr lang="en-US"/>
+              <a:t>		if(args.length&gt;0) {</a:t>
+            </a:r>
+            <a:endParaRPr lang="en-US"/>
+          </a:p>
+          <a:p>
+            <a:pPr marL="0" indent="0">
+              <a:buNone/>
+            </a:pPr>
+            <a:r>
+              <a:rPr lang="en-US"/>
+              <a:t>			user = args[0];</a:t>
+            </a:r>
+            <a:endParaRPr lang="en-US"/>
+          </a:p>
+          <a:p>
+            <a:pPr marL="0" indent="0">
+              <a:buNone/>
+            </a:pPr>
+            <a:r>
+              <a:rPr lang="en-US"/>
+              <a:t>		}else {</a:t>
+            </a:r>
+            <a:endParaRPr lang="en-US"/>
+          </a:p>
+          <a:p>
+            <a:pPr marL="0" indent="0">
+              <a:buNone/>
+            </a:pPr>
+            <a:r>
+              <a:rPr lang="en-US"/>
+              <a:t>			user = "Spring Boot";</a:t>
+            </a:r>
+            <a:endParaRPr lang="en-US"/>
+          </a:p>
+          <a:p>
+            <a:pPr marL="0" indent="0">
+              <a:buNone/>
+            </a:pPr>
+            <a:r>
+              <a:rPr lang="en-US"/>
+              <a:t>		}</a:t>
+            </a:r>
+            <a:endParaRPr lang="en-US"/>
+          </a:p>
+          <a:p>
+            <a:pPr marL="0" indent="0">
+              <a:buNone/>
+            </a:pPr>
+            <a:r>
+              <a:rPr lang="en-US"/>
+              <a:t>		LOG.info(MessageFormat.format(</a:t>
+            </a:r>
+            <a:endParaRPr lang="en-US"/>
+          </a:p>
+          <a:p>
+            <a:pPr marL="0" indent="0">
+              <a:buNone/>
+            </a:pPr>
+            <a:r>
+              <a:rPr lang="en-US"/>
+              <a:t>			"============= Hello {0} world! =============", user));</a:t>
+            </a:r>
+            <a:endParaRPr lang="en-US"/>
+          </a:p>
+          <a:p>
+            <a:pPr marL="0" indent="0">
+              <a:buNone/>
+            </a:pPr>
+            <a:r>
+              <a:rPr lang="en-US"/>
+              <a:t>	}</a:t>
+            </a:r>
+            <a:endParaRPr lang="en-US"/>
+          </a:p>
+          <a:p>
+            <a:pPr marL="0" indent="0">
+              <a:buNone/>
+            </a:pPr>
+            <a:r>
+              <a:rPr lang="en-US"/>
+              <a:t>}</a:t>
+            </a:r>
+            <a:endParaRPr lang="en-US"/>
+          </a:p>
+        </p:txBody>
+      </p:sp>
     </p:spTree>
   </p:cSld>
   <p:clrMapOvr>
@@ -3349,38 +4179,112 @@
           <a:p>
             <a:r>
               <a:rPr lang="en-US"/>
-              <a:t>Role.java</a:t>
+              <a:t>Running Spring Boot Application</a:t>
             </a:r>
             <a:endParaRPr lang="en-US"/>
           </a:p>
         </p:txBody>
       </p:sp>
-      <p:pic>
-        <p:nvPicPr>
-          <p:cNvPr id="5" name="Content Placeholder 4" descr="12-Role Model"/>
-          <p:cNvPicPr>
-            <a:picLocks noChangeAspect="1"/>
-          </p:cNvPicPr>
+      <p:sp>
+        <p:nvSpPr>
+          <p:cNvPr id="3" name="Content Placeholder 2"/>
+          <p:cNvSpPr>
+            <a:spLocks noGrp="1"/>
+          </p:cNvSpPr>
           <p:nvPr>
-            <p:ph sz="half" idx="1"/>
+            <p:ph idx="1"/>
           </p:nvPr>
-        </p:nvPicPr>
-        <p:blipFill>
-          <a:blip r:embed="rId1"/>
-          <a:stretch>
-            <a:fillRect/>
-          </a:stretch>
-        </p:blipFill>
-        <p:spPr>
-          <a:xfrm>
-            <a:off x="1249680" y="1201420"/>
-            <a:ext cx="6558280" cy="4569460"/>
-          </a:xfrm>
-          <a:prstGeom prst="rect">
-            <a:avLst/>
-          </a:prstGeom>
-        </p:spPr>
-      </p:pic>
+        </p:nvSpPr>
+        <p:spPr/>
+        <p:txBody>
+          <a:bodyPr>
+            <a:normAutofit lnSpcReduction="10000"/>
+          </a:bodyPr>
+          <a:p>
+            <a:r>
+              <a:rPr lang="en-US" sz="2500"/>
+              <a:t>You need to first build the jar in maven using the command </a:t>
+            </a:r>
+            <a:br>
+              <a:rPr lang="en-US" sz="2500"/>
+            </a:br>
+            <a:r>
+              <a:rPr lang="en-US" sz="2500"/>
+              <a:t>	</a:t>
+            </a:r>
+            <a:r>
+              <a:rPr lang="en-US" sz="2500" b="1" i="1"/>
+              <a:t>mvn clean install</a:t>
+            </a:r>
+            <a:r>
+              <a:rPr lang="en-US" sz="2500"/>
+              <a:t>.</a:t>
+            </a:r>
+            <a:endParaRPr lang="en-US" sz="2500"/>
+          </a:p>
+          <a:p>
+            <a:r>
+              <a:rPr lang="en-US" sz="2500"/>
+              <a:t>Then you can run the jar using command as follow:</a:t>
+            </a:r>
+            <a:endParaRPr lang="en-US" sz="2500"/>
+          </a:p>
+          <a:p>
+            <a:pPr lvl="1"/>
+            <a:r>
+              <a:rPr lang="en-US" sz="2500" b="1"/>
+              <a:t>java -jar target/app-0.0.1-SNAPSHOT.jar</a:t>
+            </a:r>
+            <a:r>
+              <a:rPr lang="en-US" sz="2500"/>
+              <a:t> </a:t>
+            </a:r>
+            <a:endParaRPr lang="en-US" sz="2500"/>
+          </a:p>
+          <a:p>
+            <a:r>
+              <a:rPr lang="en-US" sz="2500"/>
+              <a:t>You can also try passing your name as argument in above command as shown below:</a:t>
+            </a:r>
+            <a:endParaRPr lang="en-US" sz="2500"/>
+          </a:p>
+          <a:p>
+            <a:pPr lvl="1"/>
+            <a:r>
+              <a:rPr lang="en-US" sz="2500" b="1">
+                <a:sym typeface="+mn-ea"/>
+              </a:rPr>
+              <a:t>java -jar target/app-0.0.1-SNAPSHOT.jar Daniel</a:t>
+            </a:r>
+            <a:endParaRPr lang="en-US" sz="2500"/>
+          </a:p>
+          <a:p>
+            <a:r>
+              <a:rPr lang="en-US" sz="2500"/>
+              <a:t>Alternatively, you can run your application directly from IDE as well.</a:t>
+            </a:r>
+            <a:endParaRPr lang="en-US" sz="2500"/>
+          </a:p>
+          <a:p>
+            <a:r>
+              <a:rPr lang="en-US" sz="2500">
+                <a:sym typeface="+mn-ea"/>
+              </a:rPr>
+              <a:t>The key feature of Spring Boot Application is it's starter POMs and auto-configuration which enables us to focus on writing business logic with very minimal setup, without worrying about writing any boiler-plate configuration code.</a:t>
+            </a:r>
+            <a:endParaRPr lang="en-US" sz="2500">
+              <a:sym typeface="+mn-ea"/>
+            </a:endParaRPr>
+          </a:p>
+          <a:p>
+            <a:r>
+              <a:rPr lang="en-US" sz="2500"/>
+              <a:t>As you will see, getting a Spring Boot application up and running is very quick and smooth, which was not the case with Spring Framework.</a:t>
+            </a:r>
+            <a:endParaRPr lang="en-US" sz="2500"/>
+          </a:p>
+        </p:txBody>
+      </p:sp>
     </p:spTree>
   </p:cSld>
   <p:clrMapOvr>
@@ -3974,12 +4878,12 @@
       <p:grpSpPr/>
       <p:sp>
         <p:nvSpPr>
-          <p:cNvPr id="5" name="Title 4"/>
+          <p:cNvPr id="2" name="Title 1"/>
           <p:cNvSpPr>
             <a:spLocks noGrp="1"/>
           </p:cNvSpPr>
           <p:nvPr>
-            <p:ph type="ctrTitle"/>
+            <p:ph type="title"/>
           </p:nvPr>
         </p:nvSpPr>
         <p:spPr/>
@@ -3988,9 +4892,81 @@
           <a:p>
             <a:r>
               <a:rPr lang="en-US"/>
-              <a:t>Dtos and Projections</a:t>
-            </a:r>
-            <a:endParaRPr lang="en-US"/>
+              <a:t>@SpringBootApplication</a:t>
+            </a:r>
+            <a:endParaRPr lang="en-US"/>
+          </a:p>
+        </p:txBody>
+      </p:sp>
+      <p:sp>
+        <p:nvSpPr>
+          <p:cNvPr id="3" name="Content Placeholder 2"/>
+          <p:cNvSpPr>
+            <a:spLocks noGrp="1"/>
+          </p:cNvSpPr>
+          <p:nvPr>
+            <p:ph idx="1"/>
+          </p:nvPr>
+        </p:nvSpPr>
+        <p:spPr/>
+        <p:txBody>
+          <a:bodyPr/>
+          <a:p>
+            <a:r>
+              <a:rPr lang="en-US" sz="2600" b="1"/>
+              <a:t>@SpringBootApplication</a:t>
+            </a:r>
+            <a:r>
+              <a:rPr lang="en-US" sz="2600"/>
+              <a:t> annotation enables the auto-configuration feature and tells JVM the entry point of Spring Boot Application.</a:t>
+            </a:r>
+            <a:endParaRPr lang="en-US" sz="2600"/>
+          </a:p>
+          <a:p>
+            <a:endParaRPr lang="en-US" sz="2600"/>
+          </a:p>
+          <a:p>
+            <a:r>
+              <a:rPr lang="en-US" sz="2600"/>
+              <a:t>This annotation encapsulates the working of three different annotations:</a:t>
+            </a:r>
+            <a:endParaRPr lang="en-US" sz="2600"/>
+          </a:p>
+          <a:p>
+            <a:pPr lvl="1"/>
+            <a:r>
+              <a:rPr lang="en-US" sz="2600" b="1"/>
+              <a:t>@Configuration</a:t>
+            </a:r>
+            <a:r>
+              <a:rPr lang="en-US" sz="2600"/>
+              <a:t>: Allows the developers to explicitly register the beans for custom configurations.</a:t>
+            </a:r>
+            <a:endParaRPr lang="en-US" sz="2600"/>
+          </a:p>
+          <a:p>
+            <a:pPr lvl="1"/>
+            <a:r>
+              <a:rPr lang="en-US" sz="2600" b="1"/>
+              <a:t>@ComponentScan</a:t>
+            </a:r>
+            <a:r>
+              <a:rPr lang="en-US" sz="2600"/>
+              <a:t>: Enables the component-scanning so that the controller class and other stereotype components will be automatically discovered and registered as beans in spring’s application context.</a:t>
+            </a:r>
+            <a:endParaRPr lang="en-US" sz="2600"/>
+          </a:p>
+          <a:p>
+            <a:pPr lvl="1"/>
+            <a:r>
+              <a:rPr lang="en-US" sz="2600" b="1"/>
+              <a:t>@EnableAutoConfiguration</a:t>
+            </a:r>
+            <a:r>
+              <a:rPr lang="en-US" sz="2600"/>
+              <a:t>: Enables the auto-configuration feature of spring boot.</a:t>
+            </a:r>
+            <a:endParaRPr lang="en-US" sz="2600"/>
           </a:p>
         </p:txBody>
       </p:sp>
@@ -4028,20 +5004,91 @@
           <a:p>
             <a:r>
               <a:rPr lang="en-US"/>
-              <a:t>UserDto.java and AddressDto.java</a:t>
-            </a:r>
-            <a:endParaRPr lang="en-US"/>
+              <a:t>Update application.properties</a:t>
+            </a:r>
+            <a:endParaRPr lang="en-US"/>
+          </a:p>
+        </p:txBody>
+      </p:sp>
+      <p:sp>
+        <p:nvSpPr>
+          <p:cNvPr id="3" name="Content Placeholder 2"/>
+          <p:cNvSpPr>
+            <a:spLocks noGrp="1"/>
+          </p:cNvSpPr>
+          <p:nvPr>
+            <p:ph sz="half" idx="1"/>
+          </p:nvPr>
+        </p:nvSpPr>
+        <p:spPr>
+          <a:xfrm>
+            <a:off x="175895" y="751840"/>
+            <a:ext cx="8576310" cy="3067050"/>
+          </a:xfrm>
+        </p:spPr>
+        <p:txBody>
+          <a:bodyPr>
+            <a:normAutofit/>
+          </a:bodyPr>
+          <a:p>
+            <a:r>
+              <a:rPr lang="en-US" sz="1900"/>
+              <a:t>We need to create a Schema in MySQL and mention it's name in this property file.</a:t>
+            </a:r>
+            <a:endParaRPr lang="en-US" sz="1900"/>
+          </a:p>
+          <a:p>
+            <a:r>
+              <a:rPr lang="en-US" sz="1900"/>
+              <a:t>For tutorial purposes, we will use the schema name “</a:t>
+            </a:r>
+            <a:r>
+              <a:rPr lang="en-US" sz="1900" b="1"/>
+              <a:t>sb</a:t>
+            </a:r>
+            <a:r>
+              <a:rPr lang="en-US" sz="1900"/>
+              <a:t>” which stands for Spring-Boot.</a:t>
+            </a:r>
+            <a:endParaRPr lang="en-US" sz="1900"/>
+          </a:p>
+          <a:p>
+            <a:r>
+              <a:rPr lang="en-US" sz="1900"/>
+              <a:t>Then w</a:t>
+            </a:r>
+            <a:r>
+              <a:rPr lang="en-US" sz="1900">
+                <a:sym typeface="+mn-ea"/>
+              </a:rPr>
+              <a:t>e need to update application.properties to point to our MySQL instance on localhost.</a:t>
+            </a:r>
+            <a:endParaRPr lang="en-US" sz="1900"/>
+          </a:p>
+          <a:p>
+            <a:r>
+              <a:rPr lang="en-US" sz="1900"/>
+              <a:t>The JPA properties ensures that Tables in Schema are automatically created/updated in case of changes in our Java Domain Objects.</a:t>
+            </a:r>
+            <a:endParaRPr lang="en-US" sz="1900"/>
+          </a:p>
+          <a:p>
+            <a:r>
+              <a:rPr lang="en-US" sz="1900"/>
+              <a:t>We are also enabling “show_sql” and “format_sql” property to see Hibernate generated queries in a well formatted manner.</a:t>
+            </a:r>
+            <a:endParaRPr lang="en-US" sz="1900"/>
           </a:p>
         </p:txBody>
       </p:sp>
       <p:pic>
         <p:nvPicPr>
-          <p:cNvPr id="6" name="Content Placeholder 5" descr="13-UserDto"/>
+          <p:cNvPr id="5" name="Content Placeholder 4" descr="05-app-properties"/>
           <p:cNvPicPr>
             <a:picLocks noChangeAspect="1"/>
           </p:cNvPicPr>
           <p:nvPr>
-            <p:ph sz="half" idx="1"/>
+            <p:ph sz="half" idx="2"/>
           </p:nvPr>
         </p:nvPicPr>
         <p:blipFill>
@@ -4052,34 +5099,8 @@
         </p:blipFill>
         <p:spPr>
           <a:xfrm>
-            <a:off x="78740" y="1864995"/>
-            <a:ext cx="4344670" cy="3559175"/>
-          </a:xfrm>
-          <a:prstGeom prst="rect">
-            <a:avLst/>
-          </a:prstGeom>
-        </p:spPr>
-      </p:pic>
-      <p:pic>
-        <p:nvPicPr>
-          <p:cNvPr id="7" name="Content Placeholder 6" descr="14-AddressDto"/>
-          <p:cNvPicPr>
-            <a:picLocks noChangeAspect="1"/>
-          </p:cNvPicPr>
-          <p:nvPr>
-            <p:ph sz="half" idx="2"/>
-          </p:nvPr>
-        </p:nvPicPr>
-        <p:blipFill>
-          <a:blip r:embed="rId2"/>
-          <a:stretch>
-            <a:fillRect/>
-          </a:stretch>
-        </p:blipFill>
-        <p:spPr>
-          <a:xfrm>
-            <a:off x="4680585" y="933450"/>
-            <a:ext cx="4304030" cy="5369560"/>
+            <a:off x="1258570" y="3890010"/>
+            <a:ext cx="6636385" cy="2728595"/>
           </a:xfrm>
           <a:prstGeom prst="rect">
             <a:avLst/>
@@ -4119,65 +5140,243 @@
           <a:bodyPr/>
           <a:p>
             <a:r>
-              <a:rPr lang="en-US" sz="2000"/>
-              <a:t>RegistrationFormDto.java &amp; AddressProjection.java</a:t>
-            </a:r>
-            <a:endParaRPr lang="en-US" sz="2000"/>
+              <a:rPr lang="en-US"/>
+              <a:t>Application Layers</a:t>
+            </a:r>
+            <a:endParaRPr lang="en-US"/>
           </a:p>
         </p:txBody>
       </p:sp>
-      <p:pic>
-        <p:nvPicPr>
-          <p:cNvPr id="5" name="Content Placeholder 4" descr="15-RegistrationFormDto"/>
-          <p:cNvPicPr>
-            <a:picLocks noChangeAspect="1"/>
-          </p:cNvPicPr>
+      <p:sp>
+        <p:nvSpPr>
+          <p:cNvPr id="3" name="Content Placeholder 2"/>
+          <p:cNvSpPr>
+            <a:spLocks noGrp="1"/>
+          </p:cNvSpPr>
           <p:nvPr>
-            <p:ph sz="half" idx="1"/>
+            <p:ph idx="1"/>
           </p:nvPr>
-        </p:nvPicPr>
-        <p:blipFill>
-          <a:blip r:embed="rId1"/>
-          <a:stretch>
-            <a:fillRect/>
-          </a:stretch>
-        </p:blipFill>
+        </p:nvSpPr>
         <p:spPr>
           <a:xfrm>
-            <a:off x="173355" y="977265"/>
-            <a:ext cx="4262120" cy="5321935"/>
+            <a:off x="135255" y="818515"/>
+            <a:ext cx="8877935" cy="5793740"/>
           </a:xfrm>
-          <a:prstGeom prst="rect">
-            <a:avLst/>
-          </a:prstGeom>
         </p:spPr>
-      </p:pic>
-      <p:pic>
-        <p:nvPicPr>
-          <p:cNvPr id="6" name="Content Placeholder 5" descr="16-AddressProjection"/>
-          <p:cNvPicPr>
-            <a:picLocks noChangeAspect="1"/>
-          </p:cNvPicPr>
-          <p:nvPr>
-            <p:ph sz="half" idx="2"/>
-          </p:nvPr>
-        </p:nvPicPr>
-        <p:blipFill>
-          <a:blip r:embed="rId2"/>
-          <a:stretch>
-            <a:fillRect/>
-          </a:stretch>
-        </p:blipFill>
-        <p:spPr>
-          <a:xfrm>
-            <a:off x="4533265" y="1622425"/>
-            <a:ext cx="4528820" cy="3902075"/>
-          </a:xfrm>
-          <a:prstGeom prst="rect">
-            <a:avLst/>
-          </a:prstGeom>
-        </p:spPr>
-      </p:pic>
+        <p:txBody>
+          <a:bodyPr>
+            <a:normAutofit fontScale="90000" lnSpcReduction="10000"/>
+          </a:bodyPr>
+          <a:p>
+            <a:pPr>
+              <a:buFont typeface="Arial" panose="020B0604020202020204" pitchFamily="34" charset="0"/>
+              <a:buChar char="•"/>
+            </a:pPr>
+            <a:r>
+              <a:rPr lang="en-US" b="1" i="1"/>
+              <a:t>Model</a:t>
+            </a:r>
+            <a:r>
+              <a:rPr lang="en-US"/>
+              <a:t> - Contains Java Domain Objects</a:t>
+            </a:r>
+            <a:endParaRPr lang="en-US"/>
+          </a:p>
+          <a:p>
+            <a:pPr lvl="1">
+              <a:buFont typeface="Arial" panose="020B0604020202020204" pitchFamily="34" charset="0"/>
+              <a:buChar char="•"/>
+            </a:pPr>
+            <a:r>
+              <a:rPr lang="en-US" sz="2000"/>
+              <a:t>User.java, Address.java and Role.java</a:t>
+            </a:r>
+            <a:endParaRPr lang="en-US"/>
+          </a:p>
+          <a:p>
+            <a:pPr lvl="0">
+              <a:buFont typeface="Arial" panose="020B0604020202020204" pitchFamily="34" charset="0"/>
+              <a:buChar char="•"/>
+            </a:pPr>
+            <a:r>
+              <a:rPr lang="en-US" b="1" i="1"/>
+              <a:t>Dto</a:t>
+            </a:r>
+            <a:r>
+              <a:rPr lang="en-US"/>
+              <a:t> - Contains Data Transfer Objects</a:t>
+            </a:r>
+            <a:endParaRPr lang="en-US"/>
+          </a:p>
+          <a:p>
+            <a:pPr lvl="1">
+              <a:buFont typeface="Arial" panose="020B0604020202020204" pitchFamily="34" charset="0"/>
+              <a:buChar char="•"/>
+            </a:pPr>
+            <a:r>
+              <a:rPr lang="en-US"/>
+              <a:t>UserDto.java, AddressDto.java, RegistrationFormDto.java</a:t>
+            </a:r>
+            <a:endParaRPr lang="en-US"/>
+          </a:p>
+          <a:p>
+            <a:pPr lvl="0">
+              <a:buFont typeface="Arial" panose="020B0604020202020204" pitchFamily="34" charset="0"/>
+              <a:buChar char="•"/>
+            </a:pPr>
+            <a:r>
+              <a:rPr lang="en-US" b="1" i="1"/>
+              <a:t>Projection</a:t>
+            </a:r>
+            <a:r>
+              <a:rPr lang="en-US"/>
+              <a:t> - Contains Projection Interfaces as alternative to Dtos.</a:t>
+            </a:r>
+            <a:endParaRPr lang="en-US"/>
+          </a:p>
+          <a:p>
+            <a:pPr lvl="1">
+              <a:buFont typeface="Arial" panose="020B0604020202020204" pitchFamily="34" charset="0"/>
+              <a:buChar char="•"/>
+            </a:pPr>
+            <a:r>
+              <a:rPr lang="en-US" sz="2000"/>
+              <a:t>AddressProjection.java</a:t>
+            </a:r>
+            <a:endParaRPr lang="en-US"/>
+          </a:p>
+          <a:p>
+            <a:pPr lvl="0">
+              <a:buFont typeface="Arial" panose="020B0604020202020204" pitchFamily="34" charset="0"/>
+              <a:buChar char="•"/>
+            </a:pPr>
+            <a:r>
+              <a:rPr lang="en-US" b="1" i="1"/>
+              <a:t>Repository</a:t>
+            </a:r>
+            <a:r>
+              <a:rPr lang="en-US"/>
+              <a:t> - Jpa Interfaces and Implementations for Persistence Layer</a:t>
+            </a:r>
+            <a:endParaRPr lang="en-US"/>
+          </a:p>
+          <a:p>
+            <a:pPr lvl="1">
+              <a:buFont typeface="Arial" panose="020B0604020202020204" pitchFamily="34" charset="0"/>
+              <a:buChar char="•"/>
+            </a:pPr>
+            <a:r>
+              <a:rPr lang="en-US" sz="2000"/>
+              <a:t>UserRepository.java, AddressRepository.java, RoleRepository.java</a:t>
+            </a:r>
+            <a:endParaRPr lang="en-US"/>
+          </a:p>
+          <a:p>
+            <a:pPr lvl="0">
+              <a:buFont typeface="Arial" panose="020B0604020202020204" pitchFamily="34" charset="0"/>
+              <a:buChar char="•"/>
+            </a:pPr>
+            <a:r>
+              <a:rPr lang="en-US" b="1" i="1"/>
+              <a:t>Service</a:t>
+            </a:r>
+            <a:r>
+              <a:rPr lang="en-US"/>
+              <a:t> - Business Logic Implementation and Transaction Management.</a:t>
+            </a:r>
+            <a:endParaRPr lang="en-US"/>
+          </a:p>
+          <a:p>
+            <a:pPr lvl="1">
+              <a:buFont typeface="Arial" panose="020B0604020202020204" pitchFamily="34" charset="0"/>
+              <a:buChar char="•"/>
+            </a:pPr>
+            <a:r>
+              <a:rPr lang="en-US" sz="2000"/>
+              <a:t>UserService.java</a:t>
+            </a:r>
+            <a:endParaRPr lang="en-US"/>
+          </a:p>
+          <a:p>
+            <a:pPr lvl="0">
+              <a:buFont typeface="Arial" panose="020B0604020202020204" pitchFamily="34" charset="0"/>
+              <a:buChar char="•"/>
+            </a:pPr>
+            <a:r>
+              <a:rPr lang="en-US" b="1" i="1"/>
+              <a:t>Controller</a:t>
+            </a:r>
+            <a:r>
+              <a:rPr lang="en-US"/>
+              <a:t> - REST Controllers for various API end-points.</a:t>
+            </a:r>
+            <a:endParaRPr lang="en-US"/>
+          </a:p>
+          <a:p>
+            <a:pPr lvl="1">
+              <a:buFont typeface="Arial" panose="020B0604020202020204" pitchFamily="34" charset="0"/>
+              <a:buChar char="•"/>
+            </a:pPr>
+            <a:r>
+              <a:rPr lang="en-US" sz="2000"/>
+              <a:t>UserController.java</a:t>
+            </a:r>
+            <a:endParaRPr lang="en-US"/>
+          </a:p>
+          <a:p>
+            <a:pPr lvl="0">
+              <a:buFont typeface="Arial" panose="020B0604020202020204" pitchFamily="34" charset="0"/>
+              <a:buChar char="•"/>
+            </a:pPr>
+            <a:r>
+              <a:rPr lang="en-US" b="1" i="1"/>
+              <a:t>Constants</a:t>
+            </a:r>
+            <a:r>
+              <a:rPr lang="en-US"/>
+              <a:t> - Interfaces containing constant values as best practice.</a:t>
+            </a:r>
+            <a:endParaRPr lang="en-US"/>
+          </a:p>
+          <a:p>
+            <a:pPr lvl="1">
+              <a:buFont typeface="Arial" panose="020B0604020202020204" pitchFamily="34" charset="0"/>
+              <a:buChar char="•"/>
+            </a:pPr>
+            <a:r>
+              <a:rPr lang="en-US" sz="2000"/>
+              <a:t>GlobalConstants.java</a:t>
+            </a:r>
+            <a:endParaRPr lang="en-US"/>
+          </a:p>
+          <a:p>
+            <a:pPr lvl="0">
+              <a:buFont typeface="Arial" panose="020B0604020202020204" pitchFamily="34" charset="0"/>
+              <a:buChar char="•"/>
+            </a:pPr>
+            <a:r>
+              <a:rPr lang="en-US" b="1" i="1"/>
+              <a:t>Exceptions</a:t>
+            </a:r>
+            <a:r>
+              <a:rPr lang="en-US"/>
+              <a:t> - This layer defines all the custom exceptions.</a:t>
+            </a:r>
+            <a:endParaRPr lang="en-US"/>
+          </a:p>
+          <a:p>
+            <a:pPr lvl="1">
+              <a:buFont typeface="Arial" panose="020B0604020202020204" pitchFamily="34" charset="0"/>
+              <a:buChar char="•"/>
+            </a:pPr>
+            <a:r>
+              <a:rPr lang="en-US"/>
+              <a:t>UserNameAlreadyInUseException.java, RoleNotFoundException.java, IncorrectDateFormatException.java</a:t>
+            </a:r>
+            <a:endParaRPr lang="en-US"/>
+          </a:p>
+        </p:txBody>
+      </p:sp>
     </p:spTree>
   </p:cSld>
   <p:clrMapOvr>
@@ -4198,12 +5397,12 @@
       <p:grpSpPr/>
       <p:sp>
         <p:nvSpPr>
-          <p:cNvPr id="5" name="Title 4"/>
+          <p:cNvPr id="2" name="Title 1"/>
           <p:cNvSpPr>
             <a:spLocks noGrp="1"/>
           </p:cNvSpPr>
           <p:nvPr>
-            <p:ph type="ctrTitle"/>
+            <p:ph type="title"/>
           </p:nvPr>
         </p:nvSpPr>
         <p:spPr/>
@@ -4212,34 +5411,38 @@
           <a:p>
             <a:r>
               <a:rPr lang="en-US"/>
-              <a:t>Exceptions</a:t>
+              <a:t>Project Structure</a:t>
             </a:r>
             <a:endParaRPr lang="en-US"/>
           </a:p>
         </p:txBody>
       </p:sp>
-      <p:sp>
-        <p:nvSpPr>
-          <p:cNvPr id="2" name="Subtitle 1"/>
-          <p:cNvSpPr>
-            <a:spLocks noGrp="1"/>
-          </p:cNvSpPr>
+      <p:pic>
+        <p:nvPicPr>
+          <p:cNvPr id="4" name="Content Placeholder 3" descr="09-Project Structure"/>
+          <p:cNvPicPr>
+            <a:picLocks noChangeAspect="1"/>
+          </p:cNvPicPr>
           <p:nvPr>
-            <p:ph type="subTitle" idx="1"/>
+            <p:ph idx="1"/>
           </p:nvPr>
-        </p:nvSpPr>
-        <p:spPr/>
-        <p:txBody>
-          <a:bodyPr/>
-          <a:p>
-            <a:r>
-              <a:rPr lang="en-US"/>
-              <a:t>Custom Exception Handling Mechanism through RuntimeException extended classes</a:t>
-            </a:r>
-            <a:endParaRPr lang="en-US"/>
-          </a:p>
-        </p:txBody>
-      </p:sp>
+        </p:nvPicPr>
+        <p:blipFill>
+          <a:blip r:embed="rId1"/>
+          <a:stretch>
+            <a:fillRect/>
+          </a:stretch>
+        </p:blipFill>
+        <p:spPr>
+          <a:xfrm>
+            <a:off x="2195830" y="966470"/>
+            <a:ext cx="4173855" cy="5289550"/>
+          </a:xfrm>
+          <a:prstGeom prst="rect">
+            <a:avLst/>
+          </a:prstGeom>
+        </p:spPr>
+      </p:pic>
     </p:spTree>
   </p:cSld>
   <p:clrMapOvr>
@@ -4274,7 +5477,66 @@
           <a:p>
             <a:r>
               <a:rPr lang="en-US"/>
-              <a:t>RoleNotFoundException.java</a:t>
+              <a:t>Let's get started!!!</a:t>
+            </a:r>
+            <a:endParaRPr lang="en-US"/>
+          </a:p>
+        </p:txBody>
+      </p:sp>
+      <p:sp>
+        <p:nvSpPr>
+          <p:cNvPr id="3" name="Content Placeholder 2"/>
+          <p:cNvSpPr>
+            <a:spLocks noGrp="1"/>
+          </p:cNvSpPr>
+          <p:nvPr>
+            <p:ph sz="half" idx="1"/>
+          </p:nvPr>
+        </p:nvSpPr>
+        <p:spPr>
+          <a:xfrm>
+            <a:off x="175895" y="854075"/>
+            <a:ext cx="4269105" cy="5860415"/>
+          </a:xfrm>
+        </p:spPr>
+        <p:txBody>
+          <a:bodyPr/>
+          <a:p>
+            <a:r>
+              <a:rPr lang="en-US"/>
+              <a:t>The crux of any Enterprise Application lies in it's </a:t>
+            </a:r>
+            <a:r>
+              <a:rPr lang="en-US" b="1"/>
+              <a:t>Data Design.</a:t>
+            </a:r>
+            <a:endParaRPr lang="en-US" b="1"/>
+          </a:p>
+          <a:p>
+            <a:r>
+              <a:rPr lang="en-US"/>
+              <a:t>We start Data Designing by creating User model.</a:t>
+            </a:r>
+            <a:endParaRPr lang="en-US"/>
+          </a:p>
+          <a:p>
+            <a:r>
+              <a:rPr lang="en-US"/>
+              <a:t>File -&gt; New -&gt; Class</a:t>
+            </a:r>
+            <a:endParaRPr lang="en-US"/>
+          </a:p>
+          <a:p>
+            <a:r>
+              <a:rPr lang="en-US"/>
+              <a:t>This model will contain basic details of the user.</a:t>
+            </a:r>
+            <a:endParaRPr lang="en-US"/>
+          </a:p>
+          <a:p>
+            <a:r>
+              <a:rPr lang="en-US"/>
+              <a:t>User model will also have Associations will Address and Role model.</a:t>
             </a:r>
             <a:endParaRPr lang="en-US"/>
           </a:p>
@@ -4282,12 +5544,12 @@
       </p:sp>
       <p:pic>
         <p:nvPicPr>
-          <p:cNvPr id="4" name="Content Placeholder 3" descr="24-Exception 2"/>
+          <p:cNvPr id="4" name="Content Placeholder 3" descr="08-User Class Creation"/>
           <p:cNvPicPr>
             <a:picLocks noChangeAspect="1"/>
           </p:cNvPicPr>
           <p:nvPr>
-            <p:ph idx="1"/>
+            <p:ph sz="half" idx="2"/>
           </p:nvPr>
         </p:nvPicPr>
         <p:blipFill>
@@ -4298,8 +5560,8 @@
         </p:blipFill>
         <p:spPr>
           <a:xfrm>
-            <a:off x="257175" y="974090"/>
-            <a:ext cx="8462645" cy="5541010"/>
+            <a:off x="4483100" y="930275"/>
+            <a:ext cx="4573905" cy="5423535"/>
           </a:xfrm>
           <a:prstGeom prst="rect">
             <a:avLst/>
@@ -4340,38 +5602,93 @@
           <a:p>
             <a:r>
               <a:rPr lang="en-US"/>
-              <a:t>UserNameAlreadyInUseException.java</a:t>
+              <a:t>Model specific annotations</a:t>
             </a:r>
             <a:endParaRPr lang="en-US"/>
           </a:p>
         </p:txBody>
       </p:sp>
-      <p:pic>
-        <p:nvPicPr>
-          <p:cNvPr id="5" name="Content Placeholder 4" descr="23-Exception 1"/>
-          <p:cNvPicPr>
-            <a:picLocks noChangeAspect="1"/>
-          </p:cNvPicPr>
+      <p:sp>
+        <p:nvSpPr>
+          <p:cNvPr id="5" name="Content Placeholder 4"/>
+          <p:cNvSpPr>
+            <a:spLocks noGrp="1"/>
+          </p:cNvSpPr>
           <p:nvPr>
             <p:ph idx="1"/>
           </p:nvPr>
-        </p:nvPicPr>
-        <p:blipFill>
-          <a:blip r:embed="rId1"/>
-          <a:stretch>
-            <a:fillRect/>
-          </a:stretch>
-        </p:blipFill>
-        <p:spPr>
-          <a:xfrm>
-            <a:off x="396875" y="1042670"/>
-            <a:ext cx="8267065" cy="5174615"/>
-          </a:xfrm>
-          <a:prstGeom prst="rect">
-            <a:avLst/>
-          </a:prstGeom>
-        </p:spPr>
-      </p:pic>
+        </p:nvSpPr>
+        <p:spPr/>
+        <p:txBody>
+          <a:bodyPr/>
+          <a:p>
+            <a:r>
+              <a:rPr lang="en-US" b="1"/>
+              <a:t>@Entity</a:t>
+            </a:r>
+            <a:r>
+              <a:rPr lang="en-US"/>
+              <a:t> annotation defines that a class can be mapped to a table.</a:t>
+            </a:r>
+            <a:endParaRPr lang="en-US"/>
+          </a:p>
+          <a:p>
+            <a:r>
+              <a:rPr lang="en-US" b="1"/>
+              <a:t>@Id</a:t>
+            </a:r>
+            <a:r>
+              <a:rPr lang="en-US"/>
+              <a:t> annotation is inherited from javax.persistence.Id indicating the member field below is the primary key of current entity .</a:t>
+            </a:r>
+            <a:endParaRPr lang="en-US"/>
+          </a:p>
+          <a:p>
+            <a:r>
+              <a:rPr lang="en-US" b="1"/>
+              <a:t>@GenerateValue</a:t>
+            </a:r>
+            <a:r>
+              <a:rPr lang="en-US"/>
+              <a:t> annotation is to configure how the primary key should be auto-generated and incremented. It has four generation strategies viz. Auto, Identity, Sequence and Table.</a:t>
+            </a:r>
+            <a:endParaRPr lang="en-US"/>
+          </a:p>
+          <a:p>
+            <a:r>
+              <a:rPr lang="en-US" b="1"/>
+              <a:t>@OneToMany</a:t>
+            </a:r>
+            <a:r>
+              <a:rPr lang="en-US"/>
+              <a:t> mapping means that one row in current table is mapped to multiple rows in referrencing table.</a:t>
+            </a:r>
+            <a:endParaRPr lang="en-US"/>
+          </a:p>
+          <a:p>
+            <a:r>
+              <a:rPr lang="en-US" b="1"/>
+              <a:t>@ManyToOne</a:t>
+            </a:r>
+            <a:r>
+              <a:rPr lang="en-US"/>
+              <a:t> mapping means that many rows of current table can be associated with a single row of referrencing table.</a:t>
+            </a:r>
+            <a:endParaRPr lang="en-US"/>
+          </a:p>
+          <a:p>
+            <a:r>
+              <a:rPr lang="en-US" b="1"/>
+              <a:t>@JoinColumn</a:t>
+            </a:r>
+            <a:r>
+              <a:rPr lang="en-US"/>
+              <a:t> specifies a column for joining an entity association or element collection. If the JoinColumn annotation itself is defaulted, a single join column is assumed and the default values apply.</a:t>
+            </a:r>
+            <a:endParaRPr lang="en-US"/>
+          </a:p>
+        </p:txBody>
+      </p:sp>
     </p:spTree>
   </p:cSld>
   <p:clrMapOvr>
@@ -4406,38 +5723,171 @@
           <a:p>
             <a:r>
               <a:rPr lang="en-US"/>
-              <a:t>IncorrectDateFormatException.java</a:t>
+              <a:t>Role.java</a:t>
             </a:r>
             <a:endParaRPr lang="en-US"/>
           </a:p>
         </p:txBody>
       </p:sp>
-      <p:pic>
-        <p:nvPicPr>
-          <p:cNvPr id="4" name="Content Placeholder 3" descr="25-Exception 3"/>
-          <p:cNvPicPr>
-            <a:picLocks noChangeAspect="1"/>
-          </p:cNvPicPr>
+      <p:sp>
+        <p:nvSpPr>
+          <p:cNvPr id="4" name="Content Placeholder 3"/>
+          <p:cNvSpPr>
+            <a:spLocks noGrp="1"/>
+          </p:cNvSpPr>
           <p:nvPr>
             <p:ph idx="1"/>
           </p:nvPr>
-        </p:nvPicPr>
-        <p:blipFill>
-          <a:blip r:embed="rId1"/>
-          <a:stretch>
-            <a:fillRect/>
-          </a:stretch>
-        </p:blipFill>
-        <p:spPr>
-          <a:xfrm>
-            <a:off x="376555" y="972820"/>
-            <a:ext cx="8523605" cy="5152390"/>
-          </a:xfrm>
-          <a:prstGeom prst="rect">
-            <a:avLst/>
-          </a:prstGeom>
-        </p:spPr>
-      </p:pic>
+        </p:nvSpPr>
+        <p:spPr/>
+        <p:txBody>
+          <a:bodyPr>
+            <a:normAutofit lnSpcReduction="20000"/>
+          </a:bodyPr>
+          <a:p>
+            <a:pPr marL="0" indent="0">
+              <a:buNone/>
+            </a:pPr>
+            <a:r>
+              <a:rPr lang="en-US"/>
+              <a:t>package com.lithan.sb.model;</a:t>
+            </a:r>
+            <a:endParaRPr lang="en-US"/>
+          </a:p>
+          <a:p>
+            <a:pPr marL="0" indent="0">
+              <a:buNone/>
+            </a:pPr>
+            <a:endParaRPr lang="en-US"/>
+          </a:p>
+          <a:p>
+            <a:pPr marL="0" indent="0">
+              <a:buNone/>
+            </a:pPr>
+            <a:r>
+              <a:rPr lang="en-US"/>
+              <a:t>import javax.persistence.Entity;</a:t>
+            </a:r>
+            <a:endParaRPr lang="en-US"/>
+          </a:p>
+          <a:p>
+            <a:pPr marL="0" indent="0">
+              <a:buNone/>
+            </a:pPr>
+            <a:r>
+              <a:rPr lang="en-US"/>
+              <a:t>import javax.persistence.Id;</a:t>
+            </a:r>
+            <a:endParaRPr lang="en-US"/>
+          </a:p>
+          <a:p>
+            <a:pPr marL="0" indent="0">
+              <a:buNone/>
+            </a:pPr>
+            <a:r>
+              <a:rPr lang="en-US"/>
+              <a:t>import lombok.Data;</a:t>
+            </a:r>
+            <a:endParaRPr lang="en-US"/>
+          </a:p>
+          <a:p>
+            <a:pPr marL="0" indent="0">
+              <a:buNone/>
+            </a:pPr>
+            <a:endParaRPr lang="en-US"/>
+          </a:p>
+          <a:p>
+            <a:pPr marL="0" indent="0">
+              <a:buNone/>
+            </a:pPr>
+            <a:r>
+              <a:rPr lang="en-US"/>
+              <a:t>@Data</a:t>
+            </a:r>
+            <a:endParaRPr lang="en-US"/>
+          </a:p>
+          <a:p>
+            <a:pPr marL="0" indent="0">
+              <a:buNone/>
+            </a:pPr>
+            <a:r>
+              <a:rPr lang="en-US"/>
+              <a:t>@Entity</a:t>
+            </a:r>
+            <a:endParaRPr lang="en-US"/>
+          </a:p>
+          <a:p>
+            <a:pPr marL="0" indent="0">
+              <a:buNone/>
+            </a:pPr>
+            <a:r>
+              <a:rPr lang="en-US"/>
+              <a:t>public class Role {</a:t>
+            </a:r>
+            <a:endParaRPr lang="en-US"/>
+          </a:p>
+          <a:p>
+            <a:pPr marL="0" indent="0">
+              <a:buNone/>
+            </a:pPr>
+            <a:r>
+              <a:rPr lang="en-US"/>
+              <a:t>	</a:t>
+            </a:r>
+            <a:endParaRPr lang="en-US"/>
+          </a:p>
+          <a:p>
+            <a:pPr marL="0" indent="0">
+              <a:buNone/>
+            </a:pPr>
+            <a:r>
+              <a:rPr lang="en-US"/>
+              <a:t>	@Id</a:t>
+            </a:r>
+            <a:endParaRPr lang="en-US"/>
+          </a:p>
+          <a:p>
+            <a:pPr marL="0" indent="0">
+              <a:buNone/>
+            </a:pPr>
+            <a:r>
+              <a:rPr lang="en-US"/>
+              <a:t>	private String roleCode;</a:t>
+            </a:r>
+            <a:endParaRPr lang="en-US"/>
+          </a:p>
+          <a:p>
+            <a:pPr marL="0" indent="0">
+              <a:buNone/>
+            </a:pPr>
+            <a:r>
+              <a:rPr lang="en-US"/>
+              <a:t>	private String roleName;</a:t>
+            </a:r>
+            <a:endParaRPr lang="en-US"/>
+          </a:p>
+          <a:p>
+            <a:pPr marL="0" indent="0">
+              <a:buNone/>
+            </a:pPr>
+            <a:r>
+              <a:rPr lang="en-US"/>
+              <a:t>	</a:t>
+            </a:r>
+            <a:endParaRPr lang="en-US"/>
+          </a:p>
+          <a:p>
+            <a:pPr marL="0" indent="0">
+              <a:buNone/>
+            </a:pPr>
+            <a:r>
+              <a:rPr lang="en-US"/>
+              <a:t>}</a:t>
+            </a:r>
+            <a:endParaRPr lang="en-US"/>
+          </a:p>
+        </p:txBody>
+      </p:sp>
     </p:spTree>
   </p:cSld>
   <p:clrMapOvr>
@@ -4458,12 +5908,12 @@
       <p:grpSpPr/>
       <p:sp>
         <p:nvSpPr>
-          <p:cNvPr id="5" name="Title 4"/>
+          <p:cNvPr id="2" name="Title 1"/>
           <p:cNvSpPr>
             <a:spLocks noGrp="1"/>
           </p:cNvSpPr>
           <p:nvPr>
-            <p:ph type="ctrTitle"/>
+            <p:ph type="title"/>
           </p:nvPr>
         </p:nvSpPr>
         <p:spPr/>
@@ -4472,7 +5922,7 @@
           <a:p>
             <a:r>
               <a:rPr lang="en-US"/>
-              <a:t>Repositories</a:t>
+              <a:t>User.java</a:t>
             </a:r>
             <a:endParaRPr lang="en-US"/>
           </a:p>
@@ -4480,21 +5930,168 @@
       </p:sp>
       <p:sp>
         <p:nvSpPr>
-          <p:cNvPr id="2" name="Subtitle 1"/>
+          <p:cNvPr id="4" name="Content Placeholder 3"/>
           <p:cNvSpPr>
             <a:spLocks noGrp="1"/>
           </p:cNvSpPr>
           <p:nvPr>
-            <p:ph type="subTitle" idx="1"/>
+            <p:ph idx="1"/>
           </p:nvPr>
         </p:nvSpPr>
         <p:spPr/>
         <p:txBody>
-          <a:bodyPr/>
-          <a:p>
-            <a:r>
-              <a:rPr lang="en-US"/>
-              <a:t>Persistence Layer</a:t>
+          <a:bodyPr>
+            <a:normAutofit fontScale="90000" lnSpcReduction="20000"/>
+          </a:bodyPr>
+          <a:p>
+            <a:pPr marL="0" indent="0">
+              <a:buNone/>
+            </a:pPr>
+            <a:r>
+              <a:rPr lang="en-US"/>
+              <a:t>@Data</a:t>
+            </a:r>
+            <a:endParaRPr lang="en-US"/>
+          </a:p>
+          <a:p>
+            <a:pPr marL="0" indent="0">
+              <a:buNone/>
+            </a:pPr>
+            <a:r>
+              <a:rPr lang="en-US"/>
+              <a:t>@Entity</a:t>
+            </a:r>
+            <a:endParaRPr lang="en-US"/>
+          </a:p>
+          <a:p>
+            <a:pPr marL="0" indent="0">
+              <a:buNone/>
+            </a:pPr>
+            <a:r>
+              <a:rPr lang="en-US"/>
+              <a:t>public class User {</a:t>
+            </a:r>
+            <a:endParaRPr lang="en-US"/>
+          </a:p>
+          <a:p>
+            <a:pPr marL="0" indent="0">
+              <a:buNone/>
+            </a:pPr>
+            <a:endParaRPr lang="en-US"/>
+          </a:p>
+          <a:p>
+            <a:pPr marL="0" indent="0">
+              <a:buNone/>
+            </a:pPr>
+            <a:r>
+              <a:rPr lang="en-US"/>
+              <a:t>	@Id</a:t>
+            </a:r>
+            <a:endParaRPr lang="en-US"/>
+          </a:p>
+          <a:p>
+            <a:pPr marL="0" indent="0">
+              <a:buNone/>
+            </a:pPr>
+            <a:r>
+              <a:rPr lang="en-US"/>
+              <a:t>	private String userName;</a:t>
+            </a:r>
+            <a:endParaRPr lang="en-US"/>
+          </a:p>
+          <a:p>
+            <a:pPr marL="0" indent="0">
+              <a:buNone/>
+            </a:pPr>
+            <a:r>
+              <a:rPr lang="en-US"/>
+              <a:t>	private String firstName;</a:t>
+            </a:r>
+            <a:endParaRPr lang="en-US"/>
+          </a:p>
+          <a:p>
+            <a:pPr marL="0" indent="0">
+              <a:buNone/>
+            </a:pPr>
+            <a:r>
+              <a:rPr lang="en-US"/>
+              <a:t>	private String lastName;	</a:t>
+            </a:r>
+            <a:endParaRPr lang="en-US"/>
+          </a:p>
+          <a:p>
+            <a:pPr marL="0" indent="0">
+              <a:buNone/>
+            </a:pPr>
+            <a:r>
+              <a:rPr lang="en-US"/>
+              <a:t>	private Date dateOfBirth;</a:t>
+            </a:r>
+            <a:endParaRPr lang="en-US"/>
+          </a:p>
+          <a:p>
+            <a:pPr marL="0" indent="0">
+              <a:buNone/>
+            </a:pPr>
+            <a:r>
+              <a:rPr lang="en-US"/>
+              <a:t>	@OneToMany(cascade = CascadeType.ALL, </a:t>
+            </a:r>
+            <a:endParaRPr lang="en-US"/>
+          </a:p>
+          <a:p>
+            <a:pPr marL="0" indent="0">
+              <a:buNone/>
+            </a:pPr>
+            <a:r>
+              <a:rPr lang="en-US"/>
+              <a:t>	mappedBy = "user", fetch = FetchType.EAGER)</a:t>
+            </a:r>
+            <a:endParaRPr lang="en-US"/>
+          </a:p>
+          <a:p>
+            <a:pPr marL="0" indent="0">
+              <a:buNone/>
+            </a:pPr>
+            <a:r>
+              <a:rPr lang="en-US"/>
+              <a:t>	private List&lt;Address&gt; addressList = new ArrayList&lt;&gt;();</a:t>
+            </a:r>
+            <a:endParaRPr lang="en-US"/>
+          </a:p>
+          <a:p>
+            <a:pPr marL="0" indent="0">
+              <a:buNone/>
+            </a:pPr>
+            <a:r>
+              <a:rPr lang="en-US"/>
+              <a:t>	@ManyToOne(fetch = FetchType.EAGER)</a:t>
+            </a:r>
+            <a:endParaRPr lang="en-US"/>
+          </a:p>
+          <a:p>
+            <a:pPr marL="0" indent="0">
+              <a:buNone/>
+            </a:pPr>
+            <a:r>
+              <a:rPr lang="en-US"/>
+              <a:t>	private Role role;</a:t>
+            </a:r>
+            <a:endParaRPr lang="en-US"/>
+          </a:p>
+          <a:p>
+            <a:pPr marL="0" indent="0">
+              <a:buNone/>
+            </a:pPr>
+            <a:endParaRPr lang="en-US"/>
+          </a:p>
+          <a:p>
+            <a:pPr marL="0" indent="0">
+              <a:buNone/>
+            </a:pPr>
+            <a:r>
+              <a:rPr lang="en-US"/>
+              <a:t>}</a:t>
             </a:r>
             <a:endParaRPr lang="en-US"/>
           </a:p>
@@ -4534,130 +6131,179 @@
           <a:p>
             <a:r>
               <a:rPr lang="en-US"/>
-              <a:t>Repositories</a:t>
+              <a:t>Address.java</a:t>
             </a:r>
             <a:endParaRPr lang="en-US"/>
           </a:p>
         </p:txBody>
       </p:sp>
-      <p:pic>
-        <p:nvPicPr>
-          <p:cNvPr id="4" name="Content Placeholder 3" descr="17-User Repository"/>
-          <p:cNvPicPr>
-            <a:picLocks noChangeAspect="1"/>
-          </p:cNvPicPr>
+      <p:sp>
+        <p:nvSpPr>
+          <p:cNvPr id="4" name="Content Placeholder 3"/>
+          <p:cNvSpPr>
+            <a:spLocks noGrp="1"/>
+          </p:cNvSpPr>
           <p:nvPr>
-            <p:ph sz="half" idx="1"/>
+            <p:ph idx="1"/>
           </p:nvPr>
-        </p:nvPicPr>
-        <p:blipFill>
-          <a:blip r:embed="rId1"/>
-          <a:stretch>
-            <a:fillRect/>
-          </a:stretch>
-        </p:blipFill>
-        <p:spPr>
-          <a:xfrm>
-            <a:off x="384175" y="909955"/>
-            <a:ext cx="7114540" cy="2752090"/>
-          </a:xfrm>
-          <a:prstGeom prst="rect">
-            <a:avLst/>
-          </a:prstGeom>
-          <a:ln w="12700" cmpd="sng">
-            <a:solidFill>
-              <a:schemeClr val="tx2"/>
-            </a:solidFill>
-            <a:prstDash val="solid"/>
-          </a:ln>
-        </p:spPr>
-      </p:pic>
-      <p:pic>
-        <p:nvPicPr>
-          <p:cNvPr id="6" name="Content Placeholder 5" descr="18-Address Repository"/>
-          <p:cNvPicPr>
-            <a:picLocks noChangeAspect="1"/>
-          </p:cNvPicPr>
-          <p:nvPr>
-            <p:ph sz="half" idx="2"/>
-          </p:nvPr>
-        </p:nvPicPr>
-        <p:blipFill>
-          <a:blip r:embed="rId2"/>
-          <a:stretch>
-            <a:fillRect/>
-          </a:stretch>
-        </p:blipFill>
-        <p:spPr>
-          <a:xfrm>
-            <a:off x="2566670" y="3917315"/>
-            <a:ext cx="6414135" cy="1170305"/>
-          </a:xfrm>
-          <a:prstGeom prst="rect">
-            <a:avLst/>
-          </a:prstGeom>
-          <a:ln w="12700" cmpd="sng">
-            <a:solidFill>
-              <a:schemeClr val="tx2"/>
-            </a:solidFill>
-            <a:prstDash val="solid"/>
-          </a:ln>
-        </p:spPr>
-      </p:pic>
-      <p:pic>
-        <p:nvPicPr>
-          <p:cNvPr id="7" name="Picture 6" descr="19-Role Repository"/>
-          <p:cNvPicPr>
-            <a:picLocks noChangeAspect="1"/>
-          </p:cNvPicPr>
-          <p:nvPr/>
-        </p:nvPicPr>
-        <p:blipFill>
-          <a:blip r:embed="rId3"/>
-          <a:stretch>
-            <a:fillRect/>
-          </a:stretch>
-        </p:blipFill>
-        <p:spPr>
-          <a:xfrm>
-            <a:off x="440690" y="5525770"/>
-            <a:ext cx="6482715" cy="647065"/>
-          </a:xfrm>
-          <a:prstGeom prst="rect">
-            <a:avLst/>
-          </a:prstGeom>
-          <a:ln w="12700" cmpd="sng">
-            <a:solidFill>
-              <a:schemeClr val="tx2"/>
-            </a:solidFill>
-            <a:prstDash val="solid"/>
-          </a:ln>
-        </p:spPr>
-      </p:pic>
-      <p:pic>
-        <p:nvPicPr>
-          <p:cNvPr id="9" name="Picture 8"/>
-          <p:cNvPicPr>
-            <a:picLocks noChangeAspect="1"/>
-          </p:cNvPicPr>
-          <p:nvPr/>
-        </p:nvPicPr>
-        <p:blipFill>
-          <a:blip r:embed="rId4"/>
-          <a:stretch>
-            <a:fillRect/>
-          </a:stretch>
-        </p:blipFill>
-        <p:spPr>
-          <a:xfrm>
-            <a:off x="155575" y="3989070"/>
-            <a:ext cx="2385695" cy="967740"/>
-          </a:xfrm>
-          <a:prstGeom prst="rect">
-            <a:avLst/>
-          </a:prstGeom>
-        </p:spPr>
-      </p:pic>
+        </p:nvSpPr>
+        <p:spPr/>
+        <p:txBody>
+          <a:bodyPr>
+            <a:normAutofit fontScale="80000"/>
+          </a:bodyPr>
+          <a:p>
+            <a:pPr marL="0" indent="0">
+              <a:buNone/>
+            </a:pPr>
+            <a:r>
+              <a:rPr lang="en-US"/>
+              <a:t>@Data</a:t>
+            </a:r>
+            <a:endParaRPr lang="en-US"/>
+          </a:p>
+          <a:p>
+            <a:pPr marL="0" indent="0">
+              <a:buNone/>
+            </a:pPr>
+            <a:r>
+              <a:rPr lang="en-US"/>
+              <a:t>@Entity</a:t>
+            </a:r>
+            <a:endParaRPr lang="en-US"/>
+          </a:p>
+          <a:p>
+            <a:pPr marL="0" indent="0">
+              <a:buNone/>
+            </a:pPr>
+            <a:r>
+              <a:rPr lang="en-US"/>
+              <a:t>public class Address {	</a:t>
+            </a:r>
+            <a:endParaRPr lang="en-US"/>
+          </a:p>
+          <a:p>
+            <a:pPr marL="0" indent="0">
+              <a:buNone/>
+            </a:pPr>
+            <a:r>
+              <a:rPr lang="en-US"/>
+              <a:t>	@Id</a:t>
+            </a:r>
+            <a:endParaRPr lang="en-US"/>
+          </a:p>
+          <a:p>
+            <a:pPr marL="0" indent="0">
+              <a:buNone/>
+            </a:pPr>
+            <a:r>
+              <a:rPr lang="en-US"/>
+              <a:t>	@GeneratedValue(strategy = GenerationType.IDENTITY)</a:t>
+            </a:r>
+            <a:endParaRPr lang="en-US"/>
+          </a:p>
+          <a:p>
+            <a:pPr marL="0" indent="0">
+              <a:buNone/>
+            </a:pPr>
+            <a:r>
+              <a:rPr lang="en-US"/>
+              <a:t>	private long addressId;</a:t>
+            </a:r>
+            <a:endParaRPr lang="en-US"/>
+          </a:p>
+          <a:p>
+            <a:pPr marL="0" indent="0">
+              <a:buNone/>
+            </a:pPr>
+            <a:r>
+              <a:rPr lang="en-US"/>
+              <a:t>	@ManyToOne(cascade = CascadeType.ALL)</a:t>
+            </a:r>
+            <a:endParaRPr lang="en-US"/>
+          </a:p>
+          <a:p>
+            <a:pPr marL="0" indent="0">
+              <a:buNone/>
+            </a:pPr>
+            <a:r>
+              <a:rPr lang="en-US"/>
+              <a:t>	@JoinColumn(name = "userName")</a:t>
+            </a:r>
+            <a:endParaRPr lang="en-US"/>
+          </a:p>
+          <a:p>
+            <a:pPr marL="0" indent="0">
+              <a:buNone/>
+            </a:pPr>
+            <a:r>
+              <a:rPr lang="en-US"/>
+              <a:t>	private User user;</a:t>
+            </a:r>
+            <a:endParaRPr lang="en-US"/>
+          </a:p>
+          <a:p>
+            <a:pPr marL="0" indent="0">
+              <a:buNone/>
+            </a:pPr>
+            <a:r>
+              <a:rPr lang="en-US"/>
+              <a:t>	private String address1, address2, area, city, state, country;</a:t>
+            </a:r>
+            <a:endParaRPr lang="en-US"/>
+          </a:p>
+          <a:p>
+            <a:pPr marL="0" indent="0">
+              <a:buNone/>
+            </a:pPr>
+            <a:r>
+              <a:rPr lang="en-US"/>
+              <a:t>	private String contactNo;</a:t>
+            </a:r>
+            <a:endParaRPr lang="en-US"/>
+          </a:p>
+          <a:p>
+            <a:pPr marL="0" indent="0">
+              <a:buNone/>
+            </a:pPr>
+            <a:r>
+              <a:rPr lang="en-US"/>
+              <a:t>	private String email;</a:t>
+            </a:r>
+            <a:endParaRPr lang="en-US"/>
+          </a:p>
+          <a:p>
+            <a:pPr marL="0" indent="0">
+              <a:buNone/>
+            </a:pPr>
+            <a:r>
+              <a:rPr lang="en-US"/>
+              <a:t>	private boolean active;</a:t>
+            </a:r>
+            <a:endParaRPr lang="en-US"/>
+          </a:p>
+          <a:p>
+            <a:pPr marL="0" indent="0">
+              <a:buNone/>
+            </a:pPr>
+            <a:r>
+              <a:rPr lang="en-US"/>
+              <a:t>	private boolean primaryAddr;</a:t>
+            </a:r>
+            <a:endParaRPr lang="en-US"/>
+          </a:p>
+          <a:p>
+            <a:pPr marL="0" indent="0">
+              <a:buNone/>
+            </a:pPr>
+            <a:r>
+              <a:rPr lang="en-US"/>
+              <a:t>}</a:t>
+            </a:r>
+            <a:endParaRPr lang="en-US"/>
+          </a:p>
+        </p:txBody>
+      </p:sp>
     </p:spTree>
   </p:cSld>
   <p:clrMapOvr>
@@ -4692,29 +6338,7 @@
           <a:p>
             <a:r>
               <a:rPr lang="en-US"/>
-              <a:t>Service</a:t>
-            </a:r>
-            <a:endParaRPr lang="en-US"/>
-          </a:p>
-        </p:txBody>
-      </p:sp>
-      <p:sp>
-        <p:nvSpPr>
-          <p:cNvPr id="2" name="Subtitle 1"/>
-          <p:cNvSpPr>
-            <a:spLocks noGrp="1"/>
-          </p:cNvSpPr>
-          <p:nvPr>
-            <p:ph type="subTitle" idx="1"/>
-          </p:nvPr>
-        </p:nvSpPr>
-        <p:spPr/>
-        <p:txBody>
-          <a:bodyPr/>
-          <a:p>
-            <a:r>
-              <a:rPr lang="en-US"/>
-              <a:t>Business Logic Layer</a:t>
+              <a:t>Dtos and Projections</a:t>
             </a:r>
             <a:endParaRPr lang="en-US"/>
           </a:p>
@@ -4737,14 +6361,7 @@
         <p:cNvGrpSpPr/>
         <p:nvPr/>
       </p:nvGrpSpPr>
-      <p:grpSpPr>
-        <a:xfrm>
-          <a:off x="0" y="0"/>
-          <a:ext cx="0" cy="0"/>
-          <a:chOff x="0" y="0"/>
-          <a:chExt cx="0" cy="0"/>
-        </a:xfrm>
-      </p:grpSpPr>
+      <p:grpSpPr/>
       <p:sp>
         <p:nvSpPr>
           <p:cNvPr id="2" name="Title 1"/>
@@ -4758,13 +6375,12 @@
         <p:spPr/>
         <p:txBody>
           <a:bodyPr/>
-          <a:lstStyle/>
-          <a:p>
-            <a:r>
-              <a:rPr lang="en-SG" dirty="0"/>
-              <a:t>Introduction to Spring Boot</a:t>
-            </a:r>
-            <a:endParaRPr lang="en-SG" dirty="0"/>
+          <a:p>
+            <a:r>
+              <a:rPr lang="en-US"/>
+              <a:t>Spring Boot</a:t>
+            </a:r>
+            <a:endParaRPr lang="en-US"/>
           </a:p>
         </p:txBody>
       </p:sp>
@@ -4775,61 +6391,68 @@
             <a:spLocks noGrp="1"/>
           </p:cNvSpPr>
           <p:nvPr>
-            <p:ph idx="1"/>
+            <p:ph sz="half" idx="1"/>
           </p:nvPr>
         </p:nvSpPr>
-        <p:spPr/>
+        <p:spPr>
+          <a:xfrm>
+            <a:off x="380365" y="4496435"/>
+            <a:ext cx="8478520" cy="2240915"/>
+          </a:xfrm>
+        </p:spPr>
         <p:txBody>
-          <a:bodyPr/>
-          <a:lstStyle/>
-          <a:p>
-            <a:r>
-              <a:rPr lang="en-SG" dirty="0"/>
-              <a:t>Create stand-alone Spring applications</a:t>
-            </a:r>
-            <a:endParaRPr lang="en-SG" dirty="0"/>
-          </a:p>
-          <a:p>
-            <a:r>
-              <a:rPr lang="en-SG" dirty="0"/>
-              <a:t>Embed Tomcat, Jetty or Undertow directly (no need to deploy WAR files)</a:t>
-            </a:r>
-            <a:endParaRPr lang="en-SG" dirty="0"/>
-          </a:p>
-          <a:p>
-            <a:r>
-              <a:rPr lang="en-SG" dirty="0"/>
-              <a:t>Provide opinionated 'starter' dependencies to simplify your build configuration</a:t>
-            </a:r>
-            <a:endParaRPr lang="en-SG" dirty="0"/>
-          </a:p>
-          <a:p>
-            <a:r>
-              <a:rPr lang="en-SG" dirty="0"/>
-              <a:t>Automatically configure Spring and 3rd party libraries whenever possible</a:t>
-            </a:r>
-            <a:endParaRPr lang="en-SG" dirty="0"/>
-          </a:p>
-          <a:p>
-            <a:r>
-              <a:rPr lang="en-SG" dirty="0"/>
-              <a:t>Provide production-ready features such as metrics, health checks and externalized configuration</a:t>
-            </a:r>
-            <a:endParaRPr lang="en-SG" dirty="0"/>
-          </a:p>
-          <a:p>
-            <a:r>
-              <a:rPr lang="en-SG" dirty="0"/>
-              <a:t>Absolutely no code generation and no requirement for XML configuration</a:t>
-            </a:r>
-            <a:endParaRPr lang="en-SG" dirty="0"/>
-          </a:p>
-          <a:p>
-            <a:pPr lvl="1"/>
-            <a:endParaRPr lang="en-SG" dirty="0"/>
+          <a:bodyPr>
+            <a:noAutofit/>
+          </a:bodyPr>
+          <a:p>
+            <a:r>
+              <a:rPr lang="en-US" sz="2200"/>
+              <a:t>Spring boot is a Spring framework which provides RAD (Rapid Application Deveolopement) feature to the Spring framework.</a:t>
+            </a:r>
+            <a:endParaRPr lang="en-US" sz="2200"/>
+          </a:p>
+          <a:p>
+            <a:r>
+              <a:rPr lang="en-US" sz="2200"/>
+              <a:t>It is highly dependent on the starter templates feature which is very powerful and works flawlessly.</a:t>
+            </a:r>
+            <a:endParaRPr lang="en-US" sz="2200"/>
+          </a:p>
+          <a:p>
+            <a:r>
+              <a:rPr lang="en-US" sz="2200"/>
+              <a:t>It helps you build, package and deploy the Spring application with minimal or absolutely no configurations.</a:t>
+            </a:r>
+            <a:endParaRPr lang="en-US" sz="2200"/>
           </a:p>
         </p:txBody>
       </p:sp>
+      <p:pic>
+        <p:nvPicPr>
+          <p:cNvPr id="6" name="Content Placeholder 5"/>
+          <p:cNvPicPr>
+            <a:picLocks noChangeAspect="1"/>
+          </p:cNvPicPr>
+          <p:nvPr>
+            <p:ph sz="half" idx="2"/>
+          </p:nvPr>
+        </p:nvPicPr>
+        <p:blipFill>
+          <a:blip r:embed="rId1"/>
+          <a:stretch>
+            <a:fillRect/>
+          </a:stretch>
+        </p:blipFill>
+        <p:spPr>
+          <a:xfrm>
+            <a:off x="949325" y="717550"/>
+            <a:ext cx="7008495" cy="3679825"/>
+          </a:xfrm>
+          <a:prstGeom prst="rect">
+            <a:avLst/>
+          </a:prstGeom>
+        </p:spPr>
+      </p:pic>
     </p:spTree>
   </p:cSld>
   <p:clrMapOvr>
@@ -4864,38 +6487,334 @@
           <a:p>
             <a:r>
               <a:rPr lang="en-US"/>
-              <a:t>UserService.java - Part 1</a:t>
+              <a:t>RegistrationFormDto &amp; AddressProjection</a:t>
             </a:r>
             <a:endParaRPr lang="en-US"/>
           </a:p>
         </p:txBody>
       </p:sp>
-      <p:pic>
-        <p:nvPicPr>
-          <p:cNvPr id="7" name="Content Placeholder 6" descr="20-User Service 1"/>
-          <p:cNvPicPr>
-            <a:picLocks noChangeAspect="1"/>
-          </p:cNvPicPr>
+      <p:sp>
+        <p:nvSpPr>
+          <p:cNvPr id="5" name="Content Placeholder 4"/>
+          <p:cNvSpPr>
+            <a:spLocks noGrp="1"/>
+          </p:cNvSpPr>
           <p:nvPr>
             <p:ph sz="half" idx="1"/>
           </p:nvPr>
-        </p:nvPicPr>
-        <p:blipFill>
-          <a:blip r:embed="rId1"/>
-          <a:stretch>
-            <a:fillRect/>
-          </a:stretch>
-        </p:blipFill>
+        </p:nvSpPr>
         <p:spPr>
           <a:xfrm>
-            <a:off x="480695" y="856615"/>
-            <a:ext cx="8145145" cy="5788660"/>
+            <a:off x="175895" y="854710"/>
+            <a:ext cx="4491990" cy="5859145"/>
           </a:xfrm>
-          <a:prstGeom prst="rect">
-            <a:avLst/>
-          </a:prstGeom>
         </p:spPr>
-      </p:pic>
+        <p:txBody>
+          <a:bodyPr>
+            <a:normAutofit fontScale="60000"/>
+          </a:bodyPr>
+          <a:p>
+            <a:pPr marL="0" indent="0">
+              <a:buNone/>
+            </a:pPr>
+            <a:r>
+              <a:rPr lang="en-US"/>
+              <a:t>@Data</a:t>
+            </a:r>
+            <a:endParaRPr lang="en-US"/>
+          </a:p>
+          <a:p>
+            <a:pPr marL="0" indent="0">
+              <a:buNone/>
+            </a:pPr>
+            <a:r>
+              <a:rPr lang="en-US"/>
+              <a:t>public class RegistrationFormDto {</a:t>
+            </a:r>
+            <a:endParaRPr lang="en-US"/>
+          </a:p>
+          <a:p>
+            <a:pPr marL="0" indent="0">
+              <a:buNone/>
+            </a:pPr>
+            <a:r>
+              <a:rPr lang="en-US"/>
+              <a:t>	private String userName;</a:t>
+            </a:r>
+            <a:endParaRPr lang="en-US"/>
+          </a:p>
+          <a:p>
+            <a:pPr marL="0" indent="0">
+              <a:buNone/>
+            </a:pPr>
+            <a:r>
+              <a:rPr lang="en-US"/>
+              <a:t>	private String firstName;</a:t>
+            </a:r>
+            <a:endParaRPr lang="en-US"/>
+          </a:p>
+          <a:p>
+            <a:pPr marL="0" indent="0">
+              <a:buNone/>
+            </a:pPr>
+            <a:r>
+              <a:rPr lang="en-US"/>
+              <a:t>	private String lastName;</a:t>
+            </a:r>
+            <a:endParaRPr lang="en-US"/>
+          </a:p>
+          <a:p>
+            <a:pPr marL="0" indent="0">
+              <a:buNone/>
+            </a:pPr>
+            <a:r>
+              <a:rPr lang="en-US"/>
+              <a:t>	private String dateOfBirth;</a:t>
+            </a:r>
+            <a:endParaRPr lang="en-US"/>
+          </a:p>
+          <a:p>
+            <a:pPr marL="0" indent="0">
+              <a:buNone/>
+            </a:pPr>
+            <a:r>
+              <a:rPr lang="en-US"/>
+              <a:t>	private long addressId;</a:t>
+            </a:r>
+            <a:endParaRPr lang="en-US"/>
+          </a:p>
+          <a:p>
+            <a:pPr marL="0" indent="0">
+              <a:buNone/>
+            </a:pPr>
+            <a:r>
+              <a:rPr lang="en-US"/>
+              <a:t>	private String address1, address2, </a:t>
+            </a:r>
+            <a:endParaRPr lang="en-US"/>
+          </a:p>
+          <a:p>
+            <a:pPr marL="0" indent="0">
+              <a:buNone/>
+            </a:pPr>
+            <a:r>
+              <a:rPr lang="en-US"/>
+              <a:t>	private String area, city;</a:t>
+            </a:r>
+            <a:endParaRPr lang="en-US"/>
+          </a:p>
+          <a:p>
+            <a:pPr marL="0" indent="0">
+              <a:buNone/>
+            </a:pPr>
+            <a:r>
+              <a:rPr lang="en-US"/>
+              <a:t>	private String state, country;</a:t>
+            </a:r>
+            <a:endParaRPr lang="en-US"/>
+          </a:p>
+          <a:p>
+            <a:pPr marL="0" indent="0">
+              <a:buNone/>
+            </a:pPr>
+            <a:r>
+              <a:rPr lang="en-US"/>
+              <a:t>	private String contactNo;</a:t>
+            </a:r>
+            <a:endParaRPr lang="en-US"/>
+          </a:p>
+          <a:p>
+            <a:pPr marL="0" indent="0">
+              <a:buNone/>
+            </a:pPr>
+            <a:r>
+              <a:rPr lang="en-US"/>
+              <a:t>	private String email;</a:t>
+            </a:r>
+            <a:endParaRPr lang="en-US"/>
+          </a:p>
+          <a:p>
+            <a:pPr marL="0" indent="0">
+              <a:buNone/>
+            </a:pPr>
+            <a:r>
+              <a:rPr lang="en-US"/>
+              <a:t>	private boolean active;</a:t>
+            </a:r>
+            <a:endParaRPr lang="en-US"/>
+          </a:p>
+          <a:p>
+            <a:pPr marL="0" indent="0">
+              <a:buNone/>
+            </a:pPr>
+            <a:r>
+              <a:rPr lang="en-US"/>
+              <a:t>	private boolean primaryAddr;</a:t>
+            </a:r>
+            <a:endParaRPr lang="en-US"/>
+          </a:p>
+          <a:p>
+            <a:pPr marL="0" indent="0">
+              <a:buNone/>
+            </a:pPr>
+            <a:r>
+              <a:rPr lang="en-US"/>
+              <a:t>	private String roleCode;</a:t>
+            </a:r>
+            <a:endParaRPr lang="en-US"/>
+          </a:p>
+          <a:p>
+            <a:pPr marL="0" indent="0">
+              <a:buNone/>
+            </a:pPr>
+            <a:r>
+              <a:rPr lang="en-US"/>
+              <a:t>}</a:t>
+            </a:r>
+            <a:endParaRPr lang="en-US"/>
+          </a:p>
+        </p:txBody>
+      </p:sp>
+      <p:sp>
+        <p:nvSpPr>
+          <p:cNvPr id="8" name="Content Placeholder 7"/>
+          <p:cNvSpPr>
+            <a:spLocks noGrp="1"/>
+          </p:cNvSpPr>
+          <p:nvPr>
+            <p:ph sz="half" idx="2"/>
+          </p:nvPr>
+        </p:nvSpPr>
+        <p:spPr>
+          <a:xfrm>
+            <a:off x="4458335" y="854075"/>
+            <a:ext cx="4523105" cy="5860415"/>
+          </a:xfrm>
+        </p:spPr>
+        <p:txBody>
+          <a:bodyPr/>
+          <a:p>
+            <a:pPr marL="0" indent="0">
+              <a:buNone/>
+            </a:pPr>
+            <a:r>
+              <a:rPr lang="en-US" sz="1800"/>
+              <a:t>public interface AddressProjection {</a:t>
+            </a:r>
+            <a:endParaRPr lang="en-US" sz="1800"/>
+          </a:p>
+          <a:p>
+            <a:pPr marL="0" indent="0">
+              <a:buNone/>
+            </a:pPr>
+            <a:r>
+              <a:rPr lang="en-US" sz="1800"/>
+              <a:t>	public long getAddressId();</a:t>
+            </a:r>
+            <a:endParaRPr lang="en-US" sz="1800"/>
+          </a:p>
+          <a:p>
+            <a:pPr marL="0" indent="0">
+              <a:buNone/>
+            </a:pPr>
+            <a:r>
+              <a:rPr lang="en-US" sz="1800"/>
+              <a:t>	public String getUserFirstName();</a:t>
+            </a:r>
+            <a:endParaRPr lang="en-US" sz="1800"/>
+          </a:p>
+          <a:p>
+            <a:pPr marL="0" indent="0">
+              <a:buNone/>
+            </a:pPr>
+            <a:r>
+              <a:rPr lang="en-US" sz="1800"/>
+              <a:t>	public String getUserLastName();</a:t>
+            </a:r>
+            <a:endParaRPr lang="en-US" sz="1800"/>
+          </a:p>
+          <a:p>
+            <a:pPr marL="0" indent="0">
+              <a:buNone/>
+            </a:pPr>
+            <a:r>
+              <a:rPr lang="en-US" sz="1800"/>
+              <a:t>	public String getUserUserName();</a:t>
+            </a:r>
+            <a:endParaRPr lang="en-US" sz="1800"/>
+          </a:p>
+          <a:p>
+            <a:pPr marL="0" indent="0">
+              <a:buNone/>
+            </a:pPr>
+            <a:r>
+              <a:rPr lang="en-US" sz="1800"/>
+              <a:t>	public String getAddress1();</a:t>
+            </a:r>
+            <a:endParaRPr lang="en-US" sz="1800"/>
+          </a:p>
+          <a:p>
+            <a:pPr marL="0" indent="0">
+              <a:buNone/>
+            </a:pPr>
+            <a:r>
+              <a:rPr lang="en-US" sz="1800"/>
+              <a:t>	public String getCity();</a:t>
+            </a:r>
+            <a:endParaRPr lang="en-US" sz="1800"/>
+          </a:p>
+          <a:p>
+            <a:pPr marL="0" indent="0">
+              <a:buNone/>
+            </a:pPr>
+            <a:r>
+              <a:rPr lang="en-US" sz="1800"/>
+              <a:t>	public String getState();</a:t>
+            </a:r>
+            <a:endParaRPr lang="en-US" sz="1800"/>
+          </a:p>
+          <a:p>
+            <a:pPr marL="0" indent="0">
+              <a:buNone/>
+            </a:pPr>
+            <a:r>
+              <a:rPr lang="en-US" sz="1800"/>
+              <a:t>	public String getCountry();</a:t>
+            </a:r>
+            <a:endParaRPr lang="en-US" sz="1800"/>
+          </a:p>
+          <a:p>
+            <a:pPr marL="0" indent="0">
+              <a:buNone/>
+            </a:pPr>
+            <a:r>
+              <a:rPr lang="en-US" sz="1800"/>
+              <a:t>	public String getEmail();</a:t>
+            </a:r>
+            <a:endParaRPr lang="en-US" sz="1800"/>
+          </a:p>
+          <a:p>
+            <a:pPr marL="0" indent="0">
+              <a:buNone/>
+            </a:pPr>
+            <a:r>
+              <a:rPr lang="en-US" sz="1800"/>
+              <a:t>	public boolean getActive();</a:t>
+            </a:r>
+            <a:endParaRPr lang="en-US" sz="1800"/>
+          </a:p>
+          <a:p>
+            <a:pPr marL="0" indent="0">
+              <a:buNone/>
+            </a:pPr>
+            <a:r>
+              <a:rPr lang="en-US" sz="1800"/>
+              <a:t>}</a:t>
+            </a:r>
+            <a:endParaRPr lang="en-US" sz="1800"/>
+          </a:p>
+        </p:txBody>
+      </p:sp>
     </p:spTree>
   </p:cSld>
   <p:clrMapOvr>
@@ -4916,12 +6835,12 @@
       <p:grpSpPr/>
       <p:sp>
         <p:nvSpPr>
-          <p:cNvPr id="2" name="Title 1"/>
+          <p:cNvPr id="5" name="Title 4"/>
           <p:cNvSpPr>
             <a:spLocks noGrp="1"/>
           </p:cNvSpPr>
           <p:nvPr>
-            <p:ph type="title"/>
+            <p:ph type="ctrTitle"/>
           </p:nvPr>
         </p:nvSpPr>
         <p:spPr/>
@@ -4930,38 +6849,34 @@
           <a:p>
             <a:r>
               <a:rPr lang="en-US"/>
-              <a:t>UserService.java - Part 2</a:t>
+              <a:t>Exceptions</a:t>
             </a:r>
             <a:endParaRPr lang="en-US"/>
           </a:p>
         </p:txBody>
       </p:sp>
-      <p:pic>
-        <p:nvPicPr>
-          <p:cNvPr id="5" name="Content Placeholder 4" descr="21-User Service 2"/>
-          <p:cNvPicPr>
-            <a:picLocks noChangeAspect="1"/>
-          </p:cNvPicPr>
+      <p:sp>
+        <p:nvSpPr>
+          <p:cNvPr id="2" name="Subtitle 1"/>
+          <p:cNvSpPr>
+            <a:spLocks noGrp="1"/>
+          </p:cNvSpPr>
           <p:nvPr>
-            <p:ph sz="half" idx="1"/>
+            <p:ph type="subTitle" idx="1"/>
           </p:nvPr>
-        </p:nvPicPr>
-        <p:blipFill>
-          <a:blip r:embed="rId1"/>
-          <a:stretch>
-            <a:fillRect/>
-          </a:stretch>
-        </p:blipFill>
-        <p:spPr>
-          <a:xfrm>
-            <a:off x="553085" y="906145"/>
-            <a:ext cx="7909560" cy="5685155"/>
-          </a:xfrm>
-          <a:prstGeom prst="rect">
-            <a:avLst/>
-          </a:prstGeom>
-        </p:spPr>
-      </p:pic>
+        </p:nvSpPr>
+        <p:spPr/>
+        <p:txBody>
+          <a:bodyPr/>
+          <a:p>
+            <a:r>
+              <a:rPr lang="en-US"/>
+              <a:t>Custom Exception Handling Mechanism through RuntimeException extended classes</a:t>
+            </a:r>
+            <a:endParaRPr lang="en-US"/>
+          </a:p>
+        </p:txBody>
+      </p:sp>
     </p:spTree>
   </p:cSld>
   <p:clrMapOvr>
@@ -4982,12 +6897,12 @@
       <p:grpSpPr/>
       <p:sp>
         <p:nvSpPr>
-          <p:cNvPr id="5" name="Title 4"/>
+          <p:cNvPr id="2" name="Title 1"/>
           <p:cNvSpPr>
             <a:spLocks noGrp="1"/>
           </p:cNvSpPr>
           <p:nvPr>
-            <p:ph type="ctrTitle"/>
+            <p:ph type="title"/>
           </p:nvPr>
         </p:nvSpPr>
         <p:spPr/>
@@ -4996,7 +6911,7 @@
           <a:p>
             <a:r>
               <a:rPr lang="en-US"/>
-              <a:t>Rest Controller</a:t>
+              <a:t>Custom Exceptions</a:t>
             </a:r>
             <a:endParaRPr lang="en-US"/>
           </a:p>
@@ -5004,12 +6919,10 @@
       </p:sp>
       <p:sp>
         <p:nvSpPr>
-          <p:cNvPr id="2" name="Subtitle 1"/>
-          <p:cNvSpPr>
-            <a:spLocks noGrp="1"/>
-          </p:cNvSpPr>
+          <p:cNvPr id="3" name="Content Placeholder 2"/>
+          <p:cNvSpPr/>
           <p:nvPr>
-            <p:ph type="subTitle" idx="1"/>
+            <p:ph idx="1"/>
           </p:nvPr>
         </p:nvSpPr>
         <p:spPr/>
@@ -5018,8 +6931,84 @@
           <a:p>
             <a:r>
               <a:rPr lang="en-US"/>
-              <a:t>API Layer</a:t>
-            </a:r>
+              <a:t>We want to cover 3 scenarios where we would like to throw custom exceptions:</a:t>
+            </a:r>
+            <a:endParaRPr lang="en-US"/>
+          </a:p>
+          <a:p>
+            <a:pPr lvl="1"/>
+            <a:r>
+              <a:rPr lang="en-US"/>
+              <a:t>The entered User Role is not available in our Role table.</a:t>
+            </a:r>
+            <a:endParaRPr lang="en-US"/>
+          </a:p>
+          <a:p>
+            <a:pPr lvl="1"/>
+            <a:r>
+              <a:rPr lang="en-US"/>
+              <a:t>Username is already picked by another user, hence not available.</a:t>
+            </a:r>
+            <a:endParaRPr lang="en-US"/>
+          </a:p>
+          <a:p>
+            <a:pPr lvl="1"/>
+            <a:r>
+              <a:rPr lang="en-US"/>
+              <a:t>Date format of a given field is not as expected.</a:t>
+            </a:r>
+            <a:endParaRPr lang="en-US"/>
+          </a:p>
+          <a:p>
+            <a:pPr lvl="0"/>
+            <a:r>
+              <a:rPr lang="en-US"/>
+              <a:t>RuntimeException is the superclass of those exceptions that can be thrown during the normal operation of the Java Virtual Machine.</a:t>
+            </a:r>
+            <a:endParaRPr lang="en-US"/>
+          </a:p>
+          <a:p>
+            <a:pPr lvl="0"/>
+            <a:r>
+              <a:rPr lang="en-US"/>
+              <a:t>RuntimeException and its subclasses are unchecked exceptions which does not need to be declared in throws clause of a method or a constructor.</a:t>
+            </a:r>
+            <a:endParaRPr lang="en-US"/>
+          </a:p>
+          <a:p>
+            <a:pPr lvl="0"/>
+            <a:r>
+              <a:rPr lang="en-US"/>
+              <a:t>We will create custom exception classes as follows, which will extend RuntimeException:</a:t>
+            </a:r>
+            <a:endParaRPr lang="en-US"/>
+          </a:p>
+          <a:p>
+            <a:pPr lvl="1"/>
+            <a:r>
+              <a:rPr lang="en-US"/>
+              <a:t>RoleNotFoundException.java</a:t>
+            </a:r>
+            <a:endParaRPr lang="en-US"/>
+          </a:p>
+          <a:p>
+            <a:pPr lvl="1"/>
+            <a:r>
+              <a:rPr lang="en-US"/>
+              <a:t>UserNameAlreadyInUseException.java</a:t>
+            </a:r>
+            <a:endParaRPr lang="en-US"/>
+          </a:p>
+          <a:p>
+            <a:pPr lvl="1"/>
+            <a:r>
+              <a:rPr lang="en-US"/>
+              <a:t>IncorrectDateFormatException.java</a:t>
+            </a:r>
+            <a:endParaRPr lang="en-US"/>
+          </a:p>
+          <a:p>
+            <a:pPr lvl="0"/>
             <a:endParaRPr lang="en-US"/>
           </a:p>
         </p:txBody>
@@ -5058,38 +7047,86 @@
           <a:p>
             <a:r>
               <a:rPr lang="en-US"/>
-              <a:t>UserController.java</a:t>
+              <a:t>Custom Exceptions - 2</a:t>
             </a:r>
             <a:endParaRPr lang="en-US"/>
           </a:p>
         </p:txBody>
       </p:sp>
-      <p:pic>
-        <p:nvPicPr>
-          <p:cNvPr id="4" name="Content Placeholder 3" descr="22-User Controller"/>
-          <p:cNvPicPr>
-            <a:picLocks noChangeAspect="1"/>
-          </p:cNvPicPr>
+      <p:sp>
+        <p:nvSpPr>
+          <p:cNvPr id="3" name="Content Placeholder 2"/>
+          <p:cNvSpPr/>
           <p:nvPr>
             <p:ph idx="1"/>
           </p:nvPr>
-        </p:nvPicPr>
-        <p:blipFill>
-          <a:blip r:embed="rId1"/>
-          <a:stretch>
-            <a:fillRect/>
-          </a:stretch>
-        </p:blipFill>
-        <p:spPr>
-          <a:xfrm>
-            <a:off x="282575" y="959485"/>
-            <a:ext cx="8529955" cy="5013325"/>
-          </a:xfrm>
-          <a:prstGeom prst="rect">
-            <a:avLst/>
-          </a:prstGeom>
-        </p:spPr>
-      </p:pic>
+        </p:nvSpPr>
+        <p:spPr/>
+        <p:txBody>
+          <a:bodyPr>
+            <a:normAutofit lnSpcReduction="10000"/>
+          </a:bodyPr>
+          <a:p>
+            <a:r>
+              <a:rPr lang="en-US"/>
+              <a:t>Custom Exceptions are mainly specific to business logic and workflow. We can use them as part of validation or to perform certain logic on their occurance.</a:t>
+            </a:r>
+            <a:endParaRPr lang="en-US"/>
+          </a:p>
+          <a:p>
+            <a:endParaRPr lang="en-US"/>
+          </a:p>
+          <a:p>
+            <a:r>
+              <a:rPr lang="en-US"/>
+              <a:t>These customs exceptions also helps end-user to understand the error in terms of meaningful business language, which is not the case with Java or Spring specific exceptions.</a:t>
+            </a:r>
+            <a:endParaRPr lang="en-US"/>
+          </a:p>
+          <a:p>
+            <a:endParaRPr lang="en-US"/>
+          </a:p>
+          <a:p>
+            <a:r>
+              <a:rPr lang="en-US"/>
+              <a:t>In order to create custom exception, we have to follow 4 steps:</a:t>
+            </a:r>
+            <a:endParaRPr lang="en-US"/>
+          </a:p>
+          <a:p>
+            <a:pPr lvl="1"/>
+            <a:r>
+              <a:rPr lang="en-US" sz="2400"/>
+              <a:t>Create an exception class and extend it with RuntimeException</a:t>
+            </a:r>
+            <a:endParaRPr lang="en-US" sz="2400"/>
+          </a:p>
+          <a:p>
+            <a:pPr lvl="1"/>
+            <a:r>
+              <a:rPr lang="en-US" sz="2400"/>
+              <a:t>Add business logic specific variables in the class like a particular ID or information, which we want to expect from the caller.</a:t>
+            </a:r>
+            <a:endParaRPr lang="en-US" sz="2400"/>
+          </a:p>
+          <a:p>
+            <a:pPr lvl="1"/>
+            <a:r>
+              <a:rPr lang="en-US" sz="2400"/>
+              <a:t>Override the getMessage() method and create a parameterized constructor for customization of error message.</a:t>
+            </a:r>
+            <a:endParaRPr lang="en-US" sz="2400"/>
+          </a:p>
+          <a:p>
+            <a:pPr lvl="1"/>
+            <a:r>
+              <a:rPr lang="en-US" sz="2400"/>
+              <a:t>Throw the Custom Exception from the Handler Class.</a:t>
+            </a:r>
+            <a:endParaRPr lang="en-US" sz="2400"/>
+          </a:p>
+        </p:txBody>
+      </p:sp>
     </p:spTree>
   </p:cSld>
   <p:clrMapOvr>
@@ -5099,6 +7136,1541 @@
 </file>
 
 <file path=ppt/slides/slide34.xml><?xml version="1.0" encoding="utf-8"?>
+<p:sld xmlns:a="http://schemas.openxmlformats.org/drawingml/2006/main" xmlns:r="http://schemas.openxmlformats.org/officeDocument/2006/relationships" xmlns:p="http://schemas.openxmlformats.org/presentationml/2006/main">
+  <p:cSld>
+    <p:spTree>
+      <p:nvGrpSpPr>
+        <p:cNvPr id="1" name=""/>
+        <p:cNvGrpSpPr/>
+        <p:nvPr/>
+      </p:nvGrpSpPr>
+      <p:grpSpPr/>
+      <p:sp>
+        <p:nvSpPr>
+          <p:cNvPr id="2" name="Title 1"/>
+          <p:cNvSpPr>
+            <a:spLocks noGrp="1"/>
+          </p:cNvSpPr>
+          <p:nvPr>
+            <p:ph type="title"/>
+          </p:nvPr>
+        </p:nvSpPr>
+        <p:spPr/>
+        <p:txBody>
+          <a:bodyPr/>
+          <a:p>
+            <a:r>
+              <a:rPr lang="en-US"/>
+              <a:t>RoleNotFoundException.java</a:t>
+            </a:r>
+            <a:endParaRPr lang="en-US"/>
+          </a:p>
+        </p:txBody>
+      </p:sp>
+      <p:sp>
+        <p:nvSpPr>
+          <p:cNvPr id="3" name="Content Placeholder 2"/>
+          <p:cNvSpPr/>
+          <p:nvPr>
+            <p:ph idx="1"/>
+          </p:nvPr>
+        </p:nvSpPr>
+        <p:spPr/>
+        <p:txBody>
+          <a:bodyPr>
+            <a:normAutofit fontScale="70000"/>
+          </a:bodyPr>
+          <a:p>
+            <a:pPr marL="0" indent="0">
+              <a:buNone/>
+            </a:pPr>
+            <a:r>
+              <a:rPr lang="en-US"/>
+              <a:t>public class RoleNotFoundException extends RuntimeException{</a:t>
+            </a:r>
+            <a:endParaRPr lang="en-US"/>
+          </a:p>
+          <a:p>
+            <a:pPr marL="0" indent="0">
+              <a:buNone/>
+            </a:pPr>
+            <a:r>
+              <a:rPr lang="en-US"/>
+              <a:t>	private String roleCode;</a:t>
+            </a:r>
+            <a:endParaRPr lang="en-US"/>
+          </a:p>
+          <a:p>
+            <a:pPr marL="0" indent="0">
+              <a:buNone/>
+            </a:pPr>
+            <a:r>
+              <a:rPr lang="en-US"/>
+              <a:t>	public RoleNotFoundException(String roleCode) {</a:t>
+            </a:r>
+            <a:endParaRPr lang="en-US"/>
+          </a:p>
+          <a:p>
+            <a:pPr marL="0" indent="0">
+              <a:buNone/>
+            </a:pPr>
+            <a:r>
+              <a:rPr lang="en-US"/>
+              <a:t>		this.roleCode = roleCode;</a:t>
+            </a:r>
+            <a:endParaRPr lang="en-US"/>
+          </a:p>
+          <a:p>
+            <a:pPr marL="0" indent="0">
+              <a:buNone/>
+            </a:pPr>
+            <a:r>
+              <a:rPr lang="en-US"/>
+              <a:t>	}</a:t>
+            </a:r>
+            <a:endParaRPr lang="en-US"/>
+          </a:p>
+          <a:p>
+            <a:pPr marL="0" indent="0">
+              <a:buNone/>
+            </a:pPr>
+            <a:r>
+              <a:rPr lang="en-US"/>
+              <a:t>	@Override</a:t>
+            </a:r>
+            <a:endParaRPr lang="en-US"/>
+          </a:p>
+          <a:p>
+            <a:pPr marL="0" indent="0">
+              <a:buNone/>
+            </a:pPr>
+            <a:r>
+              <a:rPr lang="en-US"/>
+              <a:t>	public String getMessage() {</a:t>
+            </a:r>
+            <a:endParaRPr lang="en-US"/>
+          </a:p>
+          <a:p>
+            <a:pPr marL="0" indent="0">
+              <a:buNone/>
+            </a:pPr>
+            <a:r>
+              <a:rPr lang="en-US"/>
+              <a:t>		StringBuilder sb = new StringBuilder();</a:t>
+            </a:r>
+            <a:endParaRPr lang="en-US"/>
+          </a:p>
+          <a:p>
+            <a:pPr marL="0" indent="0">
+              <a:buNone/>
+            </a:pPr>
+            <a:r>
+              <a:rPr lang="en-US"/>
+              <a:t>		sb.append("Role Code: '");</a:t>
+            </a:r>
+            <a:endParaRPr lang="en-US"/>
+          </a:p>
+          <a:p>
+            <a:pPr marL="0" indent="0">
+              <a:buNone/>
+            </a:pPr>
+            <a:r>
+              <a:rPr lang="en-US"/>
+              <a:t>		sb.append(this.roleCode);</a:t>
+            </a:r>
+            <a:endParaRPr lang="en-US"/>
+          </a:p>
+          <a:p>
+            <a:pPr marL="0" indent="0">
+              <a:buNone/>
+            </a:pPr>
+            <a:r>
+              <a:rPr lang="en-US"/>
+              <a:t>		sb.append("' ");</a:t>
+            </a:r>
+            <a:endParaRPr lang="en-US"/>
+          </a:p>
+          <a:p>
+            <a:pPr marL="0" indent="0">
+              <a:buNone/>
+            </a:pPr>
+            <a:r>
+              <a:rPr lang="en-US"/>
+              <a:t>		sb.append("not an acceptable value. ");</a:t>
+            </a:r>
+            <a:endParaRPr lang="en-US"/>
+          </a:p>
+          <a:p>
+            <a:pPr marL="0" indent="0">
+              <a:buNone/>
+            </a:pPr>
+            <a:r>
+              <a:rPr lang="en-US"/>
+              <a:t>		sb.append("Acceptable values are: 'Admin', 'User' and 'Moderator'");</a:t>
+            </a:r>
+            <a:endParaRPr lang="en-US"/>
+          </a:p>
+          <a:p>
+            <a:pPr marL="0" indent="0">
+              <a:buNone/>
+            </a:pPr>
+            <a:r>
+              <a:rPr lang="en-US"/>
+              <a:t>		return sb.toString();</a:t>
+            </a:r>
+            <a:endParaRPr lang="en-US"/>
+          </a:p>
+          <a:p>
+            <a:pPr marL="0" indent="0">
+              <a:buNone/>
+            </a:pPr>
+            <a:r>
+              <a:rPr lang="en-US"/>
+              <a:t>	}</a:t>
+            </a:r>
+            <a:endParaRPr lang="en-US"/>
+          </a:p>
+          <a:p>
+            <a:pPr marL="0" indent="0">
+              <a:buNone/>
+            </a:pPr>
+            <a:r>
+              <a:rPr lang="en-US"/>
+              <a:t>}</a:t>
+            </a:r>
+            <a:endParaRPr lang="en-US"/>
+          </a:p>
+        </p:txBody>
+      </p:sp>
+    </p:spTree>
+  </p:cSld>
+  <p:clrMapOvr>
+    <a:masterClrMapping/>
+  </p:clrMapOvr>
+</p:sld>
+</file>
+
+<file path=ppt/slides/slide35.xml><?xml version="1.0" encoding="utf-8"?>
+<p:sld xmlns:a="http://schemas.openxmlformats.org/drawingml/2006/main" xmlns:r="http://schemas.openxmlformats.org/officeDocument/2006/relationships" xmlns:p="http://schemas.openxmlformats.org/presentationml/2006/main">
+  <p:cSld>
+    <p:spTree>
+      <p:nvGrpSpPr>
+        <p:cNvPr id="1" name=""/>
+        <p:cNvGrpSpPr/>
+        <p:nvPr/>
+      </p:nvGrpSpPr>
+      <p:grpSpPr/>
+      <p:sp>
+        <p:nvSpPr>
+          <p:cNvPr id="5" name="Title 4"/>
+          <p:cNvSpPr>
+            <a:spLocks noGrp="1"/>
+          </p:cNvSpPr>
+          <p:nvPr>
+            <p:ph type="ctrTitle"/>
+          </p:nvPr>
+        </p:nvSpPr>
+        <p:spPr/>
+        <p:txBody>
+          <a:bodyPr/>
+          <a:p>
+            <a:r>
+              <a:rPr lang="en-US"/>
+              <a:t>Repositories</a:t>
+            </a:r>
+            <a:endParaRPr lang="en-US"/>
+          </a:p>
+        </p:txBody>
+      </p:sp>
+      <p:sp>
+        <p:nvSpPr>
+          <p:cNvPr id="2" name="Subtitle 1"/>
+          <p:cNvSpPr>
+            <a:spLocks noGrp="1"/>
+          </p:cNvSpPr>
+          <p:nvPr>
+            <p:ph type="subTitle" idx="1"/>
+          </p:nvPr>
+        </p:nvSpPr>
+        <p:spPr/>
+        <p:txBody>
+          <a:bodyPr/>
+          <a:p>
+            <a:r>
+              <a:rPr lang="en-US"/>
+              <a:t>Persistence Layer</a:t>
+            </a:r>
+            <a:endParaRPr lang="en-US"/>
+          </a:p>
+        </p:txBody>
+      </p:sp>
+    </p:spTree>
+  </p:cSld>
+  <p:clrMapOvr>
+    <a:masterClrMapping/>
+  </p:clrMapOvr>
+</p:sld>
+</file>
+
+<file path=ppt/slides/slide36.xml><?xml version="1.0" encoding="utf-8"?>
+<p:sld xmlns:a="http://schemas.openxmlformats.org/drawingml/2006/main" xmlns:r="http://schemas.openxmlformats.org/officeDocument/2006/relationships" xmlns:p="http://schemas.openxmlformats.org/presentationml/2006/main">
+  <p:cSld>
+    <p:spTree>
+      <p:nvGrpSpPr>
+        <p:cNvPr id="1" name=""/>
+        <p:cNvGrpSpPr/>
+        <p:nvPr/>
+      </p:nvGrpSpPr>
+      <p:grpSpPr/>
+      <p:sp>
+        <p:nvSpPr>
+          <p:cNvPr id="2" name="Title 1"/>
+          <p:cNvSpPr>
+            <a:spLocks noGrp="1"/>
+          </p:cNvSpPr>
+          <p:nvPr>
+            <p:ph type="title"/>
+          </p:nvPr>
+        </p:nvSpPr>
+        <p:spPr/>
+        <p:txBody>
+          <a:bodyPr/>
+          <a:p>
+            <a:r>
+              <a:rPr lang="en-US"/>
+              <a:t>Repositories</a:t>
+            </a:r>
+            <a:endParaRPr lang="en-US"/>
+          </a:p>
+        </p:txBody>
+      </p:sp>
+      <p:sp>
+        <p:nvSpPr>
+          <p:cNvPr id="8" name="Content Placeholder 7"/>
+          <p:cNvSpPr>
+            <a:spLocks noGrp="1"/>
+          </p:cNvSpPr>
+          <p:nvPr>
+            <p:ph idx="1"/>
+          </p:nvPr>
+        </p:nvSpPr>
+        <p:spPr/>
+        <p:txBody>
+          <a:bodyPr/>
+          <a:p>
+            <a:pPr>
+              <a:buFont typeface="Wingdings" panose="05000000000000000000" charset="0"/>
+              <a:buChar char="Ø"/>
+            </a:pPr>
+            <a:r>
+              <a:rPr lang="en-US"/>
+              <a:t>Repository is the layer in Web Applications which takes care of talking with Database in order to either retrieve data, or write back the date.</a:t>
+            </a:r>
+            <a:endParaRPr lang="en-US"/>
+          </a:p>
+          <a:p>
+            <a:pPr>
+              <a:buFont typeface="Wingdings" panose="05000000000000000000" charset="0"/>
+              <a:buChar char="Ø"/>
+            </a:pPr>
+            <a:r>
+              <a:rPr lang="en-US"/>
+              <a:t>We can create Repositories in Spring Boot by extending our Custom Interface with JPA interfaces called </a:t>
+            </a:r>
+            <a:r>
+              <a:rPr lang="en-US" b="1"/>
+              <a:t>JpaRepository</a:t>
+            </a:r>
+            <a:r>
+              <a:rPr lang="en-US"/>
+              <a:t> or </a:t>
+            </a:r>
+            <a:r>
+              <a:rPr lang="en-US" b="1"/>
+              <a:t>CrudRepository</a:t>
+            </a:r>
+            <a:r>
+              <a:rPr lang="en-US"/>
+              <a:t>.</a:t>
+            </a:r>
+            <a:endParaRPr lang="en-US"/>
+          </a:p>
+          <a:p>
+            <a:pPr>
+              <a:buFont typeface="Wingdings" panose="05000000000000000000" charset="0"/>
+              <a:buChar char="Ø"/>
+            </a:pPr>
+            <a:r>
+              <a:rPr lang="en-US"/>
+              <a:t>Our custom interfaces comes with out-of-the-box methods to perform CRUD operations, as well as we can create methods in them without defining them. This can be done by following JPA nomenclature to define repository methods.</a:t>
+            </a:r>
+            <a:endParaRPr lang="en-US"/>
+          </a:p>
+          <a:p>
+            <a:pPr>
+              <a:buFont typeface="Wingdings" panose="05000000000000000000" charset="0"/>
+              <a:buChar char="Ø"/>
+            </a:pPr>
+            <a:r>
+              <a:rPr lang="en-US"/>
+              <a:t>If we want to write native SQL and custom implementation of Repository methods, we need to use Spring </a:t>
+            </a:r>
+            <a:r>
+              <a:rPr lang="en-US" b="1"/>
+              <a:t>@Repository</a:t>
+            </a:r>
+            <a:r>
+              <a:rPr lang="en-US"/>
+              <a:t> annotation which provides the mechanism for storage, retrieval, search, update and delete operation on objects.</a:t>
+            </a:r>
+            <a:endParaRPr lang="en-US"/>
+          </a:p>
+          <a:p>
+            <a:pPr>
+              <a:buFont typeface="Wingdings" panose="05000000000000000000" charset="0"/>
+              <a:buChar char="Ø"/>
+            </a:pPr>
+            <a:r>
+              <a:rPr lang="en-US"/>
+              <a:t>In our example, we will just focus on JpaRepository based interface.</a:t>
+            </a:r>
+            <a:endParaRPr lang="en-US"/>
+          </a:p>
+        </p:txBody>
+      </p:sp>
+    </p:spTree>
+  </p:cSld>
+  <p:clrMapOvr>
+    <a:masterClrMapping/>
+  </p:clrMapOvr>
+</p:sld>
+</file>
+
+<file path=ppt/slides/slide37.xml><?xml version="1.0" encoding="utf-8"?>
+<p:sld xmlns:a="http://schemas.openxmlformats.org/drawingml/2006/main" xmlns:r="http://schemas.openxmlformats.org/officeDocument/2006/relationships" xmlns:p="http://schemas.openxmlformats.org/presentationml/2006/main">
+  <p:cSld>
+    <p:spTree>
+      <p:nvGrpSpPr>
+        <p:cNvPr id="1" name=""/>
+        <p:cNvGrpSpPr/>
+        <p:nvPr/>
+      </p:nvGrpSpPr>
+      <p:grpSpPr/>
+      <p:sp>
+        <p:nvSpPr>
+          <p:cNvPr id="2" name="Title 1"/>
+          <p:cNvSpPr>
+            <a:spLocks noGrp="1"/>
+          </p:cNvSpPr>
+          <p:nvPr>
+            <p:ph type="title"/>
+          </p:nvPr>
+        </p:nvSpPr>
+        <p:spPr/>
+        <p:txBody>
+          <a:bodyPr/>
+          <a:p>
+            <a:r>
+              <a:rPr lang="en-US"/>
+              <a:t>UserRepository.java</a:t>
+            </a:r>
+            <a:endParaRPr lang="en-US"/>
+          </a:p>
+        </p:txBody>
+      </p:sp>
+      <p:sp>
+        <p:nvSpPr>
+          <p:cNvPr id="3" name="Content Placeholder 2"/>
+          <p:cNvSpPr>
+            <a:spLocks noGrp="1"/>
+          </p:cNvSpPr>
+          <p:nvPr>
+            <p:ph idx="1"/>
+          </p:nvPr>
+        </p:nvSpPr>
+        <p:spPr/>
+        <p:txBody>
+          <a:bodyPr/>
+          <a:p>
+            <a:pPr marL="0" indent="0">
+              <a:buNone/>
+            </a:pPr>
+            <a:r>
+              <a:rPr lang="en-US" sz="2000"/>
+              <a:t>public interface UserRepository extends JpaRepository&lt;User, String&gt;{	</a:t>
+            </a:r>
+            <a:endParaRPr lang="en-US" sz="2000"/>
+          </a:p>
+          <a:p>
+            <a:pPr marL="0" indent="0">
+              <a:buNone/>
+            </a:pPr>
+            <a:r>
+              <a:rPr lang="en-US" sz="2000"/>
+              <a:t>	&lt;T&gt;T findDtoedByUserName(String userName, Class&lt;T&gt; dto);</a:t>
+            </a:r>
+            <a:endParaRPr lang="en-US" sz="2000"/>
+          </a:p>
+          <a:p>
+            <a:pPr marL="0" indent="0">
+              <a:buNone/>
+            </a:pPr>
+            <a:r>
+              <a:rPr lang="en-US" sz="2000"/>
+              <a:t>	&lt;T&gt;T findAllDtoedByRoleRoleCode(String roleCode, Class&lt;T&gt; dto);</a:t>
+            </a:r>
+            <a:endParaRPr lang="en-US" sz="2000"/>
+          </a:p>
+          <a:p>
+            <a:pPr marL="0" indent="0">
+              <a:buNone/>
+            </a:pPr>
+            <a:r>
+              <a:rPr lang="en-US" sz="2000"/>
+              <a:t>}</a:t>
+            </a:r>
+            <a:endParaRPr lang="en-US" sz="2000"/>
+          </a:p>
+          <a:p>
+            <a:pPr marL="0" indent="0">
+              <a:buNone/>
+            </a:pPr>
+            <a:endParaRPr lang="en-US" sz="2000"/>
+          </a:p>
+          <a:p>
+            <a:pPr marL="0" indent="0">
+              <a:buNone/>
+            </a:pPr>
+            <a:endParaRPr lang="en-US" sz="2000"/>
+          </a:p>
+          <a:p>
+            <a:pPr marL="0" indent="0">
+              <a:buNone/>
+            </a:pPr>
+            <a:r>
+              <a:rPr lang="en-US" b="1"/>
+              <a:t>AddressRepository.java</a:t>
+            </a:r>
+            <a:endParaRPr lang="en-US" sz="2000"/>
+          </a:p>
+          <a:p>
+            <a:pPr marL="0" indent="0">
+              <a:buNone/>
+            </a:pPr>
+            <a:r>
+              <a:rPr lang="en-US" sz="1800"/>
+              <a:t>public interface AddressRepository extends JpaRepository&lt;Address, Long&gt;{</a:t>
+            </a:r>
+            <a:endParaRPr lang="en-US" sz="1800"/>
+          </a:p>
+          <a:p>
+            <a:pPr marL="0" indent="0">
+              <a:buNone/>
+            </a:pPr>
+            <a:r>
+              <a:rPr lang="en-US" sz="1800"/>
+              <a:t>	&lt;T&gt;List&lt;T&gt; findDtoedByUserUserName(String userName, Class&lt;T&gt; projection);</a:t>
+            </a:r>
+            <a:endParaRPr lang="en-US" sz="1800"/>
+          </a:p>
+          <a:p>
+            <a:pPr marL="0" indent="0">
+              <a:buNone/>
+            </a:pPr>
+            <a:r>
+              <a:rPr lang="en-US" sz="1800"/>
+              <a:t>	&lt;T&gt;List&lt;T&gt; findProjectedByUserUserName(String userName, Class&lt;T&gt; projection);</a:t>
+            </a:r>
+            <a:endParaRPr lang="en-US" sz="1800"/>
+          </a:p>
+          <a:p>
+            <a:pPr marL="0" indent="0">
+              <a:buNone/>
+            </a:pPr>
+            <a:r>
+              <a:rPr lang="en-US" sz="1800"/>
+              <a:t>}</a:t>
+            </a:r>
+            <a:endParaRPr lang="en-US" sz="1800"/>
+          </a:p>
+        </p:txBody>
+      </p:sp>
+    </p:spTree>
+  </p:cSld>
+  <p:clrMapOvr>
+    <a:masterClrMapping/>
+  </p:clrMapOvr>
+</p:sld>
+</file>
+
+<file path=ppt/slides/slide38.xml><?xml version="1.0" encoding="utf-8"?>
+<p:sld xmlns:a="http://schemas.openxmlformats.org/drawingml/2006/main" xmlns:r="http://schemas.openxmlformats.org/officeDocument/2006/relationships" xmlns:p="http://schemas.openxmlformats.org/presentationml/2006/main">
+  <p:cSld>
+    <p:spTree>
+      <p:nvGrpSpPr>
+        <p:cNvPr id="1" name=""/>
+        <p:cNvGrpSpPr/>
+        <p:nvPr/>
+      </p:nvGrpSpPr>
+      <p:grpSpPr/>
+      <p:sp>
+        <p:nvSpPr>
+          <p:cNvPr id="5" name="Title 4"/>
+          <p:cNvSpPr>
+            <a:spLocks noGrp="1"/>
+          </p:cNvSpPr>
+          <p:nvPr>
+            <p:ph type="ctrTitle"/>
+          </p:nvPr>
+        </p:nvSpPr>
+        <p:spPr/>
+        <p:txBody>
+          <a:bodyPr/>
+          <a:p>
+            <a:r>
+              <a:rPr lang="en-US"/>
+              <a:t>Service</a:t>
+            </a:r>
+            <a:endParaRPr lang="en-US"/>
+          </a:p>
+        </p:txBody>
+      </p:sp>
+      <p:sp>
+        <p:nvSpPr>
+          <p:cNvPr id="2" name="Subtitle 1"/>
+          <p:cNvSpPr>
+            <a:spLocks noGrp="1"/>
+          </p:cNvSpPr>
+          <p:nvPr>
+            <p:ph type="subTitle" idx="1"/>
+          </p:nvPr>
+        </p:nvSpPr>
+        <p:spPr/>
+        <p:txBody>
+          <a:bodyPr/>
+          <a:p>
+            <a:r>
+              <a:rPr lang="en-US"/>
+              <a:t>Business Logic Layer</a:t>
+            </a:r>
+            <a:endParaRPr lang="en-US"/>
+          </a:p>
+        </p:txBody>
+      </p:sp>
+    </p:spTree>
+  </p:cSld>
+  <p:clrMapOvr>
+    <a:masterClrMapping/>
+  </p:clrMapOvr>
+</p:sld>
+</file>
+
+<file path=ppt/slides/slide39.xml><?xml version="1.0" encoding="utf-8"?>
+<p:sld xmlns:a="http://schemas.openxmlformats.org/drawingml/2006/main" xmlns:r="http://schemas.openxmlformats.org/officeDocument/2006/relationships" xmlns:p="http://schemas.openxmlformats.org/presentationml/2006/main">
+  <p:cSld>
+    <p:spTree>
+      <p:nvGrpSpPr>
+        <p:cNvPr id="1" name=""/>
+        <p:cNvGrpSpPr/>
+        <p:nvPr/>
+      </p:nvGrpSpPr>
+      <p:grpSpPr/>
+      <p:sp>
+        <p:nvSpPr>
+          <p:cNvPr id="2" name="Title 1"/>
+          <p:cNvSpPr>
+            <a:spLocks noGrp="1"/>
+          </p:cNvSpPr>
+          <p:nvPr>
+            <p:ph type="title"/>
+          </p:nvPr>
+        </p:nvSpPr>
+        <p:spPr/>
+        <p:txBody>
+          <a:bodyPr/>
+          <a:p>
+            <a:r>
+              <a:rPr lang="en-US"/>
+              <a:t>Service Layer</a:t>
+            </a:r>
+            <a:endParaRPr lang="en-US"/>
+          </a:p>
+        </p:txBody>
+      </p:sp>
+      <p:sp>
+        <p:nvSpPr>
+          <p:cNvPr id="4" name="Content Placeholder 3"/>
+          <p:cNvSpPr>
+            <a:spLocks noGrp="1"/>
+          </p:cNvSpPr>
+          <p:nvPr>
+            <p:ph idx="1"/>
+          </p:nvPr>
+        </p:nvSpPr>
+        <p:spPr/>
+        <p:txBody>
+          <a:bodyPr/>
+          <a:p>
+            <a:pPr>
+              <a:buFont typeface="Arial" panose="020B0604020202020204" pitchFamily="34" charset="0"/>
+              <a:buChar char="•"/>
+            </a:pPr>
+            <a:r>
+              <a:rPr lang="en-US"/>
+              <a:t>This layer is the crux of our Spring Boot Application and it will the Service classes and service methods holding all the business logic related to our application.</a:t>
+            </a:r>
+            <a:endParaRPr lang="en-US"/>
+          </a:p>
+          <a:p>
+            <a:pPr>
+              <a:buFont typeface="Arial" panose="020B0604020202020204" pitchFamily="34" charset="0"/>
+              <a:buChar char="•"/>
+            </a:pPr>
+            <a:r>
+              <a:rPr lang="en-US"/>
+              <a:t>We use the stereotype annotation </a:t>
+            </a:r>
+            <a:r>
+              <a:rPr lang="en-US" b="1"/>
+              <a:t>@Service</a:t>
+            </a:r>
+            <a:r>
+              <a:rPr lang="en-US"/>
+              <a:t> to denote a class to be a service class.</a:t>
+            </a:r>
+            <a:endParaRPr lang="en-US"/>
+          </a:p>
+          <a:p>
+            <a:pPr>
+              <a:buFont typeface="Arial" panose="020B0604020202020204" pitchFamily="34" charset="0"/>
+              <a:buChar char="•"/>
+            </a:pPr>
+            <a:r>
+              <a:rPr lang="en-US"/>
+              <a:t>Service layer receives method call from Controller layer and processes the service request. A single service request ideally would correspond to a single functionality of real-world business requirement.</a:t>
+            </a:r>
+            <a:endParaRPr lang="en-US"/>
+          </a:p>
+          <a:p>
+            <a:pPr>
+              <a:buFont typeface="Arial" panose="020B0604020202020204" pitchFamily="34" charset="0"/>
+              <a:buChar char="•"/>
+            </a:pPr>
+            <a:r>
+              <a:rPr lang="en-US"/>
+              <a:t>A single service layer method may call one or more repository methods in order to perform a single function. Transaction management will be taken care by this layer using </a:t>
+            </a:r>
+            <a:r>
+              <a:rPr lang="en-US" b="1"/>
+              <a:t>@Transactional</a:t>
+            </a:r>
+            <a:r>
+              <a:rPr lang="en-US"/>
+              <a:t> annotation. </a:t>
+            </a:r>
+            <a:endParaRPr lang="en-US"/>
+          </a:p>
+          <a:p>
+            <a:pPr>
+              <a:buFont typeface="Arial" panose="020B0604020202020204" pitchFamily="34" charset="0"/>
+              <a:buChar char="•"/>
+            </a:pPr>
+            <a:r>
+              <a:rPr lang="en-US"/>
+              <a:t>We would ideally want to either commit or roll-back all the repository operations done in a single service method i.e. single functional method.</a:t>
+            </a:r>
+            <a:endParaRPr lang="en-US"/>
+          </a:p>
+        </p:txBody>
+      </p:sp>
+    </p:spTree>
+  </p:cSld>
+  <p:clrMapOvr>
+    <a:masterClrMapping/>
+  </p:clrMapOvr>
+</p:sld>
+</file>
+
+<file path=ppt/slides/slide4.xml><?xml version="1.0" encoding="utf-8"?>
+<p:sld xmlns:a="http://schemas.openxmlformats.org/drawingml/2006/main" xmlns:r="http://schemas.openxmlformats.org/officeDocument/2006/relationships" xmlns:p="http://schemas.openxmlformats.org/presentationml/2006/main">
+  <p:cSld>
+    <p:spTree>
+      <p:nvGrpSpPr>
+        <p:cNvPr id="1" name=""/>
+        <p:cNvGrpSpPr/>
+        <p:nvPr/>
+      </p:nvGrpSpPr>
+      <p:grpSpPr>
+        <a:xfrm>
+          <a:off x="0" y="0"/>
+          <a:ext cx="0" cy="0"/>
+          <a:chOff x="0" y="0"/>
+          <a:chExt cx="0" cy="0"/>
+        </a:xfrm>
+      </p:grpSpPr>
+      <p:sp>
+        <p:nvSpPr>
+          <p:cNvPr id="2" name="Title 1"/>
+          <p:cNvSpPr>
+            <a:spLocks noGrp="1"/>
+          </p:cNvSpPr>
+          <p:nvPr>
+            <p:ph type="title"/>
+          </p:nvPr>
+        </p:nvSpPr>
+        <p:spPr/>
+        <p:txBody>
+          <a:bodyPr/>
+          <a:lstStyle/>
+          <a:p>
+            <a:r>
+              <a:rPr altLang="en-SG" dirty="0"/>
+              <a:t>Features of</a:t>
+            </a:r>
+            <a:r>
+              <a:rPr lang="en-SG" dirty="0"/>
+              <a:t> Spring Boot</a:t>
+            </a:r>
+            <a:endParaRPr lang="en-SG" dirty="0"/>
+          </a:p>
+        </p:txBody>
+      </p:sp>
+      <p:sp>
+        <p:nvSpPr>
+          <p:cNvPr id="3" name="Content Placeholder 2"/>
+          <p:cNvSpPr>
+            <a:spLocks noGrp="1"/>
+          </p:cNvSpPr>
+          <p:nvPr>
+            <p:ph idx="1"/>
+          </p:nvPr>
+        </p:nvSpPr>
+        <p:spPr/>
+        <p:txBody>
+          <a:bodyPr/>
+          <a:lstStyle/>
+          <a:p>
+            <a:r>
+              <a:rPr lang="en-SG" dirty="0"/>
+              <a:t>Create stand-alone </a:t>
+            </a:r>
+            <a:r>
+              <a:rPr lang="en-US" altLang="en-SG" dirty="0"/>
+              <a:t>runnable jar</a:t>
+            </a:r>
+            <a:r>
+              <a:rPr lang="en-SG" dirty="0"/>
+              <a:t> applications</a:t>
+            </a:r>
+            <a:endParaRPr lang="en-SG" dirty="0"/>
+          </a:p>
+          <a:p>
+            <a:r>
+              <a:rPr lang="en-SG" dirty="0"/>
+              <a:t>Embed Tomcat, Jetty or Undertow directly (no need to deploy WAR files)</a:t>
+            </a:r>
+            <a:endParaRPr lang="en-US" altLang="en-SG" dirty="0"/>
+          </a:p>
+          <a:p>
+            <a:r>
+              <a:rPr lang="en-US" altLang="en-SG" dirty="0"/>
+              <a:t>Designed for containerization and micro-service architecture.</a:t>
+            </a:r>
+            <a:endParaRPr lang="en-SG" dirty="0"/>
+          </a:p>
+          <a:p>
+            <a:r>
+              <a:rPr lang="en-SG" dirty="0"/>
+              <a:t>Provide opinionated 'starter' dependencies to simplify your build configuration</a:t>
+            </a:r>
+            <a:endParaRPr lang="en-SG" dirty="0"/>
+          </a:p>
+          <a:p>
+            <a:r>
+              <a:rPr lang="en-US" altLang="en-SG" dirty="0"/>
+              <a:t>Minimal configuration via auto-configuration.</a:t>
+            </a:r>
+            <a:endParaRPr lang="en-SG" dirty="0"/>
+          </a:p>
+          <a:p>
+            <a:r>
+              <a:rPr lang="en-SG" dirty="0"/>
+              <a:t>Automatically configure Spring and 3rd party libraries whenever possible</a:t>
+            </a:r>
+            <a:endParaRPr lang="en-SG" dirty="0"/>
+          </a:p>
+          <a:p>
+            <a:r>
+              <a:rPr lang="en-SG" dirty="0"/>
+              <a:t>Provide production-ready features such as metrics, health checks and externalized configuration</a:t>
+            </a:r>
+            <a:endParaRPr lang="en-SG" dirty="0"/>
+          </a:p>
+          <a:p>
+            <a:r>
+              <a:rPr lang="en-SG" dirty="0"/>
+              <a:t>Absolutely no code generation and no requirement for XML configuration</a:t>
+            </a:r>
+            <a:endParaRPr lang="en-SG" dirty="0"/>
+          </a:p>
+          <a:p>
+            <a:pPr lvl="1"/>
+            <a:endParaRPr lang="en-SG" dirty="0"/>
+          </a:p>
+        </p:txBody>
+      </p:sp>
+    </p:spTree>
+  </p:cSld>
+  <p:clrMapOvr>
+    <a:masterClrMapping/>
+  </p:clrMapOvr>
+</p:sld>
+</file>
+
+<file path=ppt/slides/slide40.xml><?xml version="1.0" encoding="utf-8"?>
+<p:sld xmlns:a="http://schemas.openxmlformats.org/drawingml/2006/main" xmlns:r="http://schemas.openxmlformats.org/officeDocument/2006/relationships" xmlns:p="http://schemas.openxmlformats.org/presentationml/2006/main">
+  <p:cSld>
+    <p:spTree>
+      <p:nvGrpSpPr>
+        <p:cNvPr id="1" name=""/>
+        <p:cNvGrpSpPr/>
+        <p:nvPr/>
+      </p:nvGrpSpPr>
+      <p:grpSpPr/>
+      <p:sp>
+        <p:nvSpPr>
+          <p:cNvPr id="2" name="Title 1"/>
+          <p:cNvSpPr>
+            <a:spLocks noGrp="1"/>
+          </p:cNvSpPr>
+          <p:nvPr>
+            <p:ph type="title"/>
+          </p:nvPr>
+        </p:nvSpPr>
+        <p:spPr/>
+        <p:txBody>
+          <a:bodyPr/>
+          <a:p>
+            <a:r>
+              <a:rPr lang="en-US"/>
+              <a:t>UserService.java</a:t>
+            </a:r>
+            <a:endParaRPr lang="en-US"/>
+          </a:p>
+        </p:txBody>
+      </p:sp>
+      <p:sp>
+        <p:nvSpPr>
+          <p:cNvPr id="4" name="Content Placeholder 3"/>
+          <p:cNvSpPr>
+            <a:spLocks noGrp="1"/>
+          </p:cNvSpPr>
+          <p:nvPr>
+            <p:ph idx="1"/>
+          </p:nvPr>
+        </p:nvSpPr>
+        <p:spPr/>
+        <p:txBody>
+          <a:bodyPr>
+            <a:normAutofit fontScale="60000"/>
+          </a:bodyPr>
+          <a:p>
+            <a:pPr marL="0" indent="0">
+              <a:buNone/>
+            </a:pPr>
+            <a:r>
+              <a:rPr lang="en-US"/>
+              <a:t>@Service</a:t>
+            </a:r>
+            <a:endParaRPr lang="en-US"/>
+          </a:p>
+          <a:p>
+            <a:pPr marL="0" indent="0">
+              <a:buNone/>
+            </a:pPr>
+            <a:r>
+              <a:rPr lang="en-US"/>
+              <a:t>@Transactional(readOnly = true, rollbackFor = Exception.class)</a:t>
+            </a:r>
+            <a:endParaRPr lang="en-US"/>
+          </a:p>
+          <a:p>
+            <a:pPr marL="0" indent="0">
+              <a:buNone/>
+            </a:pPr>
+            <a:r>
+              <a:rPr lang="en-US"/>
+              <a:t>public class UserService {	</a:t>
+            </a:r>
+            <a:endParaRPr lang="en-US"/>
+          </a:p>
+          <a:p>
+            <a:pPr marL="0" indent="0">
+              <a:buNone/>
+            </a:pPr>
+            <a:r>
+              <a:rPr lang="en-US"/>
+              <a:t>	@Autowired</a:t>
+            </a:r>
+            <a:endParaRPr lang="en-US"/>
+          </a:p>
+          <a:p>
+            <a:pPr marL="0" indent="0">
+              <a:buNone/>
+            </a:pPr>
+            <a:r>
+              <a:rPr lang="en-US"/>
+              <a:t>	UserRepository userRepository;</a:t>
+            </a:r>
+            <a:endParaRPr lang="en-US"/>
+          </a:p>
+          <a:p>
+            <a:pPr marL="0" indent="0">
+              <a:buNone/>
+            </a:pPr>
+            <a:r>
+              <a:rPr lang="en-US"/>
+              <a:t>	@Autowired</a:t>
+            </a:r>
+            <a:endParaRPr lang="en-US"/>
+          </a:p>
+          <a:p>
+            <a:pPr marL="0" indent="0">
+              <a:buNone/>
+            </a:pPr>
+            <a:r>
+              <a:rPr lang="en-US"/>
+              <a:t>	RoleRepository roleRepository;</a:t>
+            </a:r>
+            <a:endParaRPr lang="en-US"/>
+          </a:p>
+          <a:p>
+            <a:pPr marL="0" indent="0">
+              <a:buNone/>
+            </a:pPr>
+            <a:r>
+              <a:rPr lang="en-US"/>
+              <a:t>	@Autowired</a:t>
+            </a:r>
+            <a:endParaRPr lang="en-US"/>
+          </a:p>
+          <a:p>
+            <a:pPr marL="0" indent="0">
+              <a:buNone/>
+            </a:pPr>
+            <a:r>
+              <a:rPr lang="en-US"/>
+              <a:t>	AddressRepository addressRepository;</a:t>
+            </a:r>
+            <a:endParaRPr lang="en-US"/>
+          </a:p>
+          <a:p>
+            <a:pPr marL="0" indent="0">
+              <a:buNone/>
+            </a:pPr>
+            <a:r>
+              <a:rPr lang="en-US"/>
+              <a:t>	private static final SimpleDateFormat sdf = new SimpleDateFormat(GlobalConstants.DD_MM_YYYY);</a:t>
+            </a:r>
+            <a:endParaRPr lang="en-US"/>
+          </a:p>
+          <a:p>
+            <a:pPr marL="0" indent="0">
+              <a:buNone/>
+            </a:pPr>
+            <a:r>
+              <a:rPr lang="en-US"/>
+              <a:t>	public User registerUser(RegistrationFormDto registrationFormDto) throws RoleNotFoundException{</a:t>
+            </a:r>
+            <a:endParaRPr lang="en-US"/>
+          </a:p>
+          <a:p>
+            <a:pPr marL="0" indent="0">
+              <a:buNone/>
+            </a:pPr>
+            <a:endParaRPr lang="en-US"/>
+          </a:p>
+          <a:p>
+            <a:pPr marL="0" indent="0">
+              <a:buNone/>
+            </a:pPr>
+            <a:r>
+              <a:rPr lang="en-US"/>
+              <a:t>	//</a:t>
+            </a:r>
+            <a:endParaRPr lang="en-US"/>
+          </a:p>
+          <a:p>
+            <a:pPr marL="0" indent="0">
+              <a:buNone/>
+            </a:pPr>
+            <a:r>
+              <a:rPr lang="en-US"/>
+              <a:t>	//	Business Logic code goes here</a:t>
+            </a:r>
+            <a:endParaRPr lang="en-US"/>
+          </a:p>
+          <a:p>
+            <a:pPr marL="0" indent="0">
+              <a:buNone/>
+            </a:pPr>
+            <a:r>
+              <a:rPr lang="en-US"/>
+              <a:t>	//</a:t>
+            </a:r>
+            <a:endParaRPr lang="en-US"/>
+          </a:p>
+          <a:p>
+            <a:pPr marL="0" indent="0">
+              <a:buNone/>
+            </a:pPr>
+            <a:endParaRPr lang="en-US"/>
+          </a:p>
+          <a:p>
+            <a:pPr marL="0" indent="0">
+              <a:buNone/>
+            </a:pPr>
+            <a:r>
+              <a:rPr lang="en-US"/>
+              <a:t>}</a:t>
+            </a:r>
+            <a:endParaRPr lang="en-US"/>
+          </a:p>
+        </p:txBody>
+      </p:sp>
+    </p:spTree>
+  </p:cSld>
+  <p:clrMapOvr>
+    <a:masterClrMapping/>
+  </p:clrMapOvr>
+</p:sld>
+</file>
+
+<file path=ppt/slides/slide41.xml><?xml version="1.0" encoding="utf-8"?>
+<p:sld xmlns:a="http://schemas.openxmlformats.org/drawingml/2006/main" xmlns:r="http://schemas.openxmlformats.org/officeDocument/2006/relationships" xmlns:p="http://schemas.openxmlformats.org/presentationml/2006/main">
+  <p:cSld>
+    <p:spTree>
+      <p:nvGrpSpPr>
+        <p:cNvPr id="1" name=""/>
+        <p:cNvGrpSpPr/>
+        <p:nvPr/>
+      </p:nvGrpSpPr>
+      <p:grpSpPr/>
+      <p:sp>
+        <p:nvSpPr>
+          <p:cNvPr id="5" name="Title 4"/>
+          <p:cNvSpPr>
+            <a:spLocks noGrp="1"/>
+          </p:cNvSpPr>
+          <p:nvPr>
+            <p:ph type="ctrTitle"/>
+          </p:nvPr>
+        </p:nvSpPr>
+        <p:spPr/>
+        <p:txBody>
+          <a:bodyPr/>
+          <a:p>
+            <a:r>
+              <a:rPr lang="en-US"/>
+              <a:t>Rest Controller</a:t>
+            </a:r>
+            <a:endParaRPr lang="en-US"/>
+          </a:p>
+        </p:txBody>
+      </p:sp>
+      <p:sp>
+        <p:nvSpPr>
+          <p:cNvPr id="2" name="Subtitle 1"/>
+          <p:cNvSpPr>
+            <a:spLocks noGrp="1"/>
+          </p:cNvSpPr>
+          <p:nvPr>
+            <p:ph type="subTitle" idx="1"/>
+          </p:nvPr>
+        </p:nvSpPr>
+        <p:spPr/>
+        <p:txBody>
+          <a:bodyPr/>
+          <a:p>
+            <a:r>
+              <a:rPr lang="en-US"/>
+              <a:t>API Layer</a:t>
+            </a:r>
+            <a:endParaRPr lang="en-US"/>
+          </a:p>
+        </p:txBody>
+      </p:sp>
+    </p:spTree>
+  </p:cSld>
+  <p:clrMapOvr>
+    <a:masterClrMapping/>
+  </p:clrMapOvr>
+</p:sld>
+</file>
+
+<file path=ppt/slides/slide42.xml><?xml version="1.0" encoding="utf-8"?>
+<p:sld xmlns:a="http://schemas.openxmlformats.org/drawingml/2006/main" xmlns:r="http://schemas.openxmlformats.org/officeDocument/2006/relationships" xmlns:p="http://schemas.openxmlformats.org/presentationml/2006/main">
+  <p:cSld>
+    <p:spTree>
+      <p:nvGrpSpPr>
+        <p:cNvPr id="1" name=""/>
+        <p:cNvGrpSpPr/>
+        <p:nvPr/>
+      </p:nvGrpSpPr>
+      <p:grpSpPr/>
+      <p:sp>
+        <p:nvSpPr>
+          <p:cNvPr id="2" name="Title 1"/>
+          <p:cNvSpPr>
+            <a:spLocks noGrp="1"/>
+          </p:cNvSpPr>
+          <p:nvPr>
+            <p:ph type="title"/>
+          </p:nvPr>
+        </p:nvSpPr>
+        <p:spPr/>
+        <p:txBody>
+          <a:bodyPr/>
+          <a:p>
+            <a:r>
+              <a:rPr lang="en-US"/>
+              <a:t>Rest Controller</a:t>
+            </a:r>
+            <a:endParaRPr lang="en-US"/>
+          </a:p>
+        </p:txBody>
+      </p:sp>
+      <p:sp>
+        <p:nvSpPr>
+          <p:cNvPr id="3" name="Content Placeholder 2"/>
+          <p:cNvSpPr>
+            <a:spLocks noGrp="1"/>
+          </p:cNvSpPr>
+          <p:nvPr>
+            <p:ph idx="1"/>
+          </p:nvPr>
+        </p:nvSpPr>
+        <p:spPr/>
+        <p:txBody>
+          <a:bodyPr>
+            <a:noAutofit/>
+          </a:bodyPr>
+          <a:p>
+            <a:r>
+              <a:rPr lang="en-US" sz="2500" b="1"/>
+              <a:t>@Controller</a:t>
+            </a:r>
+            <a:r>
+              <a:rPr lang="en-US" sz="2500"/>
+              <a:t> annotation indicates that the annotated class is a controller. It is a stereotype annotation which is a specialization of </a:t>
+            </a:r>
+            <a:r>
+              <a:rPr lang="en-US" sz="2500" b="1"/>
+              <a:t>@Component</a:t>
+            </a:r>
+            <a:r>
+              <a:rPr lang="en-US" sz="2500"/>
+              <a:t> and is autodetected through classpath scanning.</a:t>
+            </a:r>
+            <a:endParaRPr lang="en-US" sz="2500"/>
+          </a:p>
+          <a:p>
+            <a:r>
+              <a:rPr lang="en-US" sz="2500"/>
+              <a:t>It is typically used in combination with annotated handler methods based on the </a:t>
+            </a:r>
+            <a:r>
+              <a:rPr lang="en-US" sz="2500" b="1"/>
+              <a:t>@RequestMapping</a:t>
+            </a:r>
+            <a:r>
+              <a:rPr lang="en-US" sz="2500"/>
+              <a:t> annotation. </a:t>
+            </a:r>
+            <a:endParaRPr lang="en-US" sz="2500"/>
+          </a:p>
+          <a:p>
+            <a:r>
+              <a:rPr lang="en-US" sz="2500" b="1"/>
+              <a:t>@RestController</a:t>
+            </a:r>
+            <a:r>
+              <a:rPr lang="en-US" sz="2500"/>
+              <a:t> is a sibling convenience annotation for creating Restful controllers.</a:t>
+            </a:r>
+            <a:endParaRPr lang="en-US" sz="2500"/>
+          </a:p>
+          <a:p>
+            <a:r>
+              <a:rPr lang="en-US" sz="2500"/>
+              <a:t>Combination of </a:t>
+            </a:r>
+            <a:r>
+              <a:rPr lang="en-US" sz="2500" b="1"/>
+              <a:t>@Controller</a:t>
+            </a:r>
+            <a:r>
+              <a:rPr lang="en-US" sz="2500"/>
+              <a:t> and </a:t>
+            </a:r>
+            <a:r>
+              <a:rPr lang="en-US" sz="2500" b="1"/>
+              <a:t>ResponseBody</a:t>
+            </a:r>
+            <a:r>
+              <a:rPr lang="en-US" sz="2500"/>
+              <a:t> is equivalent to using the annotation </a:t>
+            </a:r>
+            <a:r>
+              <a:rPr lang="en-US" sz="2500" b="1"/>
+              <a:t>@RestController</a:t>
+            </a:r>
+            <a:r>
+              <a:rPr lang="en-US" sz="2500"/>
+              <a:t>.</a:t>
+            </a:r>
+            <a:endParaRPr lang="en-US" sz="2500"/>
+          </a:p>
+          <a:p>
+            <a:r>
+              <a:rPr lang="en-US" sz="2500"/>
+              <a:t>When interacting with our web application, we will make HttpRequest which will eventually be landed on various Rest Controllers and method end-points inside them created by us.</a:t>
+            </a:r>
+            <a:endParaRPr lang="en-US" sz="2500"/>
+          </a:p>
+          <a:p>
+            <a:r>
+              <a:rPr lang="en-US" sz="2500"/>
+              <a:t>Our HttpRequests will be in Json format as part of REST Protocal and so will be HttpResponses.</a:t>
+            </a:r>
+            <a:endParaRPr lang="en-US" sz="2500"/>
+          </a:p>
+        </p:txBody>
+      </p:sp>
+    </p:spTree>
+  </p:cSld>
+  <p:clrMapOvr>
+    <a:masterClrMapping/>
+  </p:clrMapOvr>
+</p:sld>
+</file>
+
+<file path=ppt/slides/slide43.xml><?xml version="1.0" encoding="utf-8"?>
+<p:sld xmlns:a="http://schemas.openxmlformats.org/drawingml/2006/main" xmlns:r="http://schemas.openxmlformats.org/officeDocument/2006/relationships" xmlns:p="http://schemas.openxmlformats.org/presentationml/2006/main">
+  <p:cSld>
+    <p:spTree>
+      <p:nvGrpSpPr>
+        <p:cNvPr id="1" name=""/>
+        <p:cNvGrpSpPr/>
+        <p:nvPr/>
+      </p:nvGrpSpPr>
+      <p:grpSpPr/>
+      <p:sp>
+        <p:nvSpPr>
+          <p:cNvPr id="2" name="Title 1"/>
+          <p:cNvSpPr>
+            <a:spLocks noGrp="1"/>
+          </p:cNvSpPr>
+          <p:nvPr>
+            <p:ph type="title"/>
+          </p:nvPr>
+        </p:nvSpPr>
+        <p:spPr/>
+        <p:txBody>
+          <a:bodyPr/>
+          <a:p>
+            <a:r>
+              <a:rPr lang="en-US"/>
+              <a:t>UserController.java</a:t>
+            </a:r>
+            <a:endParaRPr lang="en-US"/>
+          </a:p>
+        </p:txBody>
+      </p:sp>
+      <p:sp>
+        <p:nvSpPr>
+          <p:cNvPr id="3" name="Content Placeholder 2"/>
+          <p:cNvSpPr/>
+          <p:nvPr>
+            <p:ph idx="1"/>
+          </p:nvPr>
+        </p:nvSpPr>
+        <p:spPr/>
+        <p:txBody>
+          <a:bodyPr>
+            <a:normAutofit fontScale="70000"/>
+          </a:bodyPr>
+          <a:p>
+            <a:pPr marL="0" indent="0">
+              <a:buNone/>
+            </a:pPr>
+            <a:r>
+              <a:rPr lang="en-US"/>
+              <a:t>@RestController</a:t>
+            </a:r>
+            <a:endParaRPr lang="en-US"/>
+          </a:p>
+          <a:p>
+            <a:pPr marL="0" indent="0">
+              <a:buNone/>
+            </a:pPr>
+            <a:r>
+              <a:rPr lang="en-US"/>
+              <a:t>@RequestMapping(value = "/user")</a:t>
+            </a:r>
+            <a:endParaRPr lang="en-US"/>
+          </a:p>
+          <a:p>
+            <a:pPr marL="0" indent="0">
+              <a:buNone/>
+            </a:pPr>
+            <a:r>
+              <a:rPr lang="en-US"/>
+              <a:t>public class UserController {</a:t>
+            </a:r>
+            <a:endParaRPr lang="en-US"/>
+          </a:p>
+          <a:p>
+            <a:pPr marL="0" indent="0">
+              <a:buNone/>
+            </a:pPr>
+            <a:r>
+              <a:rPr lang="en-US"/>
+              <a:t>	@Autowired</a:t>
+            </a:r>
+            <a:endParaRPr lang="en-US"/>
+          </a:p>
+          <a:p>
+            <a:pPr marL="0" indent="0">
+              <a:buNone/>
+            </a:pPr>
+            <a:r>
+              <a:rPr lang="en-US"/>
+              <a:t>	UserService registrationService;</a:t>
+            </a:r>
+            <a:endParaRPr lang="en-US"/>
+          </a:p>
+          <a:p>
+            <a:pPr marL="0" indent="0">
+              <a:buNone/>
+            </a:pPr>
+            <a:r>
+              <a:rPr lang="en-US"/>
+              <a:t>	@PostMapping("/save")</a:t>
+            </a:r>
+            <a:endParaRPr lang="en-US"/>
+          </a:p>
+          <a:p>
+            <a:pPr marL="0" indent="0">
+              <a:buNone/>
+            </a:pPr>
+            <a:r>
+              <a:rPr lang="en-US"/>
+              <a:t>	public String registerUser(@RequestBody RegistrationFormDto registrationFormDto) {</a:t>
+            </a:r>
+            <a:endParaRPr lang="en-US"/>
+          </a:p>
+          <a:p>
+            <a:pPr marL="0" indent="0">
+              <a:buNone/>
+            </a:pPr>
+            <a:r>
+              <a:rPr lang="en-US"/>
+              <a:t>		try{</a:t>
+            </a:r>
+            <a:endParaRPr lang="en-US"/>
+          </a:p>
+          <a:p>
+            <a:pPr marL="0" indent="0">
+              <a:buNone/>
+            </a:pPr>
+            <a:r>
+              <a:rPr lang="en-US"/>
+              <a:t>			User user = registrationService.registerUser(registrationFormDto);</a:t>
+            </a:r>
+            <a:endParaRPr lang="en-US"/>
+          </a:p>
+          <a:p>
+            <a:pPr marL="0" indent="0">
+              <a:buNone/>
+            </a:pPr>
+            <a:r>
+              <a:rPr lang="en-US"/>
+              <a:t>			return "User registered successfully with userName:</a:t>
+            </a:r>
+            <a:endParaRPr lang="en-US"/>
+          </a:p>
+          <a:p>
+            <a:pPr marL="0" indent="0">
+              <a:buNone/>
+            </a:pPr>
+            <a:r>
+              <a:rPr lang="en-US"/>
+              <a:t>			 "+user.getUserName();</a:t>
+            </a:r>
+            <a:endParaRPr lang="en-US"/>
+          </a:p>
+          <a:p>
+            <a:pPr marL="0" indent="0">
+              <a:buNone/>
+            </a:pPr>
+            <a:r>
+              <a:rPr lang="en-US"/>
+              <a:t>		}catch(Exception ex) {</a:t>
+            </a:r>
+            <a:endParaRPr lang="en-US"/>
+          </a:p>
+          <a:p>
+            <a:pPr marL="0" indent="0">
+              <a:buNone/>
+            </a:pPr>
+            <a:r>
+              <a:rPr lang="en-US"/>
+              <a:t>			return ex.getMessage();</a:t>
+            </a:r>
+            <a:endParaRPr lang="en-US"/>
+          </a:p>
+          <a:p>
+            <a:pPr marL="0" indent="0">
+              <a:buNone/>
+            </a:pPr>
+            <a:r>
+              <a:rPr lang="en-US"/>
+              <a:t>		}</a:t>
+            </a:r>
+            <a:endParaRPr lang="en-US"/>
+          </a:p>
+          <a:p>
+            <a:pPr marL="0" indent="0">
+              <a:buNone/>
+            </a:pPr>
+            <a:r>
+              <a:rPr lang="en-US"/>
+              <a:t>	}</a:t>
+            </a:r>
+            <a:endParaRPr lang="en-US"/>
+          </a:p>
+          <a:p>
+            <a:pPr marL="0" indent="0">
+              <a:buNone/>
+            </a:pPr>
+            <a:r>
+              <a:rPr lang="en-US"/>
+              <a:t>}</a:t>
+            </a:r>
+            <a:endParaRPr lang="en-US"/>
+          </a:p>
+        </p:txBody>
+      </p:sp>
+    </p:spTree>
+  </p:cSld>
+  <p:clrMapOvr>
+    <a:masterClrMapping/>
+  </p:clrMapOvr>
+</p:sld>
+</file>
+
+<file path=ppt/slides/slide44.xml><?xml version="1.0" encoding="utf-8"?>
 <p:sld xmlns:a="http://schemas.openxmlformats.org/drawingml/2006/main" xmlns:r="http://schemas.openxmlformats.org/officeDocument/2006/relationships" xmlns:p="http://schemas.openxmlformats.org/presentationml/2006/main">
   <p:cSld>
     <p:spTree>
@@ -5221,7 +8793,7 @@
 </p:sld>
 </file>
 
-<file path=ppt/slides/slide4.xml><?xml version="1.0" encoding="utf-8"?>
+<file path=ppt/slides/slide5.xml><?xml version="1.0" encoding="utf-8"?>
 <p:sld xmlns:a="http://schemas.openxmlformats.org/drawingml/2006/main" xmlns:r="http://schemas.openxmlformats.org/officeDocument/2006/relationships" xmlns:p="http://schemas.openxmlformats.org/presentationml/2006/main">
   <p:cSld>
     <p:spTree>
@@ -6084,121 +9656,6 @@
 </p:sld>
 </file>
 
-<file path=ppt/slides/slide5.xml><?xml version="1.0" encoding="utf-8"?>
-<p:sld xmlns:a="http://schemas.openxmlformats.org/drawingml/2006/main" xmlns:r="http://schemas.openxmlformats.org/officeDocument/2006/relationships" xmlns:p="http://schemas.openxmlformats.org/presentationml/2006/main">
-  <p:cSld>
-    <p:spTree>
-      <p:nvGrpSpPr>
-        <p:cNvPr id="1" name=""/>
-        <p:cNvGrpSpPr/>
-        <p:nvPr/>
-      </p:nvGrpSpPr>
-      <p:grpSpPr>
-        <a:xfrm>
-          <a:off x="0" y="0"/>
-          <a:ext cx="0" cy="0"/>
-          <a:chOff x="0" y="0"/>
-          <a:chExt cx="0" cy="0"/>
-        </a:xfrm>
-      </p:grpSpPr>
-      <p:sp>
-        <p:nvSpPr>
-          <p:cNvPr id="2" name="Title 1"/>
-          <p:cNvSpPr>
-            <a:spLocks noGrp="1"/>
-          </p:cNvSpPr>
-          <p:nvPr>
-            <p:ph type="title"/>
-          </p:nvPr>
-        </p:nvSpPr>
-        <p:spPr/>
-        <p:txBody>
-          <a:bodyPr/>
-          <a:lstStyle/>
-          <a:p>
-            <a:r>
-              <a:rPr lang="en-SG" dirty="0"/>
-              <a:t>Installation Instruction</a:t>
-            </a:r>
-            <a:endParaRPr lang="en-SG" dirty="0"/>
-          </a:p>
-        </p:txBody>
-      </p:sp>
-      <p:sp>
-        <p:nvSpPr>
-          <p:cNvPr id="3" name="Content Placeholder 2"/>
-          <p:cNvSpPr>
-            <a:spLocks noGrp="1"/>
-          </p:cNvSpPr>
-          <p:nvPr>
-            <p:ph idx="1"/>
-          </p:nvPr>
-        </p:nvSpPr>
-        <p:spPr/>
-        <p:txBody>
-          <a:bodyPr/>
-          <a:lstStyle/>
-          <a:p>
-            <a:r>
-              <a:rPr lang="en-SG" dirty="0"/>
-              <a:t>You can use Spring Boot in the same way as any standard Java library. </a:t>
-            </a:r>
-            <a:endParaRPr lang="en-SG" dirty="0"/>
-          </a:p>
-          <a:p>
-            <a:r>
-              <a:rPr lang="en-SG" dirty="0"/>
-              <a:t>Include the appropriate spring-boot-*.jar files on your </a:t>
-            </a:r>
-            <a:r>
-              <a:rPr lang="en-SG" dirty="0" err="1"/>
-              <a:t>classpath</a:t>
-            </a:r>
-            <a:r>
-              <a:rPr lang="en-SG" dirty="0"/>
-              <a:t>. </a:t>
-            </a:r>
-            <a:endParaRPr lang="en-SG" dirty="0"/>
-          </a:p>
-          <a:p>
-            <a:r>
-              <a:rPr lang="en-SG" dirty="0"/>
-              <a:t>Spring Boot does not require any special tools integration, so you can use any IDE or text editor. </a:t>
-            </a:r>
-            <a:endParaRPr lang="en-SG" dirty="0"/>
-          </a:p>
-          <a:p>
-            <a:r>
-              <a:rPr lang="en-SG" dirty="0"/>
-              <a:t>You can run and debug a Spring Boot application as you would any other Java program.</a:t>
-            </a:r>
-            <a:endParaRPr lang="en-SG" dirty="0"/>
-          </a:p>
-          <a:p>
-            <a:r>
-              <a:rPr lang="en-SG" dirty="0"/>
-              <a:t>You could copy Spring Boot jars </a:t>
-            </a:r>
-            <a:endParaRPr lang="en-SG" dirty="0"/>
-          </a:p>
-          <a:p>
-            <a:pPr lvl="1"/>
-            <a:r>
-              <a:rPr lang="en-SG" dirty="0"/>
-              <a:t>Recommend that you use a build tool that supports dependency management (such as Maven or Gradle).</a:t>
-            </a:r>
-            <a:endParaRPr lang="en-SG" dirty="0"/>
-          </a:p>
-        </p:txBody>
-      </p:sp>
-    </p:spTree>
-  </p:cSld>
-  <p:clrMapOvr>
-    <a:masterClrMapping/>
-  </p:clrMapOvr>
-</p:sld>
-</file>
-
 <file path=ppt/slides/slide6.xml><?xml version="1.0" encoding="utf-8"?>
 <p:sld xmlns:a="http://schemas.openxmlformats.org/drawingml/2006/main" xmlns:r="http://schemas.openxmlformats.org/officeDocument/2006/relationships" xmlns:p="http://schemas.openxmlformats.org/presentationml/2006/main">
   <p:cSld>
@@ -6232,8 +9689,8 @@
           <a:lstStyle/>
           <a:p>
             <a:r>
-              <a:rPr lang="en-US" dirty="0"/>
-              <a:t>Notable Features</a:t>
+              <a:rPr lang="en-SG" dirty="0"/>
+              <a:t>Installation Instruction</a:t>
             </a:r>
             <a:endParaRPr lang="en-SG" dirty="0"/>
           </a:p>
@@ -6255,46 +9712,53 @@
           <a:lstStyle/>
           <a:p>
             <a:r>
-              <a:rPr lang="en-SG" b="1" dirty="0"/>
-              <a:t>Auto-configuration: </a:t>
-            </a:r>
-            <a:endParaRPr lang="en-SG" b="1" dirty="0"/>
+              <a:rPr lang="en-SG" dirty="0"/>
+              <a:t>You can use Spring Boot in the same way as any standard Java library. </a:t>
+            </a:r>
+            <a:endParaRPr lang="en-SG" dirty="0"/>
+          </a:p>
+          <a:p>
+            <a:r>
+              <a:rPr lang="en-SG" dirty="0"/>
+              <a:t>Include the appropriate spring-boot-*.jar files on your </a:t>
+            </a:r>
+            <a:r>
+              <a:rPr lang="en-SG" dirty="0" err="1"/>
+              <a:t>classpath</a:t>
+            </a:r>
+            <a:r>
+              <a:rPr lang="en-SG" dirty="0"/>
+              <a:t>. </a:t>
+            </a:r>
+            <a:endParaRPr lang="en-SG" dirty="0"/>
+          </a:p>
+          <a:p>
+            <a:r>
+              <a:rPr lang="en-SG" dirty="0"/>
+              <a:t>Spring Boot does not require any special tools integration, so you can use any IDE or text editor. </a:t>
+            </a:r>
+            <a:endParaRPr lang="en-SG" dirty="0"/>
+          </a:p>
+          <a:p>
+            <a:r>
+              <a:rPr lang="en-SG" dirty="0"/>
+              <a:t>You can run and debug a Spring Boot application as you would any other Java program.</a:t>
+            </a:r>
+            <a:endParaRPr lang="en-SG" dirty="0"/>
+          </a:p>
+          <a:p>
+            <a:r>
+              <a:rPr lang="en-SG" dirty="0"/>
+              <a:t>You could copy Spring Boot jars </a:t>
+            </a:r>
+            <a:endParaRPr lang="en-SG" dirty="0"/>
           </a:p>
           <a:p>
             <a:pPr lvl="1"/>
             <a:r>
               <a:rPr lang="en-SG" dirty="0"/>
-              <a:t>Sets up your application based on the surrounding environment, as well as hints what the developers provide.</a:t>
-            </a:r>
-            <a:endParaRPr lang="en-SG" dirty="0"/>
-          </a:p>
-          <a:p>
-            <a:r>
-              <a:rPr lang="en-SG" b="1" dirty="0"/>
-              <a:t>Standalone: </a:t>
-            </a:r>
-            <a:endParaRPr lang="en-SG" b="1" dirty="0"/>
-          </a:p>
-          <a:p>
-            <a:pPr lvl="1"/>
-            <a:r>
-              <a:rPr lang="en-SG" dirty="0"/>
-              <a:t>It's completely standalone. Hence, you don’t need to deploy your application to a web server or any special environment. Your only task is to click on the button or give out the run command, and it will start.</a:t>
-            </a:r>
-            <a:endParaRPr lang="en-SG" dirty="0"/>
-          </a:p>
-          <a:p>
-            <a:r>
-              <a:rPr lang="en-SG" b="1" dirty="0"/>
-              <a:t>Opinionated: </a:t>
-            </a:r>
-            <a:r>
-              <a:rPr lang="en-SG" dirty="0"/>
-              <a:t>This means that the framework chooses how to things for itself. This is the point where a lot of people says "wait a minute, I do not want to participate in it." Here I encourage you to wait for a second and hold your judgment for now, because, actually, it can be a good thing.</a:t>
-            </a:r>
-            <a:endParaRPr lang="en-SG" dirty="0"/>
-          </a:p>
-          <a:p>
+              <a:t>Recommend that you use a build tool that supports dependency management (such as Maven or Gradle).</a:t>
+            </a:r>
             <a:endParaRPr lang="en-SG" dirty="0"/>
           </a:p>
         </p:txBody>
@@ -6308,6 +9772,231 @@
 </file>
 
 <file path=ppt/slides/slide7.xml><?xml version="1.0" encoding="utf-8"?>
+<p:sld xmlns:a="http://schemas.openxmlformats.org/drawingml/2006/main" xmlns:r="http://schemas.openxmlformats.org/officeDocument/2006/relationships" xmlns:p="http://schemas.openxmlformats.org/presentationml/2006/main">
+  <p:cSld>
+    <p:spTree>
+      <p:nvGrpSpPr>
+        <p:cNvPr id="1" name=""/>
+        <p:cNvGrpSpPr/>
+        <p:nvPr/>
+      </p:nvGrpSpPr>
+      <p:grpSpPr>
+        <a:xfrm>
+          <a:off x="0" y="0"/>
+          <a:ext cx="0" cy="0"/>
+          <a:chOff x="0" y="0"/>
+          <a:chExt cx="0" cy="0"/>
+        </a:xfrm>
+      </p:grpSpPr>
+      <p:sp>
+        <p:nvSpPr>
+          <p:cNvPr id="2" name="Title 1"/>
+          <p:cNvSpPr>
+            <a:spLocks noGrp="1"/>
+          </p:cNvSpPr>
+          <p:nvPr>
+            <p:ph type="title"/>
+          </p:nvPr>
+        </p:nvSpPr>
+        <p:spPr/>
+        <p:txBody>
+          <a:bodyPr/>
+          <a:lstStyle/>
+          <a:p>
+            <a:r>
+              <a:rPr lang="en-US" dirty="0"/>
+              <a:t>Notable Highlights</a:t>
+            </a:r>
+            <a:endParaRPr lang="en-SG" dirty="0"/>
+          </a:p>
+        </p:txBody>
+      </p:sp>
+      <p:sp>
+        <p:nvSpPr>
+          <p:cNvPr id="3" name="Content Placeholder 2"/>
+          <p:cNvSpPr>
+            <a:spLocks noGrp="1"/>
+          </p:cNvSpPr>
+          <p:nvPr>
+            <p:ph idx="1"/>
+          </p:nvPr>
+        </p:nvSpPr>
+        <p:spPr/>
+        <p:txBody>
+          <a:bodyPr/>
+          <a:lstStyle/>
+          <a:p>
+            <a:r>
+              <a:rPr lang="en-US" altLang="en-SG" b="1" dirty="0"/>
+              <a:t>Quick Start: </a:t>
+            </a:r>
+            <a:endParaRPr lang="en-US" altLang="en-SG" b="1" dirty="0"/>
+          </a:p>
+          <a:p>
+            <a:pPr lvl="1"/>
+            <a:r>
+              <a:rPr lang="en-US" altLang="en-SG" dirty="0"/>
+              <a:t>Spring Boot makes it easy to create stand-alone, production-grade Spring based Applications that you can "just run".</a:t>
+            </a:r>
+            <a:endParaRPr lang="en-US" altLang="en-SG" b="1" dirty="0"/>
+          </a:p>
+          <a:p>
+            <a:r>
+              <a:rPr lang="en-SG" b="1" dirty="0"/>
+              <a:t>Auto-configuration: </a:t>
+            </a:r>
+            <a:endParaRPr lang="en-SG" b="1" dirty="0"/>
+          </a:p>
+          <a:p>
+            <a:pPr lvl="1"/>
+            <a:r>
+              <a:rPr lang="en-SG" dirty="0"/>
+              <a:t>Sets up your application based on the surrounding environment, as well as hints what the developers provide.</a:t>
+            </a:r>
+            <a:endParaRPr lang="en-SG" dirty="0"/>
+          </a:p>
+          <a:p>
+            <a:r>
+              <a:rPr lang="en-SG" b="1" dirty="0"/>
+              <a:t>Standalone: </a:t>
+            </a:r>
+            <a:endParaRPr lang="en-SG" b="1" dirty="0"/>
+          </a:p>
+          <a:p>
+            <a:pPr lvl="1"/>
+            <a:r>
+              <a:rPr lang="en-SG" dirty="0"/>
+              <a:t>It's completely standalone. Hence, you don’t need to deploy your application to a web server or any special environment. Your only task is to click on the button or give out the run command, and it will start.</a:t>
+            </a:r>
+            <a:endParaRPr lang="en-SG" dirty="0"/>
+          </a:p>
+          <a:p>
+            <a:r>
+              <a:rPr lang="en-SG" b="1" dirty="0"/>
+              <a:t>Opinionated: </a:t>
+            </a:r>
+            <a:endParaRPr lang="en-SG" b="1" dirty="0"/>
+          </a:p>
+          <a:p>
+            <a:pPr lvl="1"/>
+            <a:r>
+              <a:rPr lang="en-SG" dirty="0"/>
+              <a:t>This means that the framework chooses how to </a:t>
+            </a:r>
+            <a:r>
+              <a:rPr lang="en-US" altLang="en-SG" dirty="0"/>
+              <a:t>do </a:t>
+            </a:r>
+            <a:r>
+              <a:rPr lang="en-SG" dirty="0"/>
+              <a:t>things for itself. This is the point where a lot of people says "wait a minute, I do not want to participate in it." Here I encourage you to wait for a second and hold your judgment for now, because, actually, it can be a good thing.</a:t>
+            </a:r>
+            <a:endParaRPr lang="en-SG" dirty="0"/>
+          </a:p>
+        </p:txBody>
+      </p:sp>
+    </p:spTree>
+  </p:cSld>
+  <p:clrMapOvr>
+    <a:masterClrMapping/>
+  </p:clrMapOvr>
+</p:sld>
+</file>
+
+<file path=ppt/slides/slide8.xml><?xml version="1.0" encoding="utf-8"?>
+<p:sld xmlns:a="http://schemas.openxmlformats.org/drawingml/2006/main" xmlns:r="http://schemas.openxmlformats.org/officeDocument/2006/relationships" xmlns:p="http://schemas.openxmlformats.org/presentationml/2006/main">
+  <p:cSld>
+    <p:spTree>
+      <p:nvGrpSpPr>
+        <p:cNvPr id="1" name=""/>
+        <p:cNvGrpSpPr/>
+        <p:nvPr/>
+      </p:nvGrpSpPr>
+      <p:grpSpPr/>
+      <p:sp>
+        <p:nvSpPr>
+          <p:cNvPr id="2" name="Title 1"/>
+          <p:cNvSpPr>
+            <a:spLocks noGrp="1"/>
+          </p:cNvSpPr>
+          <p:nvPr>
+            <p:ph type="title"/>
+          </p:nvPr>
+        </p:nvSpPr>
+        <p:spPr/>
+        <p:txBody>
+          <a:bodyPr/>
+          <a:p>
+            <a:r>
+              <a:rPr lang="en-US"/>
+              <a:t>Auto-configuration</a:t>
+            </a:r>
+            <a:endParaRPr lang="en-US"/>
+          </a:p>
+        </p:txBody>
+      </p:sp>
+      <p:graphicFrame>
+        <p:nvGraphicFramePr>
+          <p:cNvPr id="4" name="Content Placeholder 3"/>
+          <p:cNvGraphicFramePr>
+            <a:graphicFrameLocks noChangeAspect="1"/>
+          </p:cNvGraphicFramePr>
+          <p:nvPr>
+            <p:ph idx="1"/>
+          </p:nvPr>
+        </p:nvGraphicFramePr>
+        <p:xfrm>
+          <a:off x="824230" y="1321435"/>
+          <a:ext cx="7673975" cy="4631055"/>
+        </p:xfrm>
+        <a:graphic>
+          <a:graphicData uri="http://schemas.openxmlformats.org/presentationml/2006/ole">
+            <mc:AlternateContent xmlns:mc="http://schemas.openxmlformats.org/markup-compatibility/2006">
+              <mc:Choice xmlns:v="urn:schemas-microsoft-com:vml" Requires="v">
+                <p:oleObj spid="_x0000_s5" name="" r:id="rId1" imgW="6629400" imgH="4000500" progId="Paint.Picture">
+                  <p:embed/>
+                </p:oleObj>
+              </mc:Choice>
+              <mc:Fallback>
+                <p:oleObj name="" r:id="rId1" imgW="6629400" imgH="4000500" progId="Paint.Picture">
+                  <p:embed/>
+                  <p:pic>
+                    <p:nvPicPr>
+                      <p:cNvPr id="0" name="Picture 4"/>
+                      <p:cNvPicPr/>
+                      <p:nvPr/>
+                    </p:nvPicPr>
+                    <p:blipFill>
+                      <a:blip r:embed="rId2"/>
+                      <a:stretch>
+                        <a:fillRect/>
+                      </a:stretch>
+                    </p:blipFill>
+                    <p:spPr>
+                      <a:xfrm>
+                        <a:off x="824230" y="1321435"/>
+                        <a:ext cx="7673975" cy="4631055"/>
+                      </a:xfrm>
+                      <a:prstGeom prst="rect">
+                        <a:avLst/>
+                      </a:prstGeom>
+                    </p:spPr>
+                  </p:pic>
+                </p:oleObj>
+              </mc:Fallback>
+            </mc:AlternateContent>
+          </a:graphicData>
+        </a:graphic>
+      </p:graphicFrame>
+    </p:spTree>
+  </p:cSld>
+  <p:clrMapOvr>
+    <a:masterClrMapping/>
+  </p:clrMapOvr>
+</p:sld>
+</file>
+
+<file path=ppt/slides/slide9.xml><?xml version="1.0" encoding="utf-8"?>
 <p:sld xmlns:a="http://schemas.openxmlformats.org/drawingml/2006/main" xmlns:r="http://schemas.openxmlformats.org/officeDocument/2006/relationships" xmlns:p="http://schemas.openxmlformats.org/presentationml/2006/main">
   <p:cSld>
     <p:spTree>
@@ -7310,227 +10999,6 @@
 </p:sld>
 </file>
 
-<file path=ppt/slides/slide8.xml><?xml version="1.0" encoding="utf-8"?>
-<p:sld xmlns:a="http://schemas.openxmlformats.org/drawingml/2006/main" xmlns:r="http://schemas.openxmlformats.org/officeDocument/2006/relationships" xmlns:p="http://schemas.openxmlformats.org/presentationml/2006/main">
-  <p:cSld>
-    <p:spTree>
-      <p:nvGrpSpPr>
-        <p:cNvPr id="1" name=""/>
-        <p:cNvGrpSpPr/>
-        <p:nvPr/>
-      </p:nvGrpSpPr>
-      <p:grpSpPr/>
-      <p:sp>
-        <p:nvSpPr>
-          <p:cNvPr id="2" name="Title 1"/>
-          <p:cNvSpPr>
-            <a:spLocks noGrp="1"/>
-          </p:cNvSpPr>
-          <p:nvPr>
-            <p:ph type="title"/>
-          </p:nvPr>
-        </p:nvSpPr>
-        <p:spPr>
-          <a:xfrm>
-            <a:off x="91806" y="103868"/>
-            <a:ext cx="6272464" cy="565315"/>
-          </a:xfrm>
-        </p:spPr>
-        <p:txBody>
-          <a:bodyPr/>
-          <a:p>
-            <a:r>
-              <a:rPr lang="en-US"/>
-              <a:t>Project Setup Steps</a:t>
-            </a:r>
-            <a:endParaRPr lang="en-US"/>
-          </a:p>
-        </p:txBody>
-      </p:sp>
-      <p:sp>
-        <p:nvSpPr>
-          <p:cNvPr id="3" name="Content Placeholder 2"/>
-          <p:cNvSpPr>
-            <a:spLocks noGrp="1"/>
-          </p:cNvSpPr>
-          <p:nvPr>
-            <p:ph idx="1"/>
-          </p:nvPr>
-        </p:nvSpPr>
-        <p:spPr>
-          <a:xfrm>
-            <a:off x="135255" y="1123315"/>
-            <a:ext cx="8877935" cy="4008120"/>
-          </a:xfrm>
-        </p:spPr>
-        <p:txBody>
-          <a:bodyPr/>
-          <a:p>
-            <a:r>
-              <a:rPr lang="en-US"/>
-              <a:t>Create project from Spring Initializer as shown below slides</a:t>
-            </a:r>
-            <a:endParaRPr lang="en-US"/>
-          </a:p>
-          <a:p>
-            <a:r>
-              <a:rPr lang="en-US"/>
-              <a:t>Configure your IDE (Spring Tools Suite or Eclipse) for </a:t>
-            </a:r>
-            <a:r>
-              <a:rPr lang="en-US">
-                <a:hlinkClick r:id="rId1" tooltip="" action="ppaction://hlinkfile"/>
-              </a:rPr>
-              <a:t>Lombok</a:t>
-            </a:r>
-            <a:endParaRPr lang="en-US"/>
-          </a:p>
-          <a:p>
-            <a:r>
-              <a:rPr lang="en-US"/>
-              <a:t>Start the IDE and import the starter project created in 1st step.</a:t>
-            </a:r>
-            <a:endParaRPr lang="en-US"/>
-          </a:p>
-          <a:p>
-            <a:r>
-              <a:rPr lang="en-US"/>
-              <a:t>File -&gt; Import -&gt; Existing Maven Project</a:t>
-            </a:r>
-            <a:endParaRPr lang="en-US"/>
-          </a:p>
-          <a:p>
-            <a:r>
-              <a:rPr lang="en-US"/>
-              <a:t>Examine the directory structure of project and following files:</a:t>
-            </a:r>
-            <a:endParaRPr lang="en-US"/>
-          </a:p>
-          <a:p>
-            <a:pPr lvl="1"/>
-            <a:r>
-              <a:rPr lang="en-US" sz="2000"/>
-              <a:t>pom.xml</a:t>
-            </a:r>
-            <a:endParaRPr lang="en-US" sz="2000"/>
-          </a:p>
-          <a:p>
-            <a:pPr lvl="1"/>
-            <a:r>
-              <a:rPr lang="en-US" sz="2000"/>
-              <a:t>application.properties</a:t>
-            </a:r>
-            <a:endParaRPr lang="en-US" sz="2000"/>
-          </a:p>
-          <a:p>
-            <a:pPr lvl="1"/>
-            <a:r>
-              <a:rPr lang="en-US" sz="2000"/>
-              <a:t>ApplicationTest.java (it may be AppApplicationTest.java or something else)</a:t>
-            </a:r>
-            <a:endParaRPr lang="en-US" sz="2000"/>
-          </a:p>
-          <a:p>
-            <a:pPr lvl="1"/>
-            <a:r>
-              <a:rPr lang="en-US">
-                <a:sym typeface="+mn-ea"/>
-              </a:rPr>
-              <a:t>Application.java (it may be AppApplication.java </a:t>
-            </a:r>
-            <a:r>
-              <a:rPr lang="en-US">
-                <a:sym typeface="+mn-ea"/>
-              </a:rPr>
-              <a:t>or something else</a:t>
-            </a:r>
-            <a:r>
-              <a:rPr lang="en-US">
-                <a:sym typeface="+mn-ea"/>
-              </a:rPr>
-              <a:t>)</a:t>
-            </a:r>
-            <a:endParaRPr lang="en-US"/>
-          </a:p>
-          <a:p>
-            <a:endParaRPr lang="en-US"/>
-          </a:p>
-        </p:txBody>
-      </p:sp>
-    </p:spTree>
-  </p:cSld>
-  <p:clrMapOvr>
-    <a:masterClrMapping/>
-  </p:clrMapOvr>
-</p:sld>
-</file>
-
-<file path=ppt/slides/slide9.xml><?xml version="1.0" encoding="utf-8"?>
-<p:sld xmlns:a="http://schemas.openxmlformats.org/drawingml/2006/main" xmlns:r="http://schemas.openxmlformats.org/officeDocument/2006/relationships" xmlns:p="http://schemas.openxmlformats.org/presentationml/2006/main">
-  <p:cSld>
-    <p:spTree>
-      <p:nvGrpSpPr>
-        <p:cNvPr id="1" name=""/>
-        <p:cNvGrpSpPr/>
-        <p:nvPr/>
-      </p:nvGrpSpPr>
-      <p:grpSpPr/>
-      <p:sp>
-        <p:nvSpPr>
-          <p:cNvPr id="2" name="Title 1"/>
-          <p:cNvSpPr>
-            <a:spLocks noGrp="1"/>
-          </p:cNvSpPr>
-          <p:nvPr>
-            <p:ph type="title"/>
-          </p:nvPr>
-        </p:nvSpPr>
-        <p:spPr/>
-        <p:txBody>
-          <a:bodyPr/>
-          <a:p>
-            <a:r>
-              <a:rPr lang="en-US"/>
-              <a:t>Spring Initializer - Basic Configuration</a:t>
-            </a:r>
-            <a:endParaRPr lang="en-US"/>
-          </a:p>
-        </p:txBody>
-      </p:sp>
-      <p:pic>
-        <p:nvPicPr>
-          <p:cNvPr id="4" name="Content Placeholder 3" descr="01-Spring Initializr - 1"/>
-          <p:cNvPicPr>
-            <a:picLocks noChangeAspect="1"/>
-          </p:cNvPicPr>
-          <p:nvPr>
-            <p:ph idx="1"/>
-          </p:nvPr>
-        </p:nvPicPr>
-        <p:blipFill>
-          <a:blip r:embed="rId1"/>
-          <a:stretch>
-            <a:fillRect/>
-          </a:stretch>
-        </p:blipFill>
-        <p:spPr>
-          <a:xfrm>
-            <a:off x="177800" y="1347470"/>
-            <a:ext cx="8791575" cy="4905375"/>
-          </a:xfrm>
-          <a:prstGeom prst="rect">
-            <a:avLst/>
-          </a:prstGeom>
-        </p:spPr>
-      </p:pic>
-    </p:spTree>
-  </p:cSld>
-  <p:clrMapOvr>
-    <a:masterClrMapping/>
-  </p:clrMapOvr>
-</p:sld>
-</file>
-
 <file path=ppt/theme/theme1.xml><?xml version="1.0" encoding="utf-8"?>
 <a:theme xmlns:a="http://schemas.openxmlformats.org/drawingml/2006/main" name="IU01 IU Name">
   <a:themeElements>

--- a/Developing with Spring Boot.pptx
+++ b/Developing with Spring Boot.pptx
@@ -90,7 +90,16 @@
     <p:sldId id="726" r:id="rId83"/>
     <p:sldId id="727" r:id="rId84"/>
     <p:sldId id="728" r:id="rId85"/>
-    <p:sldId id="301" r:id="rId86"/>
+    <p:sldId id="730" r:id="rId86"/>
+    <p:sldId id="731" r:id="rId87"/>
+    <p:sldId id="735" r:id="rId88"/>
+    <p:sldId id="736" r:id="rId89"/>
+    <p:sldId id="737" r:id="rId90"/>
+    <p:sldId id="738" r:id="rId91"/>
+    <p:sldId id="732" r:id="rId92"/>
+    <p:sldId id="734" r:id="rId93"/>
+    <p:sldId id="733" r:id="rId94"/>
+    <p:sldId id="301" r:id="rId95"/>
   </p:sldIdLst>
   <p:sldSz cx="9144000" cy="6858000" type="screen4x3"/>
   <p:notesSz cx="6858000" cy="9144000"/>
@@ -16639,7 +16648,7 @@
               <a:rPr>
                 <a:sym typeface="+mn-ea"/>
               </a:rPr>
-              <a:t>http://localhost:8080/swagger-ui.html</a:t>
+              <a:t>Let's try Swagger</a:t>
             </a:r>
             <a:endParaRPr lang="en-US"/>
           </a:p>
@@ -16663,7 +16672,7 @@
         </p:blipFill>
         <p:spPr>
           <a:xfrm>
-            <a:off x="135255" y="997585"/>
+            <a:off x="135255" y="1378585"/>
             <a:ext cx="8877935" cy="3775710"/>
           </a:xfrm>
           <a:prstGeom prst="rect">
@@ -16671,6 +16680,50 @@
           </a:prstGeom>
         </p:spPr>
       </p:pic>
+      <p:sp>
+        <p:nvSpPr>
+          <p:cNvPr id="6" name="Text Box 5"/>
+          <p:cNvSpPr txBox="1"/>
+          <p:nvPr/>
+        </p:nvSpPr>
+        <p:spPr>
+          <a:xfrm>
+            <a:off x="208280" y="838200"/>
+            <a:ext cx="8805545" cy="368300"/>
+          </a:xfrm>
+          <a:prstGeom prst="rect">
+            <a:avLst/>
+          </a:prstGeom>
+          <a:noFill/>
+          <a:ln w="12700" cmpd="sng">
+            <a:solidFill>
+              <a:schemeClr val="accent1">
+                <a:shade val="50000"/>
+              </a:schemeClr>
+            </a:solidFill>
+            <a:prstDash val="solid"/>
+          </a:ln>
+        </p:spPr>
+        <p:txBody>
+          <a:bodyPr wrap="square" rtlCol="0">
+            <a:spAutoFit/>
+          </a:bodyPr>
+          <a:p>
+            <a:pPr algn="ctr"/>
+            <a:r>
+              <a:rPr lang="en-US"/>
+              <a:t>Check API Documentation in Swagger by hitting </a:t>
+            </a:r>
+            <a:r>
+              <a:rPr>
+                <a:sym typeface="+mn-ea"/>
+              </a:rPr>
+              <a:t>http://localhost:8080/swagger-ui.html</a:t>
+            </a:r>
+            <a:endParaRPr lang="en-US"/>
+          </a:p>
+        </p:txBody>
+      </p:sp>
     </p:spTree>
   </p:cSld>
   <p:clrMapOvr>
@@ -17094,6 +17147,1374 @@
         <p:cNvGrpSpPr/>
         <p:nvPr/>
       </p:nvGrpSpPr>
+      <p:grpSpPr/>
+      <p:sp>
+        <p:nvSpPr>
+          <p:cNvPr id="5" name="Title 4"/>
+          <p:cNvSpPr>
+            <a:spLocks noGrp="1"/>
+          </p:cNvSpPr>
+          <p:nvPr>
+            <p:ph type="ctrTitle"/>
+          </p:nvPr>
+        </p:nvSpPr>
+        <p:spPr/>
+        <p:txBody>
+          <a:bodyPr/>
+          <a:p>
+            <a:r>
+              <a:rPr lang="en-US"/>
+              <a:t>Consuming APIs through POSTMAN</a:t>
+            </a:r>
+            <a:endParaRPr lang="en-US"/>
+          </a:p>
+        </p:txBody>
+      </p:sp>
+      <p:sp>
+        <p:nvSpPr>
+          <p:cNvPr id="2" name="Subtitle 1"/>
+          <p:cNvSpPr>
+            <a:spLocks noGrp="1"/>
+          </p:cNvSpPr>
+          <p:nvPr>
+            <p:ph type="subTitle" idx="1"/>
+          </p:nvPr>
+        </p:nvSpPr>
+        <p:spPr/>
+        <p:txBody>
+          <a:bodyPr/>
+          <a:p>
+            <a:r>
+              <a:rPr lang="en-US" sz="2400"/>
+              <a:t>API Interaction</a:t>
+            </a:r>
+            <a:endParaRPr lang="en-US" sz="2400"/>
+          </a:p>
+        </p:txBody>
+      </p:sp>
+    </p:spTree>
+  </p:cSld>
+  <p:clrMapOvr>
+    <a:masterClrMapping/>
+  </p:clrMapOvr>
+</p:sld>
+</file>
+
+<file path=ppt/slides/slide84.xml><?xml version="1.0" encoding="utf-8"?>
+<p:sld xmlns:a="http://schemas.openxmlformats.org/drawingml/2006/main" xmlns:r="http://schemas.openxmlformats.org/officeDocument/2006/relationships" xmlns:p="http://schemas.openxmlformats.org/presentationml/2006/main">
+  <p:cSld>
+    <p:spTree>
+      <p:nvGrpSpPr>
+        <p:cNvPr id="1" name=""/>
+        <p:cNvGrpSpPr/>
+        <p:nvPr/>
+      </p:nvGrpSpPr>
+      <p:grpSpPr/>
+      <p:sp>
+        <p:nvSpPr>
+          <p:cNvPr id="2" name="Title 1"/>
+          <p:cNvSpPr>
+            <a:spLocks noGrp="1"/>
+          </p:cNvSpPr>
+          <p:nvPr>
+            <p:ph type="title"/>
+          </p:nvPr>
+        </p:nvSpPr>
+        <p:spPr/>
+        <p:txBody>
+          <a:bodyPr/>
+          <a:p>
+            <a:r>
+              <a:rPr lang="en-US"/>
+              <a:t>POSTMAN</a:t>
+            </a:r>
+            <a:endParaRPr lang="en-US"/>
+          </a:p>
+        </p:txBody>
+      </p:sp>
+      <p:sp>
+        <p:nvSpPr>
+          <p:cNvPr id="3" name="Content Placeholder 2"/>
+          <p:cNvSpPr>
+            <a:spLocks noGrp="1"/>
+          </p:cNvSpPr>
+          <p:nvPr>
+            <p:ph idx="1"/>
+          </p:nvPr>
+        </p:nvSpPr>
+        <p:spPr/>
+        <p:txBody>
+          <a:bodyPr/>
+          <a:p>
+            <a:pPr>
+              <a:buFont typeface="Wingdings" panose="05000000000000000000" charset="0"/>
+              <a:buChar char="§"/>
+            </a:pPr>
+            <a:r>
+              <a:rPr lang="en-US" b="1"/>
+              <a:t>Postman</a:t>
+            </a:r>
+            <a:r>
+              <a:rPr lang="en-US"/>
+              <a:t> is a great tool when trying to </a:t>
+            </a:r>
+            <a:r>
+              <a:rPr lang="en-US" b="1"/>
+              <a:t>dissect RESTful APIs</a:t>
+            </a:r>
+            <a:r>
+              <a:rPr lang="en-US"/>
+              <a:t> made by others or </a:t>
+            </a:r>
+            <a:r>
+              <a:rPr lang="en-US" b="1"/>
+              <a:t>test </a:t>
+            </a:r>
+            <a:r>
+              <a:rPr lang="en-US"/>
+              <a:t>ones you have made yourself.</a:t>
+            </a:r>
+            <a:endParaRPr lang="en-US"/>
+          </a:p>
+          <a:p>
+            <a:pPr>
+              <a:buFont typeface="Wingdings" panose="05000000000000000000" charset="0"/>
+              <a:buChar char="§"/>
+            </a:pPr>
+            <a:r>
+              <a:rPr lang="en-US"/>
+              <a:t>It offers a sleek </a:t>
+            </a:r>
+            <a:r>
+              <a:rPr lang="en-US" b="1"/>
+              <a:t>user interface</a:t>
+            </a:r>
+            <a:r>
+              <a:rPr lang="en-US"/>
+              <a:t> with which to </a:t>
+            </a:r>
+            <a:r>
+              <a:rPr lang="en-US" b="1"/>
+              <a:t>make HTML requests</a:t>
+            </a:r>
+            <a:r>
+              <a:rPr lang="en-US"/>
+              <a:t>, </a:t>
+            </a:r>
+            <a:r>
+              <a:rPr lang="en-US" b="1"/>
+              <a:t>without </a:t>
+            </a:r>
+            <a:r>
+              <a:rPr lang="en-US"/>
+              <a:t>the hassle of writing a bunch of </a:t>
+            </a:r>
+            <a:r>
+              <a:rPr lang="en-US" b="1"/>
+              <a:t>code </a:t>
+            </a:r>
+            <a:r>
+              <a:rPr lang="en-US"/>
+              <a:t>just to test an API's functionality.</a:t>
+            </a:r>
+            <a:endParaRPr lang="en-US"/>
+          </a:p>
+          <a:p>
+            <a:pPr>
+              <a:buFont typeface="Wingdings" panose="05000000000000000000" charset="0"/>
+              <a:buChar char="§"/>
+            </a:pPr>
+            <a:r>
+              <a:rPr lang="en-US"/>
+              <a:t>All we have to do in order to test an API is to </a:t>
+            </a:r>
+            <a:r>
+              <a:rPr lang="en-US" b="1"/>
+              <a:t>plug the route</a:t>
+            </a:r>
+            <a:r>
+              <a:rPr lang="en-US"/>
+              <a:t> of the API into the address bar of Postman Application, select the </a:t>
+            </a:r>
+            <a:r>
+              <a:rPr lang="en-US" b="1"/>
+              <a:t>Http Method Type</a:t>
+            </a:r>
+            <a:r>
+              <a:rPr lang="en-US"/>
+              <a:t> (GET, POST, DELETE, PATCH, etc) on the dropdown box to its left, specify the format and content of </a:t>
+            </a:r>
+            <a:r>
+              <a:rPr lang="en-US" b="1"/>
+              <a:t>requestBody</a:t>
+            </a:r>
+            <a:r>
+              <a:rPr lang="en-US"/>
+              <a:t> (JSON, raw text, etc.) if needed and </a:t>
+            </a:r>
+            <a:r>
+              <a:rPr lang="en-US" b="1"/>
+              <a:t>hit send</a:t>
+            </a:r>
+            <a:r>
+              <a:rPr lang="en-US"/>
+              <a:t>.</a:t>
+            </a:r>
+            <a:endParaRPr lang="en-US"/>
+          </a:p>
+          <a:p>
+            <a:pPr>
+              <a:buFont typeface="Wingdings" panose="05000000000000000000" charset="0"/>
+              <a:buChar char="§"/>
+            </a:pPr>
+            <a:r>
+              <a:rPr lang="en-US"/>
+              <a:t>Then, we </a:t>
+            </a:r>
+            <a:r>
+              <a:rPr lang="en-US" b="1"/>
+              <a:t>get</a:t>
+            </a:r>
+            <a:r>
+              <a:rPr lang="en-US"/>
+              <a:t> the </a:t>
+            </a:r>
+            <a:r>
+              <a:rPr lang="en-US" b="1"/>
+              <a:t>response</a:t>
+            </a:r>
+            <a:r>
+              <a:rPr lang="en-US"/>
+              <a:t> data in expected format with a http </a:t>
+            </a:r>
+            <a:r>
+              <a:rPr lang="en-US" b="1"/>
+              <a:t>status code </a:t>
+            </a:r>
+            <a:r>
+              <a:rPr lang="en-US"/>
+              <a:t>like 200 or 201, confirming the request was successful.</a:t>
+            </a:r>
+            <a:endParaRPr lang="en-US"/>
+          </a:p>
+          <a:p>
+            <a:pPr>
+              <a:buFont typeface="Wingdings" panose="05000000000000000000" charset="0"/>
+              <a:buChar char="§"/>
+            </a:pPr>
+            <a:r>
+              <a:rPr lang="en-US" b="1">
+                <a:sym typeface="+mn-ea"/>
+              </a:rPr>
+              <a:t>Additionally</a:t>
+            </a:r>
+            <a:r>
+              <a:rPr lang="en-US">
+                <a:sym typeface="+mn-ea"/>
+              </a:rPr>
+              <a:t>, we can also add headers, parameters, authorization, tests, etc. to our requests but we will not dig into those features in this tutorial.</a:t>
+            </a:r>
+            <a:endParaRPr lang="en-US"/>
+          </a:p>
+        </p:txBody>
+      </p:sp>
+    </p:spTree>
+  </p:cSld>
+  <p:clrMapOvr>
+    <a:masterClrMapping/>
+  </p:clrMapOvr>
+</p:sld>
+</file>
+
+<file path=ppt/slides/slide85.xml><?xml version="1.0" encoding="utf-8"?>
+<p:sld xmlns:a="http://schemas.openxmlformats.org/drawingml/2006/main" xmlns:r="http://schemas.openxmlformats.org/officeDocument/2006/relationships" xmlns:p="http://schemas.openxmlformats.org/presentationml/2006/main">
+  <p:cSld>
+    <p:spTree>
+      <p:nvGrpSpPr>
+        <p:cNvPr id="1" name=""/>
+        <p:cNvGrpSpPr/>
+        <p:nvPr/>
+      </p:nvGrpSpPr>
+      <p:grpSpPr/>
+      <p:sp>
+        <p:nvSpPr>
+          <p:cNvPr id="2" name="Title 1"/>
+          <p:cNvSpPr>
+            <a:spLocks noGrp="1"/>
+          </p:cNvSpPr>
+          <p:nvPr>
+            <p:ph type="title"/>
+          </p:nvPr>
+        </p:nvSpPr>
+        <p:spPr/>
+        <p:txBody>
+          <a:bodyPr/>
+          <a:p>
+            <a:r>
+              <a:rPr lang="en-US"/>
+              <a:t>Postman - Initialize User Roles in system</a:t>
+            </a:r>
+            <a:endParaRPr lang="en-US"/>
+          </a:p>
+        </p:txBody>
+      </p:sp>
+      <p:sp>
+        <p:nvSpPr>
+          <p:cNvPr id="3" name="Content Placeholder 2"/>
+          <p:cNvSpPr>
+            <a:spLocks noGrp="1"/>
+          </p:cNvSpPr>
+          <p:nvPr>
+            <p:ph idx="1"/>
+          </p:nvPr>
+        </p:nvSpPr>
+        <p:spPr/>
+        <p:txBody>
+          <a:bodyPr>
+            <a:noAutofit/>
+          </a:bodyPr>
+          <a:p>
+            <a:pPr>
+              <a:buFont typeface="Arial" panose="020B0604020202020204" pitchFamily="34" charset="0"/>
+              <a:buChar char="•"/>
+            </a:pPr>
+            <a:r>
+              <a:rPr lang="en-US" sz="2300">
+                <a:sym typeface="+mn-ea"/>
+              </a:rPr>
+              <a:t>Before we test /api/saveuser end-point in Postman to save a user, we need to </a:t>
+            </a:r>
+            <a:r>
+              <a:rPr lang="en-US" sz="2300" b="1">
+                <a:sym typeface="+mn-ea"/>
+              </a:rPr>
+              <a:t>initialize user roles</a:t>
+            </a:r>
+            <a:r>
+              <a:rPr lang="en-US" sz="2300">
+                <a:sym typeface="+mn-ea"/>
+              </a:rPr>
+              <a:t> in our database. For this, we need to execute following steps:</a:t>
+            </a:r>
+            <a:endParaRPr lang="en-US" sz="2300"/>
+          </a:p>
+          <a:p>
+            <a:pPr lvl="1">
+              <a:buFont typeface="Arial" panose="020B0604020202020204" pitchFamily="34" charset="0"/>
+              <a:buChar char="•"/>
+            </a:pPr>
+            <a:r>
+              <a:rPr lang="en-US" sz="2300" b="1">
+                <a:sym typeface="+mn-ea"/>
+              </a:rPr>
+              <a:t>New</a:t>
+            </a:r>
+            <a:r>
+              <a:rPr lang="en-US" sz="2300">
+                <a:sym typeface="+mn-ea"/>
+              </a:rPr>
+              <a:t> -&gt; Request</a:t>
+            </a:r>
+            <a:endParaRPr lang="en-US" sz="2300"/>
+          </a:p>
+          <a:p>
+            <a:pPr lvl="1">
+              <a:buFont typeface="Arial" panose="020B0604020202020204" pitchFamily="34" charset="0"/>
+              <a:buChar char="•"/>
+            </a:pPr>
+            <a:r>
+              <a:rPr lang="en-US" sz="2300">
+                <a:sym typeface="+mn-ea"/>
+              </a:rPr>
+              <a:t>Enter request </a:t>
+            </a:r>
+            <a:r>
+              <a:rPr lang="en-US" sz="2300" b="1">
+                <a:sym typeface="+mn-ea"/>
+              </a:rPr>
+              <a:t>name</a:t>
+            </a:r>
+            <a:r>
+              <a:rPr lang="en-US" sz="2300">
+                <a:sym typeface="+mn-ea"/>
+              </a:rPr>
+              <a:t> as initializeroles</a:t>
+            </a:r>
+            <a:endParaRPr lang="en-US" sz="2300"/>
+          </a:p>
+          <a:p>
+            <a:pPr lvl="1">
+              <a:buFont typeface="Arial" panose="020B0604020202020204" pitchFamily="34" charset="0"/>
+              <a:buChar char="•"/>
+            </a:pPr>
+            <a:r>
+              <a:rPr lang="en-US" sz="2300">
+                <a:sym typeface="+mn-ea"/>
+              </a:rPr>
+              <a:t>Enter request </a:t>
+            </a:r>
+            <a:r>
+              <a:rPr lang="en-US" sz="2300" b="1">
+                <a:sym typeface="+mn-ea"/>
+              </a:rPr>
+              <a:t>description</a:t>
+            </a:r>
+            <a:r>
+              <a:rPr lang="en-US" sz="2300">
+                <a:sym typeface="+mn-ea"/>
+              </a:rPr>
+              <a:t> (optional)</a:t>
+            </a:r>
+            <a:endParaRPr lang="en-US" sz="2300"/>
+          </a:p>
+          <a:p>
+            <a:pPr lvl="1">
+              <a:buFont typeface="Arial" panose="020B0604020202020204" pitchFamily="34" charset="0"/>
+              <a:buChar char="•"/>
+            </a:pPr>
+            <a:r>
+              <a:rPr lang="en-US" sz="2300">
+                <a:sym typeface="+mn-ea"/>
+              </a:rPr>
+              <a:t>Select or create </a:t>
+            </a:r>
+            <a:r>
+              <a:rPr lang="en-US" sz="2300" b="1">
+                <a:sym typeface="+mn-ea"/>
+              </a:rPr>
+              <a:t>collection</a:t>
+            </a:r>
+            <a:r>
+              <a:rPr lang="en-US" sz="2300">
+                <a:sym typeface="+mn-ea"/>
+              </a:rPr>
+              <a:t> where to save request - we will create a collection called sbs (stands for spring-boot-sample) and select it.</a:t>
+            </a:r>
+            <a:endParaRPr lang="en-US" sz="2300"/>
+          </a:p>
+          <a:p>
+            <a:pPr lvl="1">
+              <a:buFont typeface="Arial" panose="020B0604020202020204" pitchFamily="34" charset="0"/>
+              <a:buChar char="•"/>
+            </a:pPr>
+            <a:r>
+              <a:rPr lang="en-US" sz="2300">
+                <a:sym typeface="+mn-ea"/>
+              </a:rPr>
+              <a:t>The request is now created with </a:t>
+            </a:r>
+            <a:r>
+              <a:rPr lang="en-US" sz="2300" b="1">
+                <a:sym typeface="+mn-ea"/>
+              </a:rPr>
+              <a:t>GET method</a:t>
+            </a:r>
+            <a:r>
+              <a:rPr lang="en-US" sz="2300">
+                <a:sym typeface="+mn-ea"/>
+              </a:rPr>
+              <a:t> as its type.</a:t>
+            </a:r>
+            <a:endParaRPr lang="en-US" sz="2300"/>
+          </a:p>
+          <a:p>
+            <a:pPr lvl="1">
+              <a:buFont typeface="Arial" panose="020B0604020202020204" pitchFamily="34" charset="0"/>
+              <a:buChar char="•"/>
+            </a:pPr>
+            <a:r>
+              <a:rPr lang="en-US" sz="2300">
+                <a:sym typeface="+mn-ea"/>
+              </a:rPr>
+              <a:t>Enter Request URL as </a:t>
+            </a:r>
+            <a:r>
+              <a:rPr lang="en-US" sz="2300" b="1">
+                <a:sym typeface="+mn-ea"/>
+              </a:rPr>
+              <a:t>localhost:8080/api/initializeroles</a:t>
+            </a:r>
+            <a:endParaRPr lang="en-US" sz="2300"/>
+          </a:p>
+          <a:p>
+            <a:pPr lvl="1">
+              <a:buFont typeface="Arial" panose="020B0604020202020204" pitchFamily="34" charset="0"/>
+              <a:buChar char="•"/>
+            </a:pPr>
+            <a:r>
+              <a:rPr lang="en-US" sz="2300">
+                <a:sym typeface="+mn-ea"/>
+              </a:rPr>
+              <a:t>Hit Send button. Make sure, your spring boot application is running.</a:t>
+            </a:r>
+            <a:endParaRPr lang="en-US" sz="2300"/>
+          </a:p>
+          <a:p>
+            <a:pPr lvl="1">
+              <a:buFont typeface="Arial" panose="020B0604020202020204" pitchFamily="34" charset="0"/>
+              <a:buChar char="•"/>
+            </a:pPr>
+            <a:r>
+              <a:rPr lang="en-US" sz="2300">
+                <a:sym typeface="+mn-ea"/>
+              </a:rPr>
+              <a:t>Analyse response by scrolling down the screen, you should get a </a:t>
+            </a:r>
+            <a:r>
+              <a:rPr lang="en-US" sz="2300" b="1">
+                <a:sym typeface="+mn-ea"/>
+              </a:rPr>
+              <a:t>success message</a:t>
+            </a:r>
+            <a:r>
+              <a:rPr lang="en-US" sz="2300">
+                <a:sym typeface="+mn-ea"/>
+              </a:rPr>
+              <a:t>.</a:t>
+            </a:r>
+            <a:endParaRPr lang="en-US" sz="2300">
+              <a:sym typeface="+mn-ea"/>
+            </a:endParaRPr>
+          </a:p>
+          <a:p>
+            <a:pPr lvl="1">
+              <a:buFont typeface="Arial" panose="020B0604020202020204" pitchFamily="34" charset="0"/>
+              <a:buChar char="•"/>
+            </a:pPr>
+            <a:r>
+              <a:rPr lang="en-US" sz="2300"/>
+              <a:t>You should also be able to see following User Roles in the system: </a:t>
+            </a:r>
+            <a:r>
+              <a:rPr lang="en-US" sz="2300" b="1"/>
+              <a:t>Administrator, User and Moderator</a:t>
+            </a:r>
+            <a:r>
+              <a:rPr lang="en-US" sz="2300"/>
+              <a:t>.</a:t>
+            </a:r>
+            <a:endParaRPr lang="en-US" sz="2300"/>
+          </a:p>
+        </p:txBody>
+      </p:sp>
+    </p:spTree>
+  </p:cSld>
+  <p:clrMapOvr>
+    <a:masterClrMapping/>
+  </p:clrMapOvr>
+</p:sld>
+</file>
+
+<file path=ppt/slides/slide86.xml><?xml version="1.0" encoding="utf-8"?>
+<p:sld xmlns:a="http://schemas.openxmlformats.org/drawingml/2006/main" xmlns:r="http://schemas.openxmlformats.org/officeDocument/2006/relationships" xmlns:p="http://schemas.openxmlformats.org/presentationml/2006/main">
+  <p:cSld>
+    <p:spTree>
+      <p:nvGrpSpPr>
+        <p:cNvPr id="1" name=""/>
+        <p:cNvGrpSpPr/>
+        <p:nvPr/>
+      </p:nvGrpSpPr>
+      <p:grpSpPr/>
+      <p:sp>
+        <p:nvSpPr>
+          <p:cNvPr id="2" name="Title 1"/>
+          <p:cNvSpPr>
+            <a:spLocks noGrp="1"/>
+          </p:cNvSpPr>
+          <p:nvPr>
+            <p:ph type="title"/>
+          </p:nvPr>
+        </p:nvSpPr>
+        <p:spPr/>
+        <p:txBody>
+          <a:bodyPr/>
+          <a:p>
+            <a:r>
+              <a:rPr lang="en-US"/>
+              <a:t>Create Request - Initialize Roles</a:t>
+            </a:r>
+            <a:endParaRPr lang="en-US"/>
+          </a:p>
+        </p:txBody>
+      </p:sp>
+      <p:pic>
+        <p:nvPicPr>
+          <p:cNvPr id="5" name="Content Placeholder 3"/>
+          <p:cNvPicPr>
+            <a:picLocks noChangeAspect="1"/>
+          </p:cNvPicPr>
+          <p:nvPr/>
+        </p:nvPicPr>
+        <p:blipFill>
+          <a:blip r:embed="rId1"/>
+          <a:stretch>
+            <a:fillRect/>
+          </a:stretch>
+        </p:blipFill>
+        <p:spPr>
+          <a:xfrm>
+            <a:off x="226060" y="1240790"/>
+            <a:ext cx="2637155" cy="4549140"/>
+          </a:xfrm>
+          <a:prstGeom prst="rect">
+            <a:avLst/>
+          </a:prstGeom>
+        </p:spPr>
+      </p:pic>
+      <p:sp>
+        <p:nvSpPr>
+          <p:cNvPr id="17" name="Right Arrow 16"/>
+          <p:cNvSpPr/>
+          <p:nvPr/>
+        </p:nvSpPr>
+        <p:spPr>
+          <a:xfrm>
+            <a:off x="3048000" y="3581400"/>
+            <a:ext cx="990600" cy="457200"/>
+          </a:xfrm>
+          <a:prstGeom prst="rightArrow">
+            <a:avLst/>
+          </a:prstGeom>
+          <a:solidFill>
+            <a:schemeClr val="accent2">
+              <a:lumMod val="60000"/>
+              <a:lumOff val="40000"/>
+            </a:schemeClr>
+          </a:solidFill>
+          <a:ln>
+            <a:solidFill>
+              <a:schemeClr val="accent2"/>
+            </a:solidFill>
+          </a:ln>
+        </p:spPr>
+        <p:style>
+          <a:lnRef idx="2">
+            <a:schemeClr val="accent1">
+              <a:shade val="50000"/>
+            </a:schemeClr>
+          </a:lnRef>
+          <a:fillRef idx="1">
+            <a:schemeClr val="accent1"/>
+          </a:fillRef>
+          <a:effectRef idx="0">
+            <a:schemeClr val="accent1"/>
+          </a:effectRef>
+          <a:fontRef idx="minor">
+            <a:schemeClr val="lt1"/>
+          </a:fontRef>
+        </p:style>
+        <p:txBody>
+          <a:bodyPr rtlCol="0" anchor="ctr"/>
+          <a:p>
+            <a:pPr algn="ctr"/>
+            <a:endParaRPr lang="en-US"/>
+          </a:p>
+        </p:txBody>
+      </p:sp>
+      <p:pic>
+        <p:nvPicPr>
+          <p:cNvPr id="7" name="Content Placeholder 6"/>
+          <p:cNvPicPr>
+            <a:picLocks noChangeAspect="1"/>
+          </p:cNvPicPr>
+          <p:nvPr>
+            <p:ph idx="1"/>
+          </p:nvPr>
+        </p:nvPicPr>
+        <p:blipFill>
+          <a:blip r:embed="rId2"/>
+          <a:stretch>
+            <a:fillRect/>
+          </a:stretch>
+        </p:blipFill>
+        <p:spPr>
+          <a:xfrm>
+            <a:off x="4235450" y="1056640"/>
+            <a:ext cx="4638675" cy="5486400"/>
+          </a:xfrm>
+          <a:prstGeom prst="rect">
+            <a:avLst/>
+          </a:prstGeom>
+        </p:spPr>
+      </p:pic>
+    </p:spTree>
+  </p:cSld>
+  <p:clrMapOvr>
+    <a:masterClrMapping/>
+  </p:clrMapOvr>
+</p:sld>
+</file>
+
+<file path=ppt/slides/slide87.xml><?xml version="1.0" encoding="utf-8"?>
+<p:sld xmlns:a="http://schemas.openxmlformats.org/drawingml/2006/main" xmlns:r="http://schemas.openxmlformats.org/officeDocument/2006/relationships" xmlns:p="http://schemas.openxmlformats.org/presentationml/2006/main">
+  <p:cSld>
+    <p:spTree>
+      <p:nvGrpSpPr>
+        <p:cNvPr id="1" name=""/>
+        <p:cNvGrpSpPr/>
+        <p:nvPr/>
+      </p:nvGrpSpPr>
+      <p:grpSpPr/>
+      <p:sp>
+        <p:nvSpPr>
+          <p:cNvPr id="2" name="Title 1"/>
+          <p:cNvSpPr>
+            <a:spLocks noGrp="1"/>
+          </p:cNvSpPr>
+          <p:nvPr>
+            <p:ph type="title"/>
+          </p:nvPr>
+        </p:nvSpPr>
+        <p:spPr/>
+        <p:txBody>
+          <a:bodyPr/>
+          <a:p>
+            <a:r>
+              <a:rPr>
+                <a:sym typeface="+mn-ea"/>
+              </a:rPr>
+              <a:t>Postman Interface - </a:t>
+            </a:r>
+            <a:r>
+              <a:rPr lang="en-US"/>
+              <a:t>Initialize Roles</a:t>
+            </a:r>
+            <a:endParaRPr lang="en-US"/>
+          </a:p>
+        </p:txBody>
+      </p:sp>
+      <p:pic>
+        <p:nvPicPr>
+          <p:cNvPr id="6" name="Content Placeholder 5"/>
+          <p:cNvPicPr>
+            <a:picLocks noChangeAspect="1"/>
+          </p:cNvPicPr>
+          <p:nvPr>
+            <p:ph idx="1"/>
+          </p:nvPr>
+        </p:nvPicPr>
+        <p:blipFill>
+          <a:blip r:embed="rId1"/>
+          <a:stretch>
+            <a:fillRect/>
+          </a:stretch>
+        </p:blipFill>
+        <p:spPr>
+          <a:xfrm>
+            <a:off x="135255" y="1054100"/>
+            <a:ext cx="8877935" cy="3510915"/>
+          </a:xfrm>
+          <a:prstGeom prst="rect">
+            <a:avLst/>
+          </a:prstGeom>
+        </p:spPr>
+      </p:pic>
+    </p:spTree>
+  </p:cSld>
+  <p:clrMapOvr>
+    <a:masterClrMapping/>
+  </p:clrMapOvr>
+</p:sld>
+</file>
+
+<file path=ppt/slides/slide88.xml><?xml version="1.0" encoding="utf-8"?>
+<p:sld xmlns:a="http://schemas.openxmlformats.org/drawingml/2006/main" xmlns:r="http://schemas.openxmlformats.org/officeDocument/2006/relationships" xmlns:p="http://schemas.openxmlformats.org/presentationml/2006/main">
+  <p:cSld>
+    <p:spTree>
+      <p:nvGrpSpPr>
+        <p:cNvPr id="1" name=""/>
+        <p:cNvGrpSpPr/>
+        <p:nvPr/>
+      </p:nvGrpSpPr>
+      <p:grpSpPr/>
+      <p:sp>
+        <p:nvSpPr>
+          <p:cNvPr id="2" name="Title 1"/>
+          <p:cNvSpPr>
+            <a:spLocks noGrp="1"/>
+          </p:cNvSpPr>
+          <p:nvPr>
+            <p:ph type="title"/>
+          </p:nvPr>
+        </p:nvSpPr>
+        <p:spPr/>
+        <p:txBody>
+          <a:bodyPr/>
+          <a:p>
+            <a:r>
+              <a:rPr lang="en-US"/>
+              <a:t>Roles Initialization - MySQL Workbench Output</a:t>
+            </a:r>
+            <a:endParaRPr lang="en-US"/>
+          </a:p>
+        </p:txBody>
+      </p:sp>
+      <p:pic>
+        <p:nvPicPr>
+          <p:cNvPr id="4" name="Content Placeholder 3"/>
+          <p:cNvPicPr>
+            <a:picLocks noChangeAspect="1"/>
+          </p:cNvPicPr>
+          <p:nvPr>
+            <p:ph idx="1"/>
+          </p:nvPr>
+        </p:nvPicPr>
+        <p:blipFill>
+          <a:blip r:embed="rId1"/>
+          <a:stretch>
+            <a:fillRect/>
+          </a:stretch>
+        </p:blipFill>
+        <p:spPr>
+          <a:xfrm>
+            <a:off x="2170430" y="1057275"/>
+            <a:ext cx="4612640" cy="5501005"/>
+          </a:xfrm>
+          <a:prstGeom prst="rect">
+            <a:avLst/>
+          </a:prstGeom>
+        </p:spPr>
+      </p:pic>
+    </p:spTree>
+  </p:cSld>
+  <p:clrMapOvr>
+    <a:masterClrMapping/>
+  </p:clrMapOvr>
+</p:sld>
+</file>
+
+<file path=ppt/slides/slide89.xml><?xml version="1.0" encoding="utf-8"?>
+<p:sld xmlns:a="http://schemas.openxmlformats.org/drawingml/2006/main" xmlns:r="http://schemas.openxmlformats.org/officeDocument/2006/relationships" xmlns:p="http://schemas.openxmlformats.org/presentationml/2006/main">
+  <p:cSld>
+    <p:spTree>
+      <p:nvGrpSpPr>
+        <p:cNvPr id="1" name=""/>
+        <p:cNvGrpSpPr/>
+        <p:nvPr/>
+      </p:nvGrpSpPr>
+      <p:grpSpPr/>
+      <p:sp>
+        <p:nvSpPr>
+          <p:cNvPr id="2" name="Title 1"/>
+          <p:cNvSpPr>
+            <a:spLocks noGrp="1"/>
+          </p:cNvSpPr>
+          <p:nvPr>
+            <p:ph type="title"/>
+          </p:nvPr>
+        </p:nvSpPr>
+        <p:spPr/>
+        <p:txBody>
+          <a:bodyPr/>
+          <a:p>
+            <a:r>
+              <a:rPr lang="en-US"/>
+              <a:t>POSTMAN - Steps to Create and Test a Request</a:t>
+            </a:r>
+            <a:endParaRPr lang="en-US"/>
+          </a:p>
+        </p:txBody>
+      </p:sp>
+      <p:sp>
+        <p:nvSpPr>
+          <p:cNvPr id="3" name="Content Placeholder 2"/>
+          <p:cNvSpPr>
+            <a:spLocks noGrp="1"/>
+          </p:cNvSpPr>
+          <p:nvPr>
+            <p:ph idx="1"/>
+          </p:nvPr>
+        </p:nvSpPr>
+        <p:spPr/>
+        <p:txBody>
+          <a:bodyPr/>
+          <a:p>
+            <a:pPr>
+              <a:buFont typeface="Arial" panose="020B0604020202020204" pitchFamily="34" charset="0"/>
+              <a:buChar char="•"/>
+            </a:pPr>
+            <a:r>
+              <a:rPr lang="en-US"/>
+              <a:t>To test /api/saveuser end-point in Postman, we need to execute following steps:</a:t>
+            </a:r>
+            <a:endParaRPr lang="en-US"/>
+          </a:p>
+          <a:p>
+            <a:pPr lvl="1">
+              <a:buFont typeface="Arial" panose="020B0604020202020204" pitchFamily="34" charset="0"/>
+              <a:buChar char="•"/>
+            </a:pPr>
+            <a:r>
+              <a:rPr lang="en-US"/>
+              <a:t>New -&gt; Request</a:t>
+            </a:r>
+            <a:endParaRPr lang="en-US"/>
+          </a:p>
+          <a:p>
+            <a:pPr lvl="1">
+              <a:buFont typeface="Arial" panose="020B0604020202020204" pitchFamily="34" charset="0"/>
+              <a:buChar char="•"/>
+            </a:pPr>
+            <a:r>
+              <a:rPr lang="en-US"/>
+              <a:t>Enter request name (this can match your actual end-point if you like)</a:t>
+            </a:r>
+            <a:endParaRPr lang="en-US"/>
+          </a:p>
+          <a:p>
+            <a:pPr lvl="1">
+              <a:buFont typeface="Arial" panose="020B0604020202020204" pitchFamily="34" charset="0"/>
+              <a:buChar char="•"/>
+            </a:pPr>
+            <a:r>
+              <a:rPr lang="en-US"/>
+              <a:t>Enter request description (optional)</a:t>
+            </a:r>
+            <a:endParaRPr lang="en-US"/>
+          </a:p>
+          <a:p>
+            <a:pPr lvl="1">
+              <a:buFont typeface="Arial" panose="020B0604020202020204" pitchFamily="34" charset="0"/>
+              <a:buChar char="•"/>
+            </a:pPr>
+            <a:r>
+              <a:rPr lang="en-US"/>
+              <a:t>Select or create collection where to save request - we will create a collection called sbs (stands for spring-boot-sample) and select it.</a:t>
+            </a:r>
+            <a:endParaRPr lang="en-US"/>
+          </a:p>
+          <a:p>
+            <a:pPr lvl="1">
+              <a:buFont typeface="Arial" panose="020B0604020202020204" pitchFamily="34" charset="0"/>
+              <a:buChar char="•"/>
+            </a:pPr>
+            <a:r>
+              <a:rPr lang="en-US"/>
+              <a:t>The request is now created, select POST as method type from dropdown.</a:t>
+            </a:r>
+            <a:endParaRPr lang="en-US"/>
+          </a:p>
+          <a:p>
+            <a:pPr lvl="1">
+              <a:buFont typeface="Arial" panose="020B0604020202020204" pitchFamily="34" charset="0"/>
+              <a:buChar char="•"/>
+            </a:pPr>
+            <a:r>
+              <a:rPr lang="en-US"/>
+              <a:t>Enter Request URL as localhost:8080/api/saveuser</a:t>
+            </a:r>
+            <a:endParaRPr lang="en-US"/>
+          </a:p>
+          <a:p>
+            <a:pPr lvl="1">
+              <a:buFont typeface="Arial" panose="020B0604020202020204" pitchFamily="34" charset="0"/>
+              <a:buChar char="•"/>
+            </a:pPr>
+            <a:r>
+              <a:rPr lang="en-US"/>
+              <a:t>Select Body Tab -&gt; raw -&gt; Text -&gt; JSON (application/json)</a:t>
+            </a:r>
+            <a:endParaRPr lang="en-US"/>
+          </a:p>
+          <a:p>
+            <a:pPr lvl="1">
+              <a:buFont typeface="Arial" panose="020B0604020202020204" pitchFamily="34" charset="0"/>
+              <a:buChar char="•"/>
+            </a:pPr>
+            <a:r>
+              <a:rPr lang="en-US"/>
+              <a:t>Create a JSON Payload of RegistrationFormDto to be sent as Request Body in text editor (Payload example available in next slide).</a:t>
+            </a:r>
+            <a:endParaRPr lang="en-US"/>
+          </a:p>
+          <a:p>
+            <a:pPr lvl="1">
+              <a:buFont typeface="Arial" panose="020B0604020202020204" pitchFamily="34" charset="0"/>
+              <a:buChar char="•"/>
+            </a:pPr>
+            <a:r>
+              <a:rPr lang="en-US"/>
+              <a:t>Hit Send button. Make sure, your spring boot application is running.</a:t>
+            </a:r>
+            <a:endParaRPr lang="en-US"/>
+          </a:p>
+          <a:p>
+            <a:pPr lvl="1">
+              <a:buFont typeface="Arial" panose="020B0604020202020204" pitchFamily="34" charset="0"/>
+              <a:buChar char="•"/>
+            </a:pPr>
+            <a:r>
+              <a:rPr lang="en-US"/>
+              <a:t>Analyse response by scrolling down the screen.</a:t>
+            </a:r>
+            <a:endParaRPr lang="en-US"/>
+          </a:p>
+        </p:txBody>
+      </p:sp>
+    </p:spTree>
+  </p:cSld>
+  <p:clrMapOvr>
+    <a:masterClrMapping/>
+  </p:clrMapOvr>
+</p:sld>
+</file>
+
+<file path=ppt/slides/slide9.xml><?xml version="1.0" encoding="utf-8"?>
+<p:sld xmlns:a="http://schemas.openxmlformats.org/drawingml/2006/main" xmlns:r="http://schemas.openxmlformats.org/officeDocument/2006/relationships" xmlns:p="http://schemas.openxmlformats.org/presentationml/2006/main">
+  <p:cSld>
+    <p:spTree>
+      <p:nvGrpSpPr>
+        <p:cNvPr id="1" name=""/>
+        <p:cNvGrpSpPr/>
+        <p:nvPr/>
+      </p:nvGrpSpPr>
+      <p:grpSpPr/>
+      <p:sp>
+        <p:nvSpPr>
+          <p:cNvPr id="2" name="Title 1"/>
+          <p:cNvSpPr>
+            <a:spLocks noGrp="1"/>
+          </p:cNvSpPr>
+          <p:nvPr>
+            <p:ph type="title"/>
+          </p:nvPr>
+        </p:nvSpPr>
+        <p:spPr/>
+        <p:txBody>
+          <a:bodyPr/>
+          <a:p>
+            <a:r>
+              <a:rPr lang="en-US"/>
+              <a:t>Spring Boot Starters</a:t>
+            </a:r>
+            <a:endParaRPr lang="en-US"/>
+          </a:p>
+        </p:txBody>
+      </p:sp>
+      <p:sp>
+        <p:nvSpPr>
+          <p:cNvPr id="3" name="Content Placeholder 2"/>
+          <p:cNvSpPr>
+            <a:spLocks noGrp="1"/>
+          </p:cNvSpPr>
+          <p:nvPr>
+            <p:ph idx="1"/>
+          </p:nvPr>
+        </p:nvSpPr>
+        <p:spPr/>
+        <p:txBody>
+          <a:bodyPr/>
+          <a:p>
+            <a:r>
+              <a:rPr lang="en-US"/>
+              <a:t>Spring Boot provides a number of “</a:t>
+            </a:r>
+            <a:r>
+              <a:rPr lang="en-US" b="1"/>
+              <a:t>Starters</a:t>
+            </a:r>
+            <a:r>
+              <a:rPr lang="en-US"/>
+              <a:t>” that lets you add dependency jars to your classpath. You add these starters as dependency in your project's pom.xml.</a:t>
+            </a:r>
+            <a:endParaRPr lang="en-US"/>
+          </a:p>
+          <a:p>
+            <a:r>
+              <a:rPr lang="en-US"/>
+              <a:t>You don't need to mention versions of the dependency starters as they are automatically managed by the parent starter version.</a:t>
+            </a:r>
+            <a:endParaRPr lang="en-US"/>
+          </a:p>
+          <a:p>
+            <a:r>
+              <a:rPr lang="en-US"/>
+              <a:t>Our application will use </a:t>
+            </a:r>
+            <a:r>
+              <a:rPr lang="en-US" b="1"/>
+              <a:t>spring-boot-starter-parent</a:t>
+            </a:r>
+            <a:r>
+              <a:rPr lang="en-US"/>
+              <a:t> as a parent starter, while few child starter projects too.</a:t>
+            </a:r>
+            <a:endParaRPr lang="en-US"/>
+          </a:p>
+          <a:p>
+            <a:r>
+              <a:rPr lang="en-US"/>
+              <a:t>Each single starter dependency adds multiple dependency jars to the classpath dependening on which starter we are adding.</a:t>
+            </a:r>
+            <a:endParaRPr lang="en-US"/>
+          </a:p>
+          <a:p>
+            <a:r>
+              <a:rPr lang="en-US"/>
+              <a:t>For e.g. if we add </a:t>
+            </a:r>
+            <a:r>
+              <a:rPr lang="en-US" b="1"/>
+              <a:t>spring-boot-starter-web</a:t>
+            </a:r>
+            <a:r>
+              <a:rPr lang="en-US"/>
+              <a:t> starter in pom, it will add following jars to classpath: </a:t>
+            </a:r>
+            <a:endParaRPr lang="en-US"/>
+          </a:p>
+          <a:p>
+            <a:pPr lvl="1"/>
+            <a:r>
+              <a:rPr lang="en-US"/>
+              <a:t>spring-web, spring-webmvc</a:t>
+            </a:r>
+            <a:endParaRPr lang="en-US"/>
+          </a:p>
+          <a:p>
+            <a:pPr lvl="1"/>
+            <a:r>
+              <a:rPr lang="en-US"/>
+              <a:t>hibernate-validator</a:t>
+            </a:r>
+            <a:endParaRPr lang="en-US"/>
+          </a:p>
+          <a:p>
+            <a:pPr lvl="1"/>
+            <a:r>
+              <a:rPr lang="en-US"/>
+              <a:t>spring-boot-starter-tomcat</a:t>
+            </a:r>
+            <a:endParaRPr lang="en-US"/>
+          </a:p>
+          <a:p>
+            <a:pPr lvl="1"/>
+            <a:r>
+              <a:rPr lang="en-US"/>
+              <a:t>spring-boot-starter-json</a:t>
+            </a:r>
+            <a:endParaRPr lang="en-US"/>
+          </a:p>
+        </p:txBody>
+      </p:sp>
+    </p:spTree>
+  </p:cSld>
+  <p:clrMapOvr>
+    <a:masterClrMapping/>
+  </p:clrMapOvr>
+</p:sld>
+</file>
+
+<file path=ppt/slides/slide90.xml><?xml version="1.0" encoding="utf-8"?>
+<p:sld xmlns:a="http://schemas.openxmlformats.org/drawingml/2006/main" xmlns:r="http://schemas.openxmlformats.org/officeDocument/2006/relationships" xmlns:p="http://schemas.openxmlformats.org/presentationml/2006/main">
+  <p:cSld>
+    <p:spTree>
+      <p:nvGrpSpPr>
+        <p:cNvPr id="1" name=""/>
+        <p:cNvGrpSpPr/>
+        <p:nvPr/>
+      </p:nvGrpSpPr>
+      <p:grpSpPr/>
+      <p:sp>
+        <p:nvSpPr>
+          <p:cNvPr id="2" name="Title 1"/>
+          <p:cNvSpPr>
+            <a:spLocks noGrp="1"/>
+          </p:cNvSpPr>
+          <p:nvPr>
+            <p:ph type="title"/>
+          </p:nvPr>
+        </p:nvSpPr>
+        <p:spPr/>
+        <p:txBody>
+          <a:bodyPr/>
+          <a:p>
+            <a:r>
+              <a:rPr lang="en-US"/>
+              <a:t>Request Body Payload - Json format</a:t>
+            </a:r>
+            <a:endParaRPr lang="en-US"/>
+          </a:p>
+        </p:txBody>
+      </p:sp>
+      <p:sp>
+        <p:nvSpPr>
+          <p:cNvPr id="3" name="Content Placeholder 2"/>
+          <p:cNvSpPr>
+            <a:spLocks noGrp="1"/>
+          </p:cNvSpPr>
+          <p:nvPr>
+            <p:ph idx="1"/>
+          </p:nvPr>
+        </p:nvSpPr>
+        <p:spPr/>
+        <p:txBody>
+          <a:bodyPr/>
+          <a:p>
+            <a:pPr marL="0" indent="0">
+              <a:buNone/>
+            </a:pPr>
+            <a:endParaRPr lang="en-US"/>
+          </a:p>
+        </p:txBody>
+      </p:sp>
+    </p:spTree>
+  </p:cSld>
+  <p:clrMapOvr>
+    <a:masterClrMapping/>
+  </p:clrMapOvr>
+</p:sld>
+</file>
+
+<file path=ppt/slides/slide91.xml><?xml version="1.0" encoding="utf-8"?>
+<p:sld xmlns:a="http://schemas.openxmlformats.org/drawingml/2006/main" xmlns:r="http://schemas.openxmlformats.org/officeDocument/2006/relationships" xmlns:p="http://schemas.openxmlformats.org/presentationml/2006/main">
+  <p:cSld>
+    <p:spTree>
+      <p:nvGrpSpPr>
+        <p:cNvPr id="1" name=""/>
+        <p:cNvGrpSpPr/>
+        <p:nvPr/>
+      </p:nvGrpSpPr>
+      <p:grpSpPr/>
+      <p:sp>
+        <p:nvSpPr>
+          <p:cNvPr id="8" name="Title 7"/>
+          <p:cNvSpPr>
+            <a:spLocks noGrp="1"/>
+          </p:cNvSpPr>
+          <p:nvPr>
+            <p:ph type="title"/>
+          </p:nvPr>
+        </p:nvSpPr>
+        <p:spPr/>
+        <p:txBody>
+          <a:bodyPr/>
+          <a:p>
+            <a:r>
+              <a:rPr lang="en-US"/>
+              <a:t>Create a Request</a:t>
+            </a:r>
+            <a:endParaRPr lang="en-US"/>
+          </a:p>
+        </p:txBody>
+      </p:sp>
+      <p:pic>
+        <p:nvPicPr>
+          <p:cNvPr id="4" name="Content Placeholder 3"/>
+          <p:cNvPicPr>
+            <a:picLocks noChangeAspect="1"/>
+          </p:cNvPicPr>
+          <p:nvPr>
+            <p:ph sz="half" idx="1"/>
+          </p:nvPr>
+        </p:nvPicPr>
+        <p:blipFill>
+          <a:blip r:embed="rId1"/>
+          <a:stretch>
+            <a:fillRect/>
+          </a:stretch>
+        </p:blipFill>
+        <p:spPr>
+          <a:xfrm>
+            <a:off x="226060" y="1240790"/>
+            <a:ext cx="2637155" cy="4549140"/>
+          </a:xfrm>
+          <a:prstGeom prst="rect">
+            <a:avLst/>
+          </a:prstGeom>
+        </p:spPr>
+      </p:pic>
+      <p:pic>
+        <p:nvPicPr>
+          <p:cNvPr id="15" name="Picture 14"/>
+          <p:cNvPicPr>
+            <a:picLocks noChangeAspect="1"/>
+          </p:cNvPicPr>
+          <p:nvPr/>
+        </p:nvPicPr>
+        <p:blipFill>
+          <a:blip r:embed="rId2"/>
+          <a:stretch>
+            <a:fillRect/>
+          </a:stretch>
+        </p:blipFill>
+        <p:spPr>
+          <a:xfrm>
+            <a:off x="4095750" y="990600"/>
+            <a:ext cx="4610100" cy="5486400"/>
+          </a:xfrm>
+          <a:prstGeom prst="rect">
+            <a:avLst/>
+          </a:prstGeom>
+        </p:spPr>
+      </p:pic>
+      <p:sp>
+        <p:nvSpPr>
+          <p:cNvPr id="17" name="Right Arrow 16"/>
+          <p:cNvSpPr/>
+          <p:nvPr/>
+        </p:nvSpPr>
+        <p:spPr>
+          <a:xfrm>
+            <a:off x="3048000" y="3581400"/>
+            <a:ext cx="990600" cy="457200"/>
+          </a:xfrm>
+          <a:prstGeom prst="rightArrow">
+            <a:avLst/>
+          </a:prstGeom>
+          <a:solidFill>
+            <a:schemeClr val="accent2">
+              <a:lumMod val="60000"/>
+              <a:lumOff val="40000"/>
+            </a:schemeClr>
+          </a:solidFill>
+          <a:ln>
+            <a:solidFill>
+              <a:schemeClr val="accent2"/>
+            </a:solidFill>
+          </a:ln>
+        </p:spPr>
+        <p:style>
+          <a:lnRef idx="2">
+            <a:schemeClr val="accent1">
+              <a:shade val="50000"/>
+            </a:schemeClr>
+          </a:lnRef>
+          <a:fillRef idx="1">
+            <a:schemeClr val="accent1"/>
+          </a:fillRef>
+          <a:effectRef idx="0">
+            <a:schemeClr val="accent1"/>
+          </a:effectRef>
+          <a:fontRef idx="minor">
+            <a:schemeClr val="lt1"/>
+          </a:fontRef>
+        </p:style>
+        <p:txBody>
+          <a:bodyPr rtlCol="0" anchor="ctr"/>
+          <a:p>
+            <a:pPr algn="ctr"/>
+            <a:endParaRPr lang="en-US"/>
+          </a:p>
+        </p:txBody>
+      </p:sp>
+    </p:spTree>
+  </p:cSld>
+  <p:clrMapOvr>
+    <a:masterClrMapping/>
+  </p:clrMapOvr>
+</p:sld>
+</file>
+
+<file path=ppt/slides/slide92.xml><?xml version="1.0" encoding="utf-8"?>
+<p:sld xmlns:a="http://schemas.openxmlformats.org/drawingml/2006/main" xmlns:r="http://schemas.openxmlformats.org/officeDocument/2006/relationships" xmlns:p="http://schemas.openxmlformats.org/presentationml/2006/main">
+  <p:cSld>
+    <p:spTree>
+      <p:nvGrpSpPr>
+        <p:cNvPr id="1" name=""/>
+        <p:cNvGrpSpPr/>
+        <p:nvPr/>
+      </p:nvGrpSpPr>
       <p:grpSpPr>
         <a:xfrm>
           <a:off x="0" y="0"/>
@@ -17205,152 +18626,6 @@
   <p:transition spd="slow">
     <p:wipe/>
   </p:transition>
-</p:sld>
-</file>
-
-<file path=ppt/slides/slide9.xml><?xml version="1.0" encoding="utf-8"?>
-<p:sld xmlns:a="http://schemas.openxmlformats.org/drawingml/2006/main" xmlns:r="http://schemas.openxmlformats.org/officeDocument/2006/relationships" xmlns:p="http://schemas.openxmlformats.org/presentationml/2006/main">
-  <p:cSld>
-    <p:spTree>
-      <p:nvGrpSpPr>
-        <p:cNvPr id="1" name=""/>
-        <p:cNvGrpSpPr/>
-        <p:nvPr/>
-      </p:nvGrpSpPr>
-      <p:grpSpPr/>
-      <p:sp>
-        <p:nvSpPr>
-          <p:cNvPr id="2" name="Title 1"/>
-          <p:cNvSpPr>
-            <a:spLocks noGrp="1"/>
-          </p:cNvSpPr>
-          <p:nvPr>
-            <p:ph type="title"/>
-          </p:nvPr>
-        </p:nvSpPr>
-        <p:spPr/>
-        <p:txBody>
-          <a:bodyPr/>
-          <a:p>
-            <a:r>
-              <a:rPr lang="en-US"/>
-              <a:t>Spring Boot Starters</a:t>
-            </a:r>
-            <a:endParaRPr lang="en-US"/>
-          </a:p>
-        </p:txBody>
-      </p:sp>
-      <p:sp>
-        <p:nvSpPr>
-          <p:cNvPr id="3" name="Content Placeholder 2"/>
-          <p:cNvSpPr>
-            <a:spLocks noGrp="1"/>
-          </p:cNvSpPr>
-          <p:nvPr>
-            <p:ph idx="1"/>
-          </p:nvPr>
-        </p:nvSpPr>
-        <p:spPr/>
-        <p:txBody>
-          <a:bodyPr/>
-          <a:p>
-            <a:r>
-              <a:rPr lang="en-US"/>
-              <a:t>Spring Boot provides a number of “</a:t>
-            </a:r>
-            <a:r>
-              <a:rPr lang="en-US" b="1"/>
-              <a:t>Starters</a:t>
-            </a:r>
-            <a:r>
-              <a:rPr lang="en-US"/>
-              <a:t>” that lets you add dependency jars to your classpath. You add these starters as dependency in your project's pom.xml.</a:t>
-            </a:r>
-            <a:endParaRPr lang="en-US"/>
-          </a:p>
-          <a:p>
-            <a:r>
-              <a:rPr lang="en-US"/>
-              <a:t>You don't need to mention versions of the dependency starters as they are automatically managed by the parent starter version.</a:t>
-            </a:r>
-            <a:endParaRPr lang="en-US"/>
-          </a:p>
-          <a:p>
-            <a:r>
-              <a:rPr lang="en-US"/>
-              <a:t>Our application will use </a:t>
-            </a:r>
-            <a:r>
-              <a:rPr lang="en-US" b="1"/>
-              <a:t>spring-boot-starter-parent</a:t>
-            </a:r>
-            <a:r>
-              <a:rPr lang="en-US"/>
-              <a:t> as a parent starter, while few child starter projects too.</a:t>
-            </a:r>
-            <a:endParaRPr lang="en-US"/>
-          </a:p>
-          <a:p>
-            <a:r>
-              <a:rPr lang="en-US"/>
-              <a:t>Each single starter dependency adds multiple dependency jars to the classpath dependening on which starter we are adding.</a:t>
-            </a:r>
-            <a:endParaRPr lang="en-US"/>
-          </a:p>
-          <a:p>
-            <a:r>
-              <a:rPr lang="en-US"/>
-              <a:t>For e.g. if we add </a:t>
-            </a:r>
-            <a:r>
-              <a:rPr lang="en-US" b="1"/>
-              <a:t>spring-boot-starter-web</a:t>
-            </a:r>
-            <a:r>
-              <a:rPr lang="en-US"/>
-              <a:t> starter in pom, it will add following jars to classpath: </a:t>
-            </a:r>
-            <a:endParaRPr lang="en-US"/>
-          </a:p>
-          <a:p>
-            <a:pPr lvl="1"/>
-            <a:r>
-              <a:rPr lang="en-US"/>
-              <a:t>spring-web, spring-webmvc</a:t>
-            </a:r>
-            <a:endParaRPr lang="en-US"/>
-          </a:p>
-          <a:p>
-            <a:pPr lvl="1"/>
-            <a:r>
-              <a:rPr lang="en-US"/>
-              <a:t>hibernate-validator</a:t>
-            </a:r>
-            <a:endParaRPr lang="en-US"/>
-          </a:p>
-          <a:p>
-            <a:pPr lvl="1"/>
-            <a:r>
-              <a:rPr lang="en-US"/>
-              <a:t>spring-boot-starter-tomcat</a:t>
-            </a:r>
-            <a:endParaRPr lang="en-US"/>
-          </a:p>
-          <a:p>
-            <a:pPr lvl="1"/>
-            <a:r>
-              <a:rPr lang="en-US"/>
-              <a:t>spring-boot-starter-json</a:t>
-            </a:r>
-            <a:endParaRPr lang="en-US"/>
-          </a:p>
-        </p:txBody>
-      </p:sp>
-    </p:spTree>
-  </p:cSld>
-  <p:clrMapOvr>
-    <a:masterClrMapping/>
-  </p:clrMapOvr>
 </p:sld>
 </file>
 

--- a/Developing with Spring Boot.pptx
+++ b/Developing with Spring Boot.pptx
@@ -13387,7 +13387,9 @@
         </p:nvSpPr>
         <p:spPr/>
         <p:txBody>
-          <a:bodyPr/>
+          <a:bodyPr>
+            <a:normAutofit lnSpcReduction="10000"/>
+          </a:bodyPr>
           <a:p>
             <a:r>
               <a:rPr lang="en-US"/>
@@ -13524,6 +13526,14 @@
             <a:r>
               <a:rPr lang="en-US"/>
               <a:t>IncorrectDateFormatException.java</a:t>
+            </a:r>
+            <a:endParaRPr lang="en-US"/>
+          </a:p>
+          <a:p>
+            <a:pPr lvl="1"/>
+            <a:r>
+              <a:rPr lang="en-US"/>
+              <a:t>UserNotFoundException.java</a:t>
             </a:r>
             <a:endParaRPr lang="en-US"/>
           </a:p>
@@ -14224,37 +14234,37 @@
               <a:buNone/>
             </a:pPr>
             <a:r>
-              <a:rPr lang="en-US" sz="1800"/>
+              <a:rPr lang="en-US" sz="1700"/>
               <a:t>public interface UserRepository extends JpaRepository&lt;User, String&gt;{	</a:t>
             </a:r>
-            <a:endParaRPr lang="en-US" sz="1800"/>
+            <a:endParaRPr lang="en-US" sz="1700"/>
           </a:p>
           <a:p>
             <a:pPr marL="0" indent="0">
               <a:buNone/>
             </a:pPr>
             <a:r>
-              <a:rPr lang="en-US" sz="1800"/>
+              <a:rPr lang="en-US" sz="1700"/>
               <a:t>	&lt;T&gt;T findDtoedByUserName(String userName, Class&lt;T&gt; dto);</a:t>
             </a:r>
-            <a:endParaRPr lang="en-US" sz="1800"/>
+            <a:endParaRPr lang="en-US" sz="1700"/>
           </a:p>
           <a:p>
             <a:pPr marL="0" indent="0">
               <a:buNone/>
             </a:pPr>
             <a:r>
-              <a:rPr lang="en-US" sz="1800"/>
-              <a:t>	&lt;T&gt;T findAllDtoedByRoleRoleCode(String roleCode, Class&lt;T&gt; dto);</a:t>
-            </a:r>
-            <a:endParaRPr lang="en-US" sz="1800"/>
+              <a:rPr lang="en-US" sz="1700"/>
+              <a:t>	&lt;T&gt;List&lt;T&gt; findAllDtoedByRoleRoleCode(String roleCode, Class&lt;T&gt; dto);</a:t>
+            </a:r>
+            <a:endParaRPr lang="en-US" sz="1700"/>
           </a:p>
           <a:p>
             <a:pPr marL="0" indent="0">
               <a:buNone/>
             </a:pPr>
             <a:r>
-              <a:rPr lang="en-US" sz="1800"/>
+              <a:rPr lang="en-US" sz="1700"/>
               <a:t>}</a:t>
             </a:r>
             <a:endParaRPr lang="en-US" sz="2000"/>
@@ -14286,40 +14296,40 @@
               <a:buNone/>
             </a:pPr>
             <a:r>
-              <a:rPr lang="en-US" sz="1800"/>
+              <a:rPr lang="en-US" sz="1700"/>
               <a:t>public interface AddressRepository extends JpaRepository&lt;Address, Long&gt;{</a:t>
             </a:r>
-            <a:endParaRPr lang="en-US" sz="1800"/>
+            <a:endParaRPr lang="en-US" sz="1700"/>
           </a:p>
           <a:p>
             <a:pPr marL="0" indent="0">
               <a:buNone/>
             </a:pPr>
             <a:r>
-              <a:rPr lang="en-US" sz="1800"/>
-              <a:t>	&lt;T&gt;List&lt;T&gt; findDtoedByUserUserName(String userName, Class&lt;T&gt; projection);</a:t>
-            </a:r>
-            <a:endParaRPr lang="en-US" sz="1800"/>
+              <a:rPr lang="en-US" sz="1700"/>
+              <a:t>	&lt;T&gt;List&lt;T&gt; findAllDtoedByUserUserName(String userName, Class&lt;T&gt; projection);</a:t>
+            </a:r>
+            <a:endParaRPr lang="en-US" sz="1700"/>
           </a:p>
           <a:p>
             <a:pPr marL="0" indent="0">
               <a:buNone/>
             </a:pPr>
             <a:r>
-              <a:rPr lang="en-US" sz="1800"/>
-              <a:t>	&lt;T&gt;List&lt;T&gt; findProjectedByUserUserName(String userName, Class&lt;T&gt; projection);</a:t>
-            </a:r>
-            <a:endParaRPr lang="en-US" sz="1800"/>
+              <a:rPr lang="en-US" sz="1700"/>
+              <a:t>	&lt;T&gt;List&lt;T&gt; findAllProjectedByUserUserName(String userName, Class&lt;T&gt; projection);</a:t>
+            </a:r>
+            <a:endParaRPr lang="en-US" sz="1700"/>
           </a:p>
           <a:p>
             <a:pPr marL="0" indent="0">
               <a:buNone/>
             </a:pPr>
             <a:r>
-              <a:rPr lang="en-US" sz="1800"/>
+              <a:rPr lang="en-US" sz="1700"/>
               <a:t>}</a:t>
             </a:r>
-            <a:endParaRPr lang="en-US" sz="1800"/>
+            <a:endParaRPr lang="en-US" sz="1700"/>
           </a:p>
         </p:txBody>
       </p:sp>
